--- a/Documents/P3Presentation.pptx
+++ b/Documents/P3Presentation.pptx
@@ -5,48 +5,53 @@
     <p:sldMasterId id="2147483672" r:id="rId4"/>
   </p:sldMasterIdLst>
   <p:notesMasterIdLst>
-    <p:notesMasterId r:id="rId20"/>
+    <p:notesMasterId r:id="rId25"/>
   </p:notesMasterIdLst>
   <p:sldIdLst>
     <p:sldId id="256" r:id="rId5"/>
     <p:sldId id="257" r:id="rId6"/>
     <p:sldId id="258" r:id="rId7"/>
-    <p:sldId id="278" r:id="rId8"/>
-    <p:sldId id="277" r:id="rId9"/>
-    <p:sldId id="274" r:id="rId10"/>
-    <p:sldId id="269" r:id="rId11"/>
-    <p:sldId id="266" r:id="rId12"/>
-    <p:sldId id="275" r:id="rId13"/>
-    <p:sldId id="267" r:id="rId14"/>
-    <p:sldId id="268" r:id="rId15"/>
-    <p:sldId id="271" r:id="rId16"/>
-    <p:sldId id="260" r:id="rId17"/>
-    <p:sldId id="259" r:id="rId18"/>
-    <p:sldId id="261" r:id="rId19"/>
+    <p:sldId id="280" r:id="rId8"/>
+    <p:sldId id="281" r:id="rId9"/>
+    <p:sldId id="282" r:id="rId10"/>
+    <p:sldId id="262" r:id="rId11"/>
+    <p:sldId id="263" r:id="rId12"/>
+    <p:sldId id="278" r:id="rId13"/>
+    <p:sldId id="277" r:id="rId14"/>
+    <p:sldId id="274" r:id="rId15"/>
+    <p:sldId id="269" r:id="rId16"/>
+    <p:sldId id="266" r:id="rId17"/>
+    <p:sldId id="275" r:id="rId18"/>
+    <p:sldId id="267" r:id="rId19"/>
+    <p:sldId id="268" r:id="rId20"/>
+    <p:sldId id="271" r:id="rId21"/>
+    <p:sldId id="260" r:id="rId22"/>
+    <p:sldId id="259" r:id="rId23"/>
+    <p:sldId id="261" r:id="rId24"/>
   </p:sldIdLst>
   <p:sldSz cx="13817600" cy="7772400"/>
   <p:notesSz cx="6858000" cy="9144000"/>
   <p:embeddedFontLst>
     <p:embeddedFont>
       <p:font typeface="Calibri" panose="020F0502020204030204" pitchFamily="34" charset="0"/>
-      <p:regular r:id="rId21"/>
-      <p:bold r:id="rId22"/>
-      <p:italic r:id="rId23"/>
-      <p:boldItalic r:id="rId24"/>
+      <p:regular r:id="rId26"/>
+      <p:bold r:id="rId27"/>
+      <p:italic r:id="rId28"/>
+      <p:boldItalic r:id="rId29"/>
     </p:embeddedFont>
     <p:embeddedFont>
       <p:font typeface="Libre Franklin" panose="00000500000000000000" charset="0"/>
-      <p:regular r:id="rId25"/>
-      <p:bold r:id="rId26"/>
-      <p:italic r:id="rId27"/>
-      <p:boldItalic r:id="rId28"/>
+      <p:regular r:id="rId30"/>
+      <p:bold r:id="rId31"/>
+      <p:italic r:id="rId32"/>
+      <p:boldItalic r:id="rId33"/>
     </p:embeddedFont>
     <p:embeddedFont>
       <p:font typeface="Verdana" panose="020B0604030504040204" pitchFamily="34" charset="0"/>
-      <p:regular r:id="rId29"/>
-      <p:bold r:id="rId30"/>
-      <p:italic r:id="rId31"/>
-      <p:boldItalic r:id="rId32"/>
+      <p:regular r:id="rId34"/>
+      <p:bold r:id="rId35"/>
+      <p:italic r:id="rId36"/>
+      <p:boldItalic r:id="rId37"/>
     </p:embeddedFont>
   </p:embeddedFontLst>
   <p:defaultTextStyle>
@@ -300,7 +305,7 @@
 <file path=ppt/revisionInfo.xml><?xml version="1.0" encoding="utf-8"?>
 <p1510:revInfo xmlns:a="http://schemas.openxmlformats.org/drawingml/2006/main" xmlns:r="http://schemas.openxmlformats.org/officeDocument/2006/relationships" xmlns:p1510="http://schemas.microsoft.com/office/powerpoint/2015/10/main">
   <p1510:revLst>
-    <p1510:client id="{17D6AB68-7013-4AC3-A358-BE165DFDDE2E}" v="3" dt="2020-12-03T23:10:32.904"/>
+    <p1510:client id="{E1B37AED-CE3C-4DD4-81DE-6DDF9BDD0AB4}" v="9" dt="2020-12-06T19:19:00.022"/>
   </p1510:revLst>
 </p1510:revInfo>
 </file>
@@ -308,64 +313,145 @@
 <file path=ppt/changesInfos/changesInfo1.xml><?xml version="1.0" encoding="utf-8"?>
 <pc:chgInfo xmlns:a="http://schemas.openxmlformats.org/drawingml/2006/main" xmlns:r="http://schemas.openxmlformats.org/officeDocument/2006/relationships" xmlns:ac="http://schemas.microsoft.com/office/drawing/2013/main/command" xmlns:pc="http://schemas.microsoft.com/office/powerpoint/2013/main/command">
   <pc:docChgLst>
-    <pc:chgData name="Mihevc,Maddie (EID)" userId="S::mmihevc@colostate.edu::e77f443c-9dab-44b9-b7cc-d9dfc1589f24" providerId="AD" clId="Web-{8F3635C2-21CA-4ECC-800A-541F118928EC}"/>
-    <pc:docChg chg="modSld">
-      <pc:chgData name="Mihevc,Maddie (EID)" userId="S::mmihevc@colostate.edu::e77f443c-9dab-44b9-b7cc-d9dfc1589f24" providerId="AD" clId="Web-{8F3635C2-21CA-4ECC-800A-541F118928EC}" dt="2020-10-30T20:18:15.611" v="10" actId="20577"/>
+    <pc:chgData name="Brent Staab" userId="da2624a2523c3f65" providerId="LiveId" clId="{E1B37AED-CE3C-4DD4-81DE-6DDF9BDD0AB4}"/>
+    <pc:docChg chg="custSel addSld delSld modSld sldOrd">
+      <pc:chgData name="Brent Staab" userId="da2624a2523c3f65" providerId="LiveId" clId="{E1B37AED-CE3C-4DD4-81DE-6DDF9BDD0AB4}" dt="2020-12-06T19:19:49.638" v="258" actId="33524"/>
       <pc:docMkLst>
         <pc:docMk/>
       </pc:docMkLst>
-      <pc:sldChg chg="modSp">
-        <pc:chgData name="Mihevc,Maddie (EID)" userId="S::mmihevc@colostate.edu::e77f443c-9dab-44b9-b7cc-d9dfc1589f24" providerId="AD" clId="Web-{8F3635C2-21CA-4ECC-800A-541F118928EC}" dt="2020-10-30T20:18:15.611" v="10" actId="20577"/>
+      <pc:sldChg chg="ord">
+        <pc:chgData name="Brent Staab" userId="da2624a2523c3f65" providerId="LiveId" clId="{E1B37AED-CE3C-4DD4-81DE-6DDF9BDD0AB4}" dt="2020-12-06T19:18:36.702" v="254"/>
         <pc:sldMkLst>
           <pc:docMk/>
-          <pc:sldMk cId="35088520" sldId="278"/>
+          <pc:sldMk cId="0" sldId="258"/>
+        </pc:sldMkLst>
+      </pc:sldChg>
+      <pc:sldChg chg="add">
+        <pc:chgData name="Brent Staab" userId="da2624a2523c3f65" providerId="LiveId" clId="{E1B37AED-CE3C-4DD4-81DE-6DDF9BDD0AB4}" dt="2020-12-06T19:18:48.681" v="255"/>
+        <pc:sldMkLst>
+          <pc:docMk/>
+          <pc:sldMk cId="0" sldId="262"/>
+        </pc:sldMkLst>
+      </pc:sldChg>
+      <pc:sldChg chg="add">
+        <pc:chgData name="Brent Staab" userId="da2624a2523c3f65" providerId="LiveId" clId="{E1B37AED-CE3C-4DD4-81DE-6DDF9BDD0AB4}" dt="2020-12-06T19:19:00.020" v="256"/>
+        <pc:sldMkLst>
+          <pc:docMk/>
+          <pc:sldMk cId="0" sldId="263"/>
+        </pc:sldMkLst>
+      </pc:sldChg>
+      <pc:sldChg chg="addSp delSp modSp add del mod ord">
+        <pc:chgData name="Brent Staab" userId="da2624a2523c3f65" providerId="LiveId" clId="{E1B37AED-CE3C-4DD4-81DE-6DDF9BDD0AB4}" dt="2020-12-06T19:19:16.291" v="257" actId="2696"/>
+        <pc:sldMkLst>
+          <pc:docMk/>
+          <pc:sldMk cId="2194539700" sldId="279"/>
         </pc:sldMkLst>
         <pc:spChg chg="mod">
-          <ac:chgData name="Mihevc,Maddie (EID)" userId="S::mmihevc@colostate.edu::e77f443c-9dab-44b9-b7cc-d9dfc1589f24" providerId="AD" clId="Web-{8F3635C2-21CA-4ECC-800A-541F118928EC}" dt="2020-10-30T20:18:15.611" v="10" actId="20577"/>
+          <ac:chgData name="Brent Staab" userId="da2624a2523c3f65" providerId="LiveId" clId="{E1B37AED-CE3C-4DD4-81DE-6DDF9BDD0AB4}" dt="2020-12-06T19:15:13.599" v="245" actId="20577"/>
           <ac:spMkLst>
             <pc:docMk/>
-            <pc:sldMk cId="35088520" sldId="278"/>
-            <ac:spMk id="4" creationId="{6D1F159F-4B68-40F1-B4DE-5E25C4D97DAB}"/>
+            <pc:sldMk cId="2194539700" sldId="279"/>
+            <ac:spMk id="147" creationId="{00000000-0000-0000-0000-000000000000}"/>
           </ac:spMkLst>
         </pc:spChg>
+        <pc:picChg chg="add del">
+          <ac:chgData name="Brent Staab" userId="da2624a2523c3f65" providerId="LiveId" clId="{E1B37AED-CE3C-4DD4-81DE-6DDF9BDD0AB4}" dt="2020-12-06T19:16:51.338" v="247"/>
+          <ac:picMkLst>
+            <pc:docMk/>
+            <pc:sldMk cId="2194539700" sldId="279"/>
+            <ac:picMk id="1026" creationId="{E501F174-0D43-4766-BDA1-0EAAC5CC8D36}"/>
+          </ac:picMkLst>
+        </pc:picChg>
+      </pc:sldChg>
+      <pc:sldChg chg="add ord">
+        <pc:chgData name="Brent Staab" userId="da2624a2523c3f65" providerId="LiveId" clId="{E1B37AED-CE3C-4DD4-81DE-6DDF9BDD0AB4}" dt="2020-12-06T19:18:06.112" v="250"/>
+        <pc:sldMkLst>
+          <pc:docMk/>
+          <pc:sldMk cId="0" sldId="280"/>
+        </pc:sldMkLst>
+      </pc:sldChg>
+      <pc:sldChg chg="modSp add mod">
+        <pc:chgData name="Brent Staab" userId="da2624a2523c3f65" providerId="LiveId" clId="{E1B37AED-CE3C-4DD4-81DE-6DDF9BDD0AB4}" dt="2020-12-06T19:19:49.638" v="258" actId="33524"/>
+        <pc:sldMkLst>
+          <pc:docMk/>
+          <pc:sldMk cId="0" sldId="281"/>
+        </pc:sldMkLst>
+        <pc:spChg chg="mod">
+          <ac:chgData name="Brent Staab" userId="da2624a2523c3f65" providerId="LiveId" clId="{E1B37AED-CE3C-4DD4-81DE-6DDF9BDD0AB4}" dt="2020-12-06T19:19:49.638" v="258" actId="33524"/>
+          <ac:spMkLst>
+            <pc:docMk/>
+            <pc:sldMk cId="0" sldId="281"/>
+            <ac:spMk id="173" creationId="{00000000-0000-0000-0000-000000000000}"/>
+          </ac:spMkLst>
+        </pc:spChg>
+      </pc:sldChg>
+      <pc:sldChg chg="add">
+        <pc:chgData name="Brent Staab" userId="da2624a2523c3f65" providerId="LiveId" clId="{E1B37AED-CE3C-4DD4-81DE-6DDF9BDD0AB4}" dt="2020-12-06T19:18:30.322" v="252"/>
+        <pc:sldMkLst>
+          <pc:docMk/>
+          <pc:sldMk cId="0" sldId="282"/>
+        </pc:sldMkLst>
       </pc:sldChg>
     </pc:docChg>
   </pc:docChgLst>
   <pc:docChgLst>
-    <pc:chgData name="Mihevc,Maddie (EID)" userId="S::mmihevc@colostate.edu::e77f443c-9dab-44b9-b7cc-d9dfc1589f24" providerId="AD" clId="Web-{B843F048-07E8-4322-B5F1-650049138E06}"/>
+    <pc:chgData name="Gonzalez,Keabeth (EID)" userId="S::keabethg@colostate.edu::4f075342-b6f5-49e7-ada1-9b7105c7141b" providerId="AD" clId="Web-{7DD1B792-79B4-4488-9118-78E68CDC026C}"/>
     <pc:docChg chg="modSld">
-      <pc:chgData name="Mihevc,Maddie (EID)" userId="S::mmihevc@colostate.edu::e77f443c-9dab-44b9-b7cc-d9dfc1589f24" providerId="AD" clId="Web-{B843F048-07E8-4322-B5F1-650049138E06}" dt="2020-10-30T20:35:49.678" v="18" actId="1076"/>
+      <pc:chgData name="Gonzalez,Keabeth (EID)" userId="S::keabethg@colostate.edu::4f075342-b6f5-49e7-ada1-9b7105c7141b" providerId="AD" clId="Web-{7DD1B792-79B4-4488-9118-78E68CDC026C}" dt="2020-10-31T17:09:17.873" v="23"/>
       <pc:docMkLst>
         <pc:docMk/>
       </pc:docMkLst>
-      <pc:sldChg chg="addSp delSp modSp mod modClrScheme chgLayout">
-        <pc:chgData name="Mihevc,Maddie (EID)" userId="S::mmihevc@colostate.edu::e77f443c-9dab-44b9-b7cc-d9dfc1589f24" providerId="AD" clId="Web-{B843F048-07E8-4322-B5F1-650049138E06}" dt="2020-10-30T20:35:49.678" v="18" actId="1076"/>
+      <pc:sldChg chg="addSp delSp modSp">
+        <pc:chgData name="Gonzalez,Keabeth (EID)" userId="S::keabethg@colostate.edu::4f075342-b6f5-49e7-ada1-9b7105c7141b" providerId="AD" clId="Web-{7DD1B792-79B4-4488-9118-78E68CDC026C}" dt="2020-10-31T17:09:17.873" v="23"/>
         <pc:sldMkLst>
           <pc:docMk/>
-          <pc:sldMk cId="2622422789" sldId="274"/>
+          <pc:sldMk cId="0" sldId="266"/>
         </pc:sldMkLst>
-        <pc:spChg chg="del">
-          <ac:chgData name="Mihevc,Maddie (EID)" userId="S::mmihevc@colostate.edu::e77f443c-9dab-44b9-b7cc-d9dfc1589f24" providerId="AD" clId="Web-{B843F048-07E8-4322-B5F1-650049138E06}" dt="2020-10-30T20:34:28.818" v="4"/>
+        <pc:spChg chg="add del">
+          <ac:chgData name="Gonzalez,Keabeth (EID)" userId="S::keabethg@colostate.edu::4f075342-b6f5-49e7-ada1-9b7105c7141b" providerId="AD" clId="Web-{7DD1B792-79B4-4488-9118-78E68CDC026C}" dt="2020-10-31T16:53:01.668" v="3"/>
           <ac:spMkLst>
             <pc:docMk/>
-            <pc:sldMk cId="2622422789" sldId="274"/>
-            <ac:spMk id="3" creationId="{8412F72C-B211-4F9D-9BEB-B75380E5A102}"/>
+            <pc:sldMk cId="0" sldId="266"/>
+            <ac:spMk id="2" creationId="{36CE44AB-7D81-4E42-95C0-B618755230AC}"/>
           </ac:spMkLst>
         </pc:spChg>
-        <pc:spChg chg="mod ord">
-          <ac:chgData name="Mihevc,Maddie (EID)" userId="S::mmihevc@colostate.edu::e77f443c-9dab-44b9-b7cc-d9dfc1589f24" providerId="AD" clId="Web-{B843F048-07E8-4322-B5F1-650049138E06}" dt="2020-10-30T20:35:18.225" v="13" actId="1076"/>
+        <pc:spChg chg="add del mod">
+          <ac:chgData name="Gonzalez,Keabeth (EID)" userId="S::keabethg@colostate.edu::4f075342-b6f5-49e7-ada1-9b7105c7141b" providerId="AD" clId="Web-{7DD1B792-79B4-4488-9118-78E68CDC026C}" dt="2020-10-31T17:09:17.873" v="23"/>
           <ac:spMkLst>
             <pc:docMk/>
-            <pc:sldMk cId="2622422789" sldId="274"/>
-            <ac:spMk id="8" creationId="{CCBBBDB5-269B-4746-B097-AF1B5316773C}"/>
+            <pc:sldMk cId="0" sldId="266"/>
+            <ac:spMk id="5" creationId="{91640B03-438B-4A23-98BD-F489574366F5}"/>
           </ac:spMkLst>
         </pc:spChg>
-        <pc:picChg chg="add mod">
-          <ac:chgData name="Mihevc,Maddie (EID)" userId="S::mmihevc@colostate.edu::e77f443c-9dab-44b9-b7cc-d9dfc1589f24" providerId="AD" clId="Web-{B843F048-07E8-4322-B5F1-650049138E06}" dt="2020-10-30T20:35:49.678" v="18" actId="1076"/>
+        <pc:picChg chg="add del mod">
+          <ac:chgData name="Gonzalez,Keabeth (EID)" userId="S::keabethg@colostate.edu::4f075342-b6f5-49e7-ada1-9b7105c7141b" providerId="AD" clId="Web-{7DD1B792-79B4-4488-9118-78E68CDC026C}" dt="2020-10-31T16:53:00.699" v="2"/>
           <ac:picMkLst>
             <pc:docMk/>
-            <pc:sldMk cId="2622422789" sldId="274"/>
-            <ac:picMk id="2" creationId="{D637DBFD-2C0B-47F9-8BC3-F09B86327871}"/>
+            <pc:sldMk cId="0" sldId="266"/>
+            <ac:picMk id="3" creationId="{52E72611-882E-4407-8B6A-A07B2A96D544}"/>
+          </ac:picMkLst>
+        </pc:picChg>
+      </pc:sldChg>
+      <pc:sldChg chg="addSp delSp modSp">
+        <pc:chgData name="Gonzalez,Keabeth (EID)" userId="S::keabethg@colostate.edu::4f075342-b6f5-49e7-ada1-9b7105c7141b" providerId="AD" clId="Web-{7DD1B792-79B4-4488-9118-78E68CDC026C}" dt="2020-10-31T16:58:34.620" v="17" actId="1076"/>
+        <pc:sldMkLst>
+          <pc:docMk/>
+          <pc:sldMk cId="0" sldId="267"/>
+        </pc:sldMkLst>
+        <pc:picChg chg="del">
+          <ac:chgData name="Gonzalez,Keabeth (EID)" userId="S::keabethg@colostate.edu::4f075342-b6f5-49e7-ada1-9b7105c7141b" providerId="AD" clId="Web-{7DD1B792-79B4-4488-9118-78E68CDC026C}" dt="2020-10-31T16:55:37.065" v="10"/>
+          <ac:picMkLst>
+            <pc:docMk/>
+            <pc:sldMk cId="0" sldId="267"/>
+            <ac:picMk id="2" creationId="{4B6A6F64-142E-4A17-A8D8-D83E1CC022C6}"/>
+          </ac:picMkLst>
+        </pc:picChg>
+        <pc:picChg chg="add mod">
+          <ac:chgData name="Gonzalez,Keabeth (EID)" userId="S::keabethg@colostate.edu::4f075342-b6f5-49e7-ada1-9b7105c7141b" providerId="AD" clId="Web-{7DD1B792-79B4-4488-9118-78E68CDC026C}" dt="2020-10-31T16:58:34.620" v="17" actId="1076"/>
+          <ac:picMkLst>
+            <pc:docMk/>
+            <pc:sldMk cId="0" sldId="267"/>
+            <ac:picMk id="4" creationId="{F4AB0DD9-23C1-428E-9E21-F7CB58B0A205}"/>
           </ac:picMkLst>
         </pc:picChg>
       </pc:sldChg>
@@ -560,410 +646,42 @@
     </pc:docChg>
   </pc:docChgLst>
   <pc:docChgLst>
-    <pc:chgData name="Brent Staab" userId="da2624a2523c3f65" providerId="LiveId" clId="{17D6AB68-7013-4AC3-A358-BE165DFDDE2E}"/>
-    <pc:docChg chg="custSel modSld">
-      <pc:chgData name="Brent Staab" userId="da2624a2523c3f65" providerId="LiveId" clId="{17D6AB68-7013-4AC3-A358-BE165DFDDE2E}" dt="2020-12-03T23:11:35.998" v="221" actId="20577"/>
+    <pc:chgData name="Mihevc,Maddie (EID)" userId="S::mmihevc@colostate.edu::e77f443c-9dab-44b9-b7cc-d9dfc1589f24" providerId="AD" clId="Web-{B843F048-07E8-4322-B5F1-650049138E06}"/>
+    <pc:docChg chg="modSld">
+      <pc:chgData name="Mihevc,Maddie (EID)" userId="S::mmihevc@colostate.edu::e77f443c-9dab-44b9-b7cc-d9dfc1589f24" providerId="AD" clId="Web-{B843F048-07E8-4322-B5F1-650049138E06}" dt="2020-10-30T20:35:49.678" v="18" actId="1076"/>
       <pc:docMkLst>
         <pc:docMk/>
       </pc:docMkLst>
-      <pc:sldChg chg="modSp mod">
-        <pc:chgData name="Brent Staab" userId="da2624a2523c3f65" providerId="LiveId" clId="{17D6AB68-7013-4AC3-A358-BE165DFDDE2E}" dt="2020-12-03T23:06:58.367" v="2" actId="20577"/>
-        <pc:sldMkLst>
-          <pc:docMk/>
-          <pc:sldMk cId="0" sldId="256"/>
-        </pc:sldMkLst>
-        <pc:spChg chg="mod">
-          <ac:chgData name="Brent Staab" userId="da2624a2523c3f65" providerId="LiveId" clId="{17D6AB68-7013-4AC3-A358-BE165DFDDE2E}" dt="2020-12-03T23:06:58.367" v="2" actId="20577"/>
-          <ac:spMkLst>
-            <pc:docMk/>
-            <pc:sldMk cId="0" sldId="256"/>
-            <ac:spMk id="141" creationId="{00000000-0000-0000-0000-000000000000}"/>
-          </ac:spMkLst>
-        </pc:spChg>
-      </pc:sldChg>
-      <pc:sldChg chg="modSp mod">
-        <pc:chgData name="Brent Staab" userId="da2624a2523c3f65" providerId="LiveId" clId="{17D6AB68-7013-4AC3-A358-BE165DFDDE2E}" dt="2020-12-03T23:08:24.466" v="12" actId="12"/>
-        <pc:sldMkLst>
-          <pc:docMk/>
-          <pc:sldMk cId="0" sldId="257"/>
-        </pc:sldMkLst>
-        <pc:spChg chg="mod">
-          <ac:chgData name="Brent Staab" userId="da2624a2523c3f65" providerId="LiveId" clId="{17D6AB68-7013-4AC3-A358-BE165DFDDE2E}" dt="2020-12-03T23:08:24.466" v="12" actId="12"/>
-          <ac:spMkLst>
-            <pc:docMk/>
-            <pc:sldMk cId="0" sldId="257"/>
-            <ac:spMk id="147" creationId="{00000000-0000-0000-0000-000000000000}"/>
-          </ac:spMkLst>
-        </pc:spChg>
-      </pc:sldChg>
-      <pc:sldChg chg="delSp mod">
-        <pc:chgData name="Brent Staab" userId="da2624a2523c3f65" providerId="LiveId" clId="{17D6AB68-7013-4AC3-A358-BE165DFDDE2E}" dt="2020-12-03T23:11:12.137" v="216" actId="478"/>
-        <pc:sldMkLst>
-          <pc:docMk/>
-          <pc:sldMk cId="0" sldId="266"/>
-        </pc:sldMkLst>
-        <pc:picChg chg="del">
-          <ac:chgData name="Brent Staab" userId="da2624a2523c3f65" providerId="LiveId" clId="{17D6AB68-7013-4AC3-A358-BE165DFDDE2E}" dt="2020-12-03T23:11:10.366" v="214" actId="478"/>
-          <ac:picMkLst>
-            <pc:docMk/>
-            <pc:sldMk cId="0" sldId="266"/>
-            <ac:picMk id="2" creationId="{1FDE11CF-D029-4546-8C12-7ACD6581AC24}"/>
-          </ac:picMkLst>
-        </pc:picChg>
-        <pc:picChg chg="del">
-          <ac:chgData name="Brent Staab" userId="da2624a2523c3f65" providerId="LiveId" clId="{17D6AB68-7013-4AC3-A358-BE165DFDDE2E}" dt="2020-12-03T23:11:10.717" v="215" actId="478"/>
-          <ac:picMkLst>
-            <pc:docMk/>
-            <pc:sldMk cId="0" sldId="266"/>
-            <ac:picMk id="3" creationId="{C953911B-8770-47FE-B610-8F80C970A0F9}"/>
-          </ac:picMkLst>
-        </pc:picChg>
-        <pc:picChg chg="del">
-          <ac:chgData name="Brent Staab" userId="da2624a2523c3f65" providerId="LiveId" clId="{17D6AB68-7013-4AC3-A358-BE165DFDDE2E}" dt="2020-12-03T23:11:12.137" v="216" actId="478"/>
-          <ac:picMkLst>
-            <pc:docMk/>
-            <pc:sldMk cId="0" sldId="266"/>
-            <ac:picMk id="5" creationId="{ED97E7E1-07B7-41E1-AB98-F6DB4CB555F6}"/>
-          </ac:picMkLst>
-        </pc:picChg>
-      </pc:sldChg>
-      <pc:sldChg chg="addSp delSp modSp mod">
-        <pc:chgData name="Brent Staab" userId="da2624a2523c3f65" providerId="LiveId" clId="{17D6AB68-7013-4AC3-A358-BE165DFDDE2E}" dt="2020-12-03T23:10:52.128" v="207" actId="20577"/>
-        <pc:sldMkLst>
-          <pc:docMk/>
-          <pc:sldMk cId="0" sldId="267"/>
-        </pc:sldMkLst>
-        <pc:spChg chg="add mod">
-          <ac:chgData name="Brent Staab" userId="da2624a2523c3f65" providerId="LiveId" clId="{17D6AB68-7013-4AC3-A358-BE165DFDDE2E}" dt="2020-12-03T23:10:52.128" v="207" actId="20577"/>
-          <ac:spMkLst>
-            <pc:docMk/>
-            <pc:sldMk cId="0" sldId="267"/>
-            <ac:spMk id="4" creationId="{A52D68AF-8A7E-47CB-B8D2-D8016F5466F6}"/>
-          </ac:spMkLst>
-        </pc:spChg>
-        <pc:picChg chg="del">
-          <ac:chgData name="Brent Staab" userId="da2624a2523c3f65" providerId="LiveId" clId="{17D6AB68-7013-4AC3-A358-BE165DFDDE2E}" dt="2020-12-03T23:10:25.145" v="146" actId="478"/>
-          <ac:picMkLst>
-            <pc:docMk/>
-            <pc:sldMk cId="0" sldId="267"/>
-            <ac:picMk id="2" creationId="{F4598811-6D58-42D1-8C5C-DC794E194A07}"/>
-          </ac:picMkLst>
-        </pc:picChg>
-      </pc:sldChg>
-      <pc:sldChg chg="delSp modSp mod">
-        <pc:chgData name="Brent Staab" userId="da2624a2523c3f65" providerId="LiveId" clId="{17D6AB68-7013-4AC3-A358-BE165DFDDE2E}" dt="2020-12-03T23:11:04.239" v="210" actId="478"/>
-        <pc:sldMkLst>
-          <pc:docMk/>
-          <pc:sldMk cId="0" sldId="268"/>
-        </pc:sldMkLst>
-        <pc:picChg chg="del mod">
-          <ac:chgData name="Brent Staab" userId="da2624a2523c3f65" providerId="LiveId" clId="{17D6AB68-7013-4AC3-A358-BE165DFDDE2E}" dt="2020-12-03T23:11:03.679" v="209" actId="478"/>
-          <ac:picMkLst>
-            <pc:docMk/>
-            <pc:sldMk cId="0" sldId="268"/>
-            <ac:picMk id="2" creationId="{15B07DD4-57DA-4D6E-B750-C77F1C9D4BE0}"/>
-          </ac:picMkLst>
-        </pc:picChg>
-        <pc:picChg chg="del">
-          <ac:chgData name="Brent Staab" userId="da2624a2523c3f65" providerId="LiveId" clId="{17D6AB68-7013-4AC3-A358-BE165DFDDE2E}" dt="2020-12-03T23:11:04.239" v="210" actId="478"/>
-          <ac:picMkLst>
-            <pc:docMk/>
-            <pc:sldMk cId="0" sldId="268"/>
-            <ac:picMk id="3" creationId="{207B2135-B824-4C8E-B9B0-8CC4F4EB7CCB}"/>
-          </ac:picMkLst>
-        </pc:picChg>
-      </pc:sldChg>
-      <pc:sldChg chg="delSp mod">
-        <pc:chgData name="Brent Staab" userId="da2624a2523c3f65" providerId="LiveId" clId="{17D6AB68-7013-4AC3-A358-BE165DFDDE2E}" dt="2020-12-03T23:11:08.047" v="213" actId="478"/>
-        <pc:sldMkLst>
-          <pc:docMk/>
-          <pc:sldMk cId="487161662" sldId="275"/>
-        </pc:sldMkLst>
-        <pc:picChg chg="del">
-          <ac:chgData name="Brent Staab" userId="da2624a2523c3f65" providerId="LiveId" clId="{17D6AB68-7013-4AC3-A358-BE165DFDDE2E}" dt="2020-12-03T23:11:07.094" v="211" actId="478"/>
-          <ac:picMkLst>
-            <pc:docMk/>
-            <pc:sldMk cId="487161662" sldId="275"/>
-            <ac:picMk id="4" creationId="{64E8A77E-AECE-4C8C-9D1F-E32383D15332}"/>
-          </ac:picMkLst>
-        </pc:picChg>
-        <pc:picChg chg="del">
-          <ac:chgData name="Brent Staab" userId="da2624a2523c3f65" providerId="LiveId" clId="{17D6AB68-7013-4AC3-A358-BE165DFDDE2E}" dt="2020-12-03T23:11:07.584" v="212" actId="478"/>
-          <ac:picMkLst>
-            <pc:docMk/>
-            <pc:sldMk cId="487161662" sldId="275"/>
-            <ac:picMk id="5" creationId="{34D84A22-58D8-40EF-BA34-5A55769128DE}"/>
-          </ac:picMkLst>
-        </pc:picChg>
-        <pc:picChg chg="del">
-          <ac:chgData name="Brent Staab" userId="da2624a2523c3f65" providerId="LiveId" clId="{17D6AB68-7013-4AC3-A358-BE165DFDDE2E}" dt="2020-12-03T23:11:08.047" v="213" actId="478"/>
-          <ac:picMkLst>
-            <pc:docMk/>
-            <pc:sldMk cId="487161662" sldId="275"/>
-            <ac:picMk id="6" creationId="{DE2CCE65-7426-433A-9CE2-CC1E66CB95AB}"/>
-          </ac:picMkLst>
-        </pc:picChg>
-      </pc:sldChg>
-      <pc:sldChg chg="addSp delSp modSp mod">
-        <pc:chgData name="Brent Staab" userId="da2624a2523c3f65" providerId="LiveId" clId="{17D6AB68-7013-4AC3-A358-BE165DFDDE2E}" dt="2020-12-03T23:10:05.974" v="145" actId="20577"/>
-        <pc:sldMkLst>
-          <pc:docMk/>
-          <pc:sldMk cId="2130408549" sldId="277"/>
-        </pc:sldMkLst>
-        <pc:spChg chg="add mod">
-          <ac:chgData name="Brent Staab" userId="da2624a2523c3f65" providerId="LiveId" clId="{17D6AB68-7013-4AC3-A358-BE165DFDDE2E}" dt="2020-12-03T23:10:05.974" v="145" actId="20577"/>
-          <ac:spMkLst>
-            <pc:docMk/>
-            <pc:sldMk cId="2130408549" sldId="277"/>
-            <ac:spMk id="4" creationId="{CEE5405A-B61D-479D-A075-167138D3BCB3}"/>
-          </ac:spMkLst>
-        </pc:spChg>
-        <pc:picChg chg="del">
-          <ac:chgData name="Brent Staab" userId="da2624a2523c3f65" providerId="LiveId" clId="{17D6AB68-7013-4AC3-A358-BE165DFDDE2E}" dt="2020-12-03T23:08:36.207" v="13" actId="478"/>
-          <ac:picMkLst>
-            <pc:docMk/>
-            <pc:sldMk cId="2130408549" sldId="277"/>
-            <ac:picMk id="3" creationId="{7A36CFAF-D4F8-4CF2-8E10-CE6439525FAF}"/>
-          </ac:picMkLst>
-        </pc:picChg>
-      </pc:sldChg>
-      <pc:sldChg chg="modSp mod">
-        <pc:chgData name="Brent Staab" userId="da2624a2523c3f65" providerId="LiveId" clId="{17D6AB68-7013-4AC3-A358-BE165DFDDE2E}" dt="2020-12-03T23:11:35.998" v="221" actId="20577"/>
-        <pc:sldMkLst>
-          <pc:docMk/>
-          <pc:sldMk cId="35088520" sldId="278"/>
-        </pc:sldMkLst>
-        <pc:spChg chg="mod">
-          <ac:chgData name="Brent Staab" userId="da2624a2523c3f65" providerId="LiveId" clId="{17D6AB68-7013-4AC3-A358-BE165DFDDE2E}" dt="2020-12-03T23:11:35.998" v="221" actId="20577"/>
-          <ac:spMkLst>
-            <pc:docMk/>
-            <pc:sldMk cId="35088520" sldId="278"/>
-            <ac:spMk id="4" creationId="{6D1F159F-4B68-40F1-B4DE-5E25C4D97DAB}"/>
-          </ac:spMkLst>
-        </pc:spChg>
-      </pc:sldChg>
-    </pc:docChg>
-  </pc:docChgLst>
-  <pc:docChgLst>
-    <pc:chgData name="Gonzalez,Keabeth (EID)" userId="S::keabethg@colostate.edu::4f075342-b6f5-49e7-ada1-9b7105c7141b" providerId="AD" clId="Web-{FD46B18E-4B5F-4C7C-997F-68B0490E5886}"/>
-    <pc:docChg chg="modSld">
-      <pc:chgData name="Gonzalez,Keabeth (EID)" userId="S::keabethg@colostate.edu::4f075342-b6f5-49e7-ada1-9b7105c7141b" providerId="AD" clId="Web-{FD46B18E-4B5F-4C7C-997F-68B0490E5886}" dt="2020-10-31T16:45:40.581" v="3" actId="1076"/>
-      <pc:docMkLst>
-        <pc:docMk/>
-      </pc:docMkLst>
-      <pc:sldChg chg="addSp modSp">
-        <pc:chgData name="Gonzalez,Keabeth (EID)" userId="S::keabethg@colostate.edu::4f075342-b6f5-49e7-ada1-9b7105c7141b" providerId="AD" clId="Web-{FD46B18E-4B5F-4C7C-997F-68B0490E5886}" dt="2020-10-31T16:45:40.581" v="3" actId="1076"/>
-        <pc:sldMkLst>
-          <pc:docMk/>
-          <pc:sldMk cId="0" sldId="267"/>
-        </pc:sldMkLst>
-        <pc:picChg chg="add mod">
-          <ac:chgData name="Gonzalez,Keabeth (EID)" userId="S::keabethg@colostate.edu::4f075342-b6f5-49e7-ada1-9b7105c7141b" providerId="AD" clId="Web-{FD46B18E-4B5F-4C7C-997F-68B0490E5886}" dt="2020-10-31T16:45:40.581" v="3" actId="1076"/>
-          <ac:picMkLst>
-            <pc:docMk/>
-            <pc:sldMk cId="0" sldId="267"/>
-            <ac:picMk id="2" creationId="{4B6A6F64-142E-4A17-A8D8-D83E1CC022C6}"/>
-          </ac:picMkLst>
-        </pc:picChg>
-      </pc:sldChg>
-    </pc:docChg>
-  </pc:docChgLst>
-  <pc:docChgLst>
-    <pc:chgData name="Mihevc,Maddie (EID)" userId="S::mmihevc@colostate.edu::e77f443c-9dab-44b9-b7cc-d9dfc1589f24" providerId="AD" clId="Web-{15D67883-84B6-495A-AFD8-C4C34DD6C6A8}"/>
-    <pc:docChg chg="addSld modSld">
-      <pc:chgData name="Mihevc,Maddie (EID)" userId="S::mmihevc@colostate.edu::e77f443c-9dab-44b9-b7cc-d9dfc1589f24" providerId="AD" clId="Web-{15D67883-84B6-495A-AFD8-C4C34DD6C6A8}" dt="2020-10-30T20:00:59.554" v="74" actId="20577"/>
-      <pc:docMkLst>
-        <pc:docMk/>
-      </pc:docMkLst>
-      <pc:sldChg chg="addSp modSp new mod modClrScheme chgLayout">
-        <pc:chgData name="Mihevc,Maddie (EID)" userId="S::mmihevc@colostate.edu::e77f443c-9dab-44b9-b7cc-d9dfc1589f24" providerId="AD" clId="Web-{15D67883-84B6-495A-AFD8-C4C34DD6C6A8}" dt="2020-10-30T20:00:59.554" v="74" actId="20577"/>
-        <pc:sldMkLst>
-          <pc:docMk/>
-          <pc:sldMk cId="35088520" sldId="278"/>
-        </pc:sldMkLst>
-        <pc:spChg chg="mod ord">
-          <ac:chgData name="Mihevc,Maddie (EID)" userId="S::mmihevc@colostate.edu::e77f443c-9dab-44b9-b7cc-d9dfc1589f24" providerId="AD" clId="Web-{15D67883-84B6-495A-AFD8-C4C34DD6C6A8}" dt="2020-10-30T20:00:22.413" v="15"/>
-          <ac:spMkLst>
-            <pc:docMk/>
-            <pc:sldMk cId="35088520" sldId="278"/>
-            <ac:spMk id="2" creationId="{9E42DBDC-33C7-4FA4-8A58-85D50C3A1480}"/>
-          </ac:spMkLst>
-        </pc:spChg>
-        <pc:spChg chg="add mod">
-          <ac:chgData name="Mihevc,Maddie (EID)" userId="S::mmihevc@colostate.edu::e77f443c-9dab-44b9-b7cc-d9dfc1589f24" providerId="AD" clId="Web-{15D67883-84B6-495A-AFD8-C4C34DD6C6A8}" dt="2020-10-30T20:00:07.304" v="12" actId="20577"/>
-          <ac:spMkLst>
-            <pc:docMk/>
-            <pc:sldMk cId="35088520" sldId="278"/>
-            <ac:spMk id="3" creationId="{53A5AA6C-6DB2-42D4-B96D-F8AB292B4549}"/>
-          </ac:spMkLst>
-        </pc:spChg>
-        <pc:spChg chg="add mod ord">
-          <ac:chgData name="Mihevc,Maddie (EID)" userId="S::mmihevc@colostate.edu::e77f443c-9dab-44b9-b7cc-d9dfc1589f24" providerId="AD" clId="Web-{15D67883-84B6-495A-AFD8-C4C34DD6C6A8}" dt="2020-10-30T20:00:59.554" v="74" actId="20577"/>
-          <ac:spMkLst>
-            <pc:docMk/>
-            <pc:sldMk cId="35088520" sldId="278"/>
-            <ac:spMk id="4" creationId="{6D1F159F-4B68-40F1-B4DE-5E25C4D97DAB}"/>
-          </ac:spMkLst>
-        </pc:spChg>
-      </pc:sldChg>
-    </pc:docChg>
-  </pc:docChgLst>
-  <pc:docChgLst>
-    <pc:chgData name="Gonzalez,Keabeth (EID)" userId="S::keabethg@colostate.edu::4f075342-b6f5-49e7-ada1-9b7105c7141b" providerId="AD" clId="Web-{7DD1B792-79B4-4488-9118-78E68CDC026C}"/>
-    <pc:docChg chg="modSld">
-      <pc:chgData name="Gonzalez,Keabeth (EID)" userId="S::keabethg@colostate.edu::4f075342-b6f5-49e7-ada1-9b7105c7141b" providerId="AD" clId="Web-{7DD1B792-79B4-4488-9118-78E68CDC026C}" dt="2020-10-31T17:09:17.873" v="23"/>
-      <pc:docMkLst>
-        <pc:docMk/>
-      </pc:docMkLst>
-      <pc:sldChg chg="addSp delSp modSp">
-        <pc:chgData name="Gonzalez,Keabeth (EID)" userId="S::keabethg@colostate.edu::4f075342-b6f5-49e7-ada1-9b7105c7141b" providerId="AD" clId="Web-{7DD1B792-79B4-4488-9118-78E68CDC026C}" dt="2020-10-31T17:09:17.873" v="23"/>
-        <pc:sldMkLst>
-          <pc:docMk/>
-          <pc:sldMk cId="0" sldId="266"/>
-        </pc:sldMkLst>
-        <pc:spChg chg="add del">
-          <ac:chgData name="Gonzalez,Keabeth (EID)" userId="S::keabethg@colostate.edu::4f075342-b6f5-49e7-ada1-9b7105c7141b" providerId="AD" clId="Web-{7DD1B792-79B4-4488-9118-78E68CDC026C}" dt="2020-10-31T16:53:01.668" v="3"/>
-          <ac:spMkLst>
-            <pc:docMk/>
-            <pc:sldMk cId="0" sldId="266"/>
-            <ac:spMk id="2" creationId="{36CE44AB-7D81-4E42-95C0-B618755230AC}"/>
-          </ac:spMkLst>
-        </pc:spChg>
-        <pc:spChg chg="add del mod">
-          <ac:chgData name="Gonzalez,Keabeth (EID)" userId="S::keabethg@colostate.edu::4f075342-b6f5-49e7-ada1-9b7105c7141b" providerId="AD" clId="Web-{7DD1B792-79B4-4488-9118-78E68CDC026C}" dt="2020-10-31T17:09:17.873" v="23"/>
-          <ac:spMkLst>
-            <pc:docMk/>
-            <pc:sldMk cId="0" sldId="266"/>
-            <ac:spMk id="5" creationId="{91640B03-438B-4A23-98BD-F489574366F5}"/>
-          </ac:spMkLst>
-        </pc:spChg>
-        <pc:picChg chg="add del mod">
-          <ac:chgData name="Gonzalez,Keabeth (EID)" userId="S::keabethg@colostate.edu::4f075342-b6f5-49e7-ada1-9b7105c7141b" providerId="AD" clId="Web-{7DD1B792-79B4-4488-9118-78E68CDC026C}" dt="2020-10-31T16:53:00.699" v="2"/>
-          <ac:picMkLst>
-            <pc:docMk/>
-            <pc:sldMk cId="0" sldId="266"/>
-            <ac:picMk id="3" creationId="{52E72611-882E-4407-8B6A-A07B2A96D544}"/>
-          </ac:picMkLst>
-        </pc:picChg>
-      </pc:sldChg>
-      <pc:sldChg chg="addSp delSp modSp">
-        <pc:chgData name="Gonzalez,Keabeth (EID)" userId="S::keabethg@colostate.edu::4f075342-b6f5-49e7-ada1-9b7105c7141b" providerId="AD" clId="Web-{7DD1B792-79B4-4488-9118-78E68CDC026C}" dt="2020-10-31T16:58:34.620" v="17" actId="1076"/>
-        <pc:sldMkLst>
-          <pc:docMk/>
-          <pc:sldMk cId="0" sldId="267"/>
-        </pc:sldMkLst>
-        <pc:picChg chg="del">
-          <ac:chgData name="Gonzalez,Keabeth (EID)" userId="S::keabethg@colostate.edu::4f075342-b6f5-49e7-ada1-9b7105c7141b" providerId="AD" clId="Web-{7DD1B792-79B4-4488-9118-78E68CDC026C}" dt="2020-10-31T16:55:37.065" v="10"/>
-          <ac:picMkLst>
-            <pc:docMk/>
-            <pc:sldMk cId="0" sldId="267"/>
-            <ac:picMk id="2" creationId="{4B6A6F64-142E-4A17-A8D8-D83E1CC022C6}"/>
-          </ac:picMkLst>
-        </pc:picChg>
-        <pc:picChg chg="add mod">
-          <ac:chgData name="Gonzalez,Keabeth (EID)" userId="S::keabethg@colostate.edu::4f075342-b6f5-49e7-ada1-9b7105c7141b" providerId="AD" clId="Web-{7DD1B792-79B4-4488-9118-78E68CDC026C}" dt="2020-10-31T16:58:34.620" v="17" actId="1076"/>
-          <ac:picMkLst>
-            <pc:docMk/>
-            <pc:sldMk cId="0" sldId="267"/>
-            <ac:picMk id="4" creationId="{F4AB0DD9-23C1-428E-9E21-F7CB58B0A205}"/>
-          </ac:picMkLst>
-        </pc:picChg>
-      </pc:sldChg>
-    </pc:docChg>
-  </pc:docChgLst>
-  <pc:docChgLst>
-    <pc:chgData name="Mihevc,Maddie (EID)" userId="S::mmihevc@colostate.edu::e77f443c-9dab-44b9-b7cc-d9dfc1589f24" providerId="AD" clId="Web-{895B254C-45CC-45B6-BB49-86AD717143EA}"/>
-    <pc:docChg chg="delSld modSld sldOrd">
-      <pc:chgData name="Mihevc,Maddie (EID)" userId="S::mmihevc@colostate.edu::e77f443c-9dab-44b9-b7cc-d9dfc1589f24" providerId="AD" clId="Web-{895B254C-45CC-45B6-BB49-86AD717143EA}" dt="2020-10-30T18:41:42.454" v="10"/>
-      <pc:docMkLst>
-        <pc:docMk/>
-      </pc:docMkLst>
-      <pc:sldChg chg="del">
-        <pc:chgData name="Mihevc,Maddie (EID)" userId="S::mmihevc@colostate.edu::e77f443c-9dab-44b9-b7cc-d9dfc1589f24" providerId="AD" clId="Web-{895B254C-45CC-45B6-BB49-86AD717143EA}" dt="2020-10-30T18:41:42.454" v="10"/>
-        <pc:sldMkLst>
-          <pc:docMk/>
-          <pc:sldMk cId="0" sldId="262"/>
-        </pc:sldMkLst>
-      </pc:sldChg>
-      <pc:sldChg chg="del">
-        <pc:chgData name="Mihevc,Maddie (EID)" userId="S::mmihevc@colostate.edu::e77f443c-9dab-44b9-b7cc-d9dfc1589f24" providerId="AD" clId="Web-{895B254C-45CC-45B6-BB49-86AD717143EA}" dt="2020-10-30T18:41:40.220" v="9"/>
-        <pc:sldMkLst>
-          <pc:docMk/>
-          <pc:sldMk cId="0" sldId="263"/>
-        </pc:sldMkLst>
-      </pc:sldChg>
-      <pc:sldChg chg="del">
-        <pc:chgData name="Mihevc,Maddie (EID)" userId="S::mmihevc@colostate.edu::e77f443c-9dab-44b9-b7cc-d9dfc1589f24" providerId="AD" clId="Web-{895B254C-45CC-45B6-BB49-86AD717143EA}" dt="2020-10-30T18:41:29.032" v="7"/>
-        <pc:sldMkLst>
-          <pc:docMk/>
-          <pc:sldMk cId="0" sldId="265"/>
-        </pc:sldMkLst>
-      </pc:sldChg>
-      <pc:sldChg chg="mod ord modShow">
-        <pc:chgData name="Mihevc,Maddie (EID)" userId="S::mmihevc@colostate.edu::e77f443c-9dab-44b9-b7cc-d9dfc1589f24" providerId="AD" clId="Web-{895B254C-45CC-45B6-BB49-86AD717143EA}" dt="2020-10-30T18:41:01.641" v="4"/>
-        <pc:sldMkLst>
-          <pc:docMk/>
-          <pc:sldMk cId="0" sldId="269"/>
-        </pc:sldMkLst>
-      </pc:sldChg>
-      <pc:sldChg chg="del">
-        <pc:chgData name="Mihevc,Maddie (EID)" userId="S::mmihevc@colostate.edu::e77f443c-9dab-44b9-b7cc-d9dfc1589f24" providerId="AD" clId="Web-{895B254C-45CC-45B6-BB49-86AD717143EA}" dt="2020-10-30T18:41:30.251" v="8"/>
-        <pc:sldMkLst>
-          <pc:docMk/>
-          <pc:sldMk cId="0" sldId="270"/>
-        </pc:sldMkLst>
-      </pc:sldChg>
-      <pc:sldChg chg="del">
-        <pc:chgData name="Mihevc,Maddie (EID)" userId="S::mmihevc@colostate.edu::e77f443c-9dab-44b9-b7cc-d9dfc1589f24" providerId="AD" clId="Web-{895B254C-45CC-45B6-BB49-86AD717143EA}" dt="2020-10-30T18:41:25.501" v="6"/>
-        <pc:sldMkLst>
-          <pc:docMk/>
-          <pc:sldMk cId="0" sldId="272"/>
-        </pc:sldMkLst>
-      </pc:sldChg>
-      <pc:sldChg chg="del">
-        <pc:chgData name="Mihevc,Maddie (EID)" userId="S::mmihevc@colostate.edu::e77f443c-9dab-44b9-b7cc-d9dfc1589f24" providerId="AD" clId="Web-{895B254C-45CC-45B6-BB49-86AD717143EA}" dt="2020-10-30T18:41:23.516" v="5"/>
-        <pc:sldMkLst>
-          <pc:docMk/>
-          <pc:sldMk cId="0" sldId="273"/>
-        </pc:sldMkLst>
-      </pc:sldChg>
-      <pc:sldChg chg="ord">
-        <pc:chgData name="Mihevc,Maddie (EID)" userId="S::mmihevc@colostate.edu::e77f443c-9dab-44b9-b7cc-d9dfc1589f24" providerId="AD" clId="Web-{895B254C-45CC-45B6-BB49-86AD717143EA}" dt="2020-10-30T18:40:57.125" v="2"/>
+      <pc:sldChg chg="addSp delSp modSp mod modClrScheme chgLayout">
+        <pc:chgData name="Mihevc,Maddie (EID)" userId="S::mmihevc@colostate.edu::e77f443c-9dab-44b9-b7cc-d9dfc1589f24" providerId="AD" clId="Web-{B843F048-07E8-4322-B5F1-650049138E06}" dt="2020-10-30T20:35:49.678" v="18" actId="1076"/>
         <pc:sldMkLst>
           <pc:docMk/>
           <pc:sldMk cId="2622422789" sldId="274"/>
         </pc:sldMkLst>
-      </pc:sldChg>
-      <pc:sldChg chg="del">
-        <pc:chgData name="Mihevc,Maddie (EID)" userId="S::mmihevc@colostate.edu::e77f443c-9dab-44b9-b7cc-d9dfc1589f24" providerId="AD" clId="Web-{895B254C-45CC-45B6-BB49-86AD717143EA}" dt="2020-10-30T18:40:52.266" v="1"/>
-        <pc:sldMkLst>
-          <pc:docMk/>
-          <pc:sldMk cId="4013276058" sldId="276"/>
-        </pc:sldMkLst>
-      </pc:sldChg>
-    </pc:docChg>
-  </pc:docChgLst>
-  <pc:docChgLst>
-    <pc:chgData name="Mihevc,Maddie (EID)" userId="S::mmihevc@colostate.edu::e77f443c-9dab-44b9-b7cc-d9dfc1589f24" providerId="AD" clId="Web-{5D8FCA18-48F1-4EA2-8A6D-DF642C0542DE}"/>
-    <pc:docChg chg="modSld">
-      <pc:chgData name="Mihevc,Maddie (EID)" userId="S::mmihevc@colostate.edu::e77f443c-9dab-44b9-b7cc-d9dfc1589f24" providerId="AD" clId="Web-{5D8FCA18-48F1-4EA2-8A6D-DF642C0542DE}" dt="2020-10-30T20:08:47.293" v="3" actId="20577"/>
-      <pc:docMkLst>
-        <pc:docMk/>
-      </pc:docMkLst>
-      <pc:sldChg chg="modSp">
-        <pc:chgData name="Mihevc,Maddie (EID)" userId="S::mmihevc@colostate.edu::e77f443c-9dab-44b9-b7cc-d9dfc1589f24" providerId="AD" clId="Web-{5D8FCA18-48F1-4EA2-8A6D-DF642C0542DE}" dt="2020-10-30T20:08:47.293" v="3" actId="20577"/>
-        <pc:sldMkLst>
-          <pc:docMk/>
-          <pc:sldMk cId="35088520" sldId="278"/>
-        </pc:sldMkLst>
-        <pc:spChg chg="mod">
-          <ac:chgData name="Mihevc,Maddie (EID)" userId="S::mmihevc@colostate.edu::e77f443c-9dab-44b9-b7cc-d9dfc1589f24" providerId="AD" clId="Web-{5D8FCA18-48F1-4EA2-8A6D-DF642C0542DE}" dt="2020-10-30T20:08:47.293" v="3" actId="20577"/>
+        <pc:spChg chg="del">
+          <ac:chgData name="Mihevc,Maddie (EID)" userId="S::mmihevc@colostate.edu::e77f443c-9dab-44b9-b7cc-d9dfc1589f24" providerId="AD" clId="Web-{B843F048-07E8-4322-B5F1-650049138E06}" dt="2020-10-30T20:34:28.818" v="4"/>
           <ac:spMkLst>
             <pc:docMk/>
-            <pc:sldMk cId="35088520" sldId="278"/>
-            <ac:spMk id="4" creationId="{6D1F159F-4B68-40F1-B4DE-5E25C4D97DAB}"/>
+            <pc:sldMk cId="2622422789" sldId="274"/>
+            <ac:spMk id="3" creationId="{8412F72C-B211-4F9D-9BEB-B75380E5A102}"/>
           </ac:spMkLst>
         </pc:spChg>
+        <pc:spChg chg="mod ord">
+          <ac:chgData name="Mihevc,Maddie (EID)" userId="S::mmihevc@colostate.edu::e77f443c-9dab-44b9-b7cc-d9dfc1589f24" providerId="AD" clId="Web-{B843F048-07E8-4322-B5F1-650049138E06}" dt="2020-10-30T20:35:18.225" v="13" actId="1076"/>
+          <ac:spMkLst>
+            <pc:docMk/>
+            <pc:sldMk cId="2622422789" sldId="274"/>
+            <ac:spMk id="8" creationId="{CCBBBDB5-269B-4746-B097-AF1B5316773C}"/>
+          </ac:spMkLst>
+        </pc:spChg>
+        <pc:picChg chg="add mod">
+          <ac:chgData name="Mihevc,Maddie (EID)" userId="S::mmihevc@colostate.edu::e77f443c-9dab-44b9-b7cc-d9dfc1589f24" providerId="AD" clId="Web-{B843F048-07E8-4322-B5F1-650049138E06}" dt="2020-10-30T20:35:49.678" v="18" actId="1076"/>
+          <ac:picMkLst>
+            <pc:docMk/>
+            <pc:sldMk cId="2622422789" sldId="274"/>
+            <ac:picMk id="2" creationId="{D637DBFD-2C0B-47F9-8BC3-F09B86327871}"/>
+          </ac:picMkLst>
+        </pc:picChg>
       </pc:sldChg>
     </pc:docChg>
   </pc:docChgLst>
@@ -1239,6 +957,30 @@
     </pc:docChg>
   </pc:docChgLst>
   <pc:docChgLst>
+    <pc:chgData name="Mihevc,Maddie (EID)" userId="S::mmihevc@colostate.edu::e77f443c-9dab-44b9-b7cc-d9dfc1589f24" providerId="AD" clId="Web-{5D8FCA18-48F1-4EA2-8A6D-DF642C0542DE}"/>
+    <pc:docChg chg="modSld">
+      <pc:chgData name="Mihevc,Maddie (EID)" userId="S::mmihevc@colostate.edu::e77f443c-9dab-44b9-b7cc-d9dfc1589f24" providerId="AD" clId="Web-{5D8FCA18-48F1-4EA2-8A6D-DF642C0542DE}" dt="2020-10-30T20:08:47.293" v="3" actId="20577"/>
+      <pc:docMkLst>
+        <pc:docMk/>
+      </pc:docMkLst>
+      <pc:sldChg chg="modSp">
+        <pc:chgData name="Mihevc,Maddie (EID)" userId="S::mmihevc@colostate.edu::e77f443c-9dab-44b9-b7cc-d9dfc1589f24" providerId="AD" clId="Web-{5D8FCA18-48F1-4EA2-8A6D-DF642C0542DE}" dt="2020-10-30T20:08:47.293" v="3" actId="20577"/>
+        <pc:sldMkLst>
+          <pc:docMk/>
+          <pc:sldMk cId="35088520" sldId="278"/>
+        </pc:sldMkLst>
+        <pc:spChg chg="mod">
+          <ac:chgData name="Mihevc,Maddie (EID)" userId="S::mmihevc@colostate.edu::e77f443c-9dab-44b9-b7cc-d9dfc1589f24" providerId="AD" clId="Web-{5D8FCA18-48F1-4EA2-8A6D-DF642C0542DE}" dt="2020-10-30T20:08:47.293" v="3" actId="20577"/>
+          <ac:spMkLst>
+            <pc:docMk/>
+            <pc:sldMk cId="35088520" sldId="278"/>
+            <ac:spMk id="4" creationId="{6D1F159F-4B68-40F1-B4DE-5E25C4D97DAB}"/>
+          </ac:spMkLst>
+        </pc:spChg>
+      </pc:sldChg>
+    </pc:docChg>
+  </pc:docChgLst>
+  <pc:docChgLst>
     <pc:chgData name="Mihevc,Maddie (EID)" userId="S::mmihevc@colostate.edu::e77f443c-9dab-44b9-b7cc-d9dfc1589f24" providerId="AD" clId="Web-{34037FE3-9DF3-44E7-9BFB-AF9C75BEF50B}"/>
     <pc:docChg chg="modSld">
       <pc:chgData name="Mihevc,Maddie (EID)" userId="S::mmihevc@colostate.edu::e77f443c-9dab-44b9-b7cc-d9dfc1589f24" providerId="AD" clId="Web-{34037FE3-9DF3-44E7-9BFB-AF9C75BEF50B}" dt="2020-10-30T20:33:36.634" v="17" actId="1076"/>
@@ -1267,6 +1009,351 @@
             <ac:picMk id="3" creationId="{207B2135-B824-4C8E-B9B0-8CC4F4EB7CCB}"/>
           </ac:picMkLst>
         </pc:picChg>
+      </pc:sldChg>
+    </pc:docChg>
+  </pc:docChgLst>
+  <pc:docChgLst>
+    <pc:chgData name="Brent Staab" userId="da2624a2523c3f65" providerId="LiveId" clId="{17D6AB68-7013-4AC3-A358-BE165DFDDE2E}"/>
+    <pc:docChg chg="custSel modSld">
+      <pc:chgData name="Brent Staab" userId="da2624a2523c3f65" providerId="LiveId" clId="{17D6AB68-7013-4AC3-A358-BE165DFDDE2E}" dt="2020-12-03T23:11:35.998" v="221" actId="20577"/>
+      <pc:docMkLst>
+        <pc:docMk/>
+      </pc:docMkLst>
+      <pc:sldChg chg="modSp mod">
+        <pc:chgData name="Brent Staab" userId="da2624a2523c3f65" providerId="LiveId" clId="{17D6AB68-7013-4AC3-A358-BE165DFDDE2E}" dt="2020-12-03T23:06:58.367" v="2" actId="20577"/>
+        <pc:sldMkLst>
+          <pc:docMk/>
+          <pc:sldMk cId="0" sldId="256"/>
+        </pc:sldMkLst>
+        <pc:spChg chg="mod">
+          <ac:chgData name="Brent Staab" userId="da2624a2523c3f65" providerId="LiveId" clId="{17D6AB68-7013-4AC3-A358-BE165DFDDE2E}" dt="2020-12-03T23:06:58.367" v="2" actId="20577"/>
+          <ac:spMkLst>
+            <pc:docMk/>
+            <pc:sldMk cId="0" sldId="256"/>
+            <ac:spMk id="141" creationId="{00000000-0000-0000-0000-000000000000}"/>
+          </ac:spMkLst>
+        </pc:spChg>
+      </pc:sldChg>
+      <pc:sldChg chg="modSp mod">
+        <pc:chgData name="Brent Staab" userId="da2624a2523c3f65" providerId="LiveId" clId="{17D6AB68-7013-4AC3-A358-BE165DFDDE2E}" dt="2020-12-03T23:08:24.466" v="12" actId="12"/>
+        <pc:sldMkLst>
+          <pc:docMk/>
+          <pc:sldMk cId="0" sldId="257"/>
+        </pc:sldMkLst>
+        <pc:spChg chg="mod">
+          <ac:chgData name="Brent Staab" userId="da2624a2523c3f65" providerId="LiveId" clId="{17D6AB68-7013-4AC3-A358-BE165DFDDE2E}" dt="2020-12-03T23:08:24.466" v="12" actId="12"/>
+          <ac:spMkLst>
+            <pc:docMk/>
+            <pc:sldMk cId="0" sldId="257"/>
+            <ac:spMk id="147" creationId="{00000000-0000-0000-0000-000000000000}"/>
+          </ac:spMkLst>
+        </pc:spChg>
+      </pc:sldChg>
+      <pc:sldChg chg="delSp mod">
+        <pc:chgData name="Brent Staab" userId="da2624a2523c3f65" providerId="LiveId" clId="{17D6AB68-7013-4AC3-A358-BE165DFDDE2E}" dt="2020-12-03T23:11:12.137" v="216" actId="478"/>
+        <pc:sldMkLst>
+          <pc:docMk/>
+          <pc:sldMk cId="0" sldId="266"/>
+        </pc:sldMkLst>
+        <pc:picChg chg="del">
+          <ac:chgData name="Brent Staab" userId="da2624a2523c3f65" providerId="LiveId" clId="{17D6AB68-7013-4AC3-A358-BE165DFDDE2E}" dt="2020-12-03T23:11:10.366" v="214" actId="478"/>
+          <ac:picMkLst>
+            <pc:docMk/>
+            <pc:sldMk cId="0" sldId="266"/>
+            <ac:picMk id="2" creationId="{1FDE11CF-D029-4546-8C12-7ACD6581AC24}"/>
+          </ac:picMkLst>
+        </pc:picChg>
+        <pc:picChg chg="del">
+          <ac:chgData name="Brent Staab" userId="da2624a2523c3f65" providerId="LiveId" clId="{17D6AB68-7013-4AC3-A358-BE165DFDDE2E}" dt="2020-12-03T23:11:10.717" v="215" actId="478"/>
+          <ac:picMkLst>
+            <pc:docMk/>
+            <pc:sldMk cId="0" sldId="266"/>
+            <ac:picMk id="3" creationId="{C953911B-8770-47FE-B610-8F80C970A0F9}"/>
+          </ac:picMkLst>
+        </pc:picChg>
+        <pc:picChg chg="del">
+          <ac:chgData name="Brent Staab" userId="da2624a2523c3f65" providerId="LiveId" clId="{17D6AB68-7013-4AC3-A358-BE165DFDDE2E}" dt="2020-12-03T23:11:12.137" v="216" actId="478"/>
+          <ac:picMkLst>
+            <pc:docMk/>
+            <pc:sldMk cId="0" sldId="266"/>
+            <ac:picMk id="5" creationId="{ED97E7E1-07B7-41E1-AB98-F6DB4CB555F6}"/>
+          </ac:picMkLst>
+        </pc:picChg>
+      </pc:sldChg>
+      <pc:sldChg chg="addSp delSp modSp mod">
+        <pc:chgData name="Brent Staab" userId="da2624a2523c3f65" providerId="LiveId" clId="{17D6AB68-7013-4AC3-A358-BE165DFDDE2E}" dt="2020-12-03T23:10:52.128" v="207" actId="20577"/>
+        <pc:sldMkLst>
+          <pc:docMk/>
+          <pc:sldMk cId="0" sldId="267"/>
+        </pc:sldMkLst>
+        <pc:spChg chg="add mod">
+          <ac:chgData name="Brent Staab" userId="da2624a2523c3f65" providerId="LiveId" clId="{17D6AB68-7013-4AC3-A358-BE165DFDDE2E}" dt="2020-12-03T23:10:52.128" v="207" actId="20577"/>
+          <ac:spMkLst>
+            <pc:docMk/>
+            <pc:sldMk cId="0" sldId="267"/>
+            <ac:spMk id="4" creationId="{A52D68AF-8A7E-47CB-B8D2-D8016F5466F6}"/>
+          </ac:spMkLst>
+        </pc:spChg>
+        <pc:picChg chg="del">
+          <ac:chgData name="Brent Staab" userId="da2624a2523c3f65" providerId="LiveId" clId="{17D6AB68-7013-4AC3-A358-BE165DFDDE2E}" dt="2020-12-03T23:10:25.145" v="146" actId="478"/>
+          <ac:picMkLst>
+            <pc:docMk/>
+            <pc:sldMk cId="0" sldId="267"/>
+            <ac:picMk id="2" creationId="{F4598811-6D58-42D1-8C5C-DC794E194A07}"/>
+          </ac:picMkLst>
+        </pc:picChg>
+      </pc:sldChg>
+      <pc:sldChg chg="delSp modSp mod">
+        <pc:chgData name="Brent Staab" userId="da2624a2523c3f65" providerId="LiveId" clId="{17D6AB68-7013-4AC3-A358-BE165DFDDE2E}" dt="2020-12-03T23:11:04.239" v="210" actId="478"/>
+        <pc:sldMkLst>
+          <pc:docMk/>
+          <pc:sldMk cId="0" sldId="268"/>
+        </pc:sldMkLst>
+        <pc:picChg chg="del mod">
+          <ac:chgData name="Brent Staab" userId="da2624a2523c3f65" providerId="LiveId" clId="{17D6AB68-7013-4AC3-A358-BE165DFDDE2E}" dt="2020-12-03T23:11:03.679" v="209" actId="478"/>
+          <ac:picMkLst>
+            <pc:docMk/>
+            <pc:sldMk cId="0" sldId="268"/>
+            <ac:picMk id="2" creationId="{15B07DD4-57DA-4D6E-B750-C77F1C9D4BE0}"/>
+          </ac:picMkLst>
+        </pc:picChg>
+        <pc:picChg chg="del">
+          <ac:chgData name="Brent Staab" userId="da2624a2523c3f65" providerId="LiveId" clId="{17D6AB68-7013-4AC3-A358-BE165DFDDE2E}" dt="2020-12-03T23:11:04.239" v="210" actId="478"/>
+          <ac:picMkLst>
+            <pc:docMk/>
+            <pc:sldMk cId="0" sldId="268"/>
+            <ac:picMk id="3" creationId="{207B2135-B824-4C8E-B9B0-8CC4F4EB7CCB}"/>
+          </ac:picMkLst>
+        </pc:picChg>
+      </pc:sldChg>
+      <pc:sldChg chg="delSp mod">
+        <pc:chgData name="Brent Staab" userId="da2624a2523c3f65" providerId="LiveId" clId="{17D6AB68-7013-4AC3-A358-BE165DFDDE2E}" dt="2020-12-03T23:11:08.047" v="213" actId="478"/>
+        <pc:sldMkLst>
+          <pc:docMk/>
+          <pc:sldMk cId="487161662" sldId="275"/>
+        </pc:sldMkLst>
+        <pc:picChg chg="del">
+          <ac:chgData name="Brent Staab" userId="da2624a2523c3f65" providerId="LiveId" clId="{17D6AB68-7013-4AC3-A358-BE165DFDDE2E}" dt="2020-12-03T23:11:07.094" v="211" actId="478"/>
+          <ac:picMkLst>
+            <pc:docMk/>
+            <pc:sldMk cId="487161662" sldId="275"/>
+            <ac:picMk id="4" creationId="{64E8A77E-AECE-4C8C-9D1F-E32383D15332}"/>
+          </ac:picMkLst>
+        </pc:picChg>
+        <pc:picChg chg="del">
+          <ac:chgData name="Brent Staab" userId="da2624a2523c3f65" providerId="LiveId" clId="{17D6AB68-7013-4AC3-A358-BE165DFDDE2E}" dt="2020-12-03T23:11:07.584" v="212" actId="478"/>
+          <ac:picMkLst>
+            <pc:docMk/>
+            <pc:sldMk cId="487161662" sldId="275"/>
+            <ac:picMk id="5" creationId="{34D84A22-58D8-40EF-BA34-5A55769128DE}"/>
+          </ac:picMkLst>
+        </pc:picChg>
+        <pc:picChg chg="del">
+          <ac:chgData name="Brent Staab" userId="da2624a2523c3f65" providerId="LiveId" clId="{17D6AB68-7013-4AC3-A358-BE165DFDDE2E}" dt="2020-12-03T23:11:08.047" v="213" actId="478"/>
+          <ac:picMkLst>
+            <pc:docMk/>
+            <pc:sldMk cId="487161662" sldId="275"/>
+            <ac:picMk id="6" creationId="{DE2CCE65-7426-433A-9CE2-CC1E66CB95AB}"/>
+          </ac:picMkLst>
+        </pc:picChg>
+      </pc:sldChg>
+      <pc:sldChg chg="addSp delSp modSp mod">
+        <pc:chgData name="Brent Staab" userId="da2624a2523c3f65" providerId="LiveId" clId="{17D6AB68-7013-4AC3-A358-BE165DFDDE2E}" dt="2020-12-03T23:10:05.974" v="145" actId="20577"/>
+        <pc:sldMkLst>
+          <pc:docMk/>
+          <pc:sldMk cId="2130408549" sldId="277"/>
+        </pc:sldMkLst>
+        <pc:spChg chg="add mod">
+          <ac:chgData name="Brent Staab" userId="da2624a2523c3f65" providerId="LiveId" clId="{17D6AB68-7013-4AC3-A358-BE165DFDDE2E}" dt="2020-12-03T23:10:05.974" v="145" actId="20577"/>
+          <ac:spMkLst>
+            <pc:docMk/>
+            <pc:sldMk cId="2130408549" sldId="277"/>
+            <ac:spMk id="4" creationId="{CEE5405A-B61D-479D-A075-167138D3BCB3}"/>
+          </ac:spMkLst>
+        </pc:spChg>
+        <pc:picChg chg="del">
+          <ac:chgData name="Brent Staab" userId="da2624a2523c3f65" providerId="LiveId" clId="{17D6AB68-7013-4AC3-A358-BE165DFDDE2E}" dt="2020-12-03T23:08:36.207" v="13" actId="478"/>
+          <ac:picMkLst>
+            <pc:docMk/>
+            <pc:sldMk cId="2130408549" sldId="277"/>
+            <ac:picMk id="3" creationId="{7A36CFAF-D4F8-4CF2-8E10-CE6439525FAF}"/>
+          </ac:picMkLst>
+        </pc:picChg>
+      </pc:sldChg>
+      <pc:sldChg chg="modSp mod">
+        <pc:chgData name="Brent Staab" userId="da2624a2523c3f65" providerId="LiveId" clId="{17D6AB68-7013-4AC3-A358-BE165DFDDE2E}" dt="2020-12-03T23:11:35.998" v="221" actId="20577"/>
+        <pc:sldMkLst>
+          <pc:docMk/>
+          <pc:sldMk cId="35088520" sldId="278"/>
+        </pc:sldMkLst>
+        <pc:spChg chg="mod">
+          <ac:chgData name="Brent Staab" userId="da2624a2523c3f65" providerId="LiveId" clId="{17D6AB68-7013-4AC3-A358-BE165DFDDE2E}" dt="2020-12-03T23:11:35.998" v="221" actId="20577"/>
+          <ac:spMkLst>
+            <pc:docMk/>
+            <pc:sldMk cId="35088520" sldId="278"/>
+            <ac:spMk id="4" creationId="{6D1F159F-4B68-40F1-B4DE-5E25C4D97DAB}"/>
+          </ac:spMkLst>
+        </pc:spChg>
+      </pc:sldChg>
+    </pc:docChg>
+  </pc:docChgLst>
+  <pc:docChgLst>
+    <pc:chgData name="Mihevc,Maddie (EID)" userId="S::mmihevc@colostate.edu::e77f443c-9dab-44b9-b7cc-d9dfc1589f24" providerId="AD" clId="Web-{8F3635C2-21CA-4ECC-800A-541F118928EC}"/>
+    <pc:docChg chg="modSld">
+      <pc:chgData name="Mihevc,Maddie (EID)" userId="S::mmihevc@colostate.edu::e77f443c-9dab-44b9-b7cc-d9dfc1589f24" providerId="AD" clId="Web-{8F3635C2-21CA-4ECC-800A-541F118928EC}" dt="2020-10-30T20:18:15.611" v="10" actId="20577"/>
+      <pc:docMkLst>
+        <pc:docMk/>
+      </pc:docMkLst>
+      <pc:sldChg chg="modSp">
+        <pc:chgData name="Mihevc,Maddie (EID)" userId="S::mmihevc@colostate.edu::e77f443c-9dab-44b9-b7cc-d9dfc1589f24" providerId="AD" clId="Web-{8F3635C2-21CA-4ECC-800A-541F118928EC}" dt="2020-10-30T20:18:15.611" v="10" actId="20577"/>
+        <pc:sldMkLst>
+          <pc:docMk/>
+          <pc:sldMk cId="35088520" sldId="278"/>
+        </pc:sldMkLst>
+        <pc:spChg chg="mod">
+          <ac:chgData name="Mihevc,Maddie (EID)" userId="S::mmihevc@colostate.edu::e77f443c-9dab-44b9-b7cc-d9dfc1589f24" providerId="AD" clId="Web-{8F3635C2-21CA-4ECC-800A-541F118928EC}" dt="2020-10-30T20:18:15.611" v="10" actId="20577"/>
+          <ac:spMkLst>
+            <pc:docMk/>
+            <pc:sldMk cId="35088520" sldId="278"/>
+            <ac:spMk id="4" creationId="{6D1F159F-4B68-40F1-B4DE-5E25C4D97DAB}"/>
+          </ac:spMkLst>
+        </pc:spChg>
+      </pc:sldChg>
+    </pc:docChg>
+  </pc:docChgLst>
+  <pc:docChgLst>
+    <pc:chgData name="Gonzalez,Keabeth (EID)" userId="S::keabethg@colostate.edu::4f075342-b6f5-49e7-ada1-9b7105c7141b" providerId="AD" clId="Web-{FD46B18E-4B5F-4C7C-997F-68B0490E5886}"/>
+    <pc:docChg chg="modSld">
+      <pc:chgData name="Gonzalez,Keabeth (EID)" userId="S::keabethg@colostate.edu::4f075342-b6f5-49e7-ada1-9b7105c7141b" providerId="AD" clId="Web-{FD46B18E-4B5F-4C7C-997F-68B0490E5886}" dt="2020-10-31T16:45:40.581" v="3" actId="1076"/>
+      <pc:docMkLst>
+        <pc:docMk/>
+      </pc:docMkLst>
+      <pc:sldChg chg="addSp modSp">
+        <pc:chgData name="Gonzalez,Keabeth (EID)" userId="S::keabethg@colostate.edu::4f075342-b6f5-49e7-ada1-9b7105c7141b" providerId="AD" clId="Web-{FD46B18E-4B5F-4C7C-997F-68B0490E5886}" dt="2020-10-31T16:45:40.581" v="3" actId="1076"/>
+        <pc:sldMkLst>
+          <pc:docMk/>
+          <pc:sldMk cId="0" sldId="267"/>
+        </pc:sldMkLst>
+        <pc:picChg chg="add mod">
+          <ac:chgData name="Gonzalez,Keabeth (EID)" userId="S::keabethg@colostate.edu::4f075342-b6f5-49e7-ada1-9b7105c7141b" providerId="AD" clId="Web-{FD46B18E-4B5F-4C7C-997F-68B0490E5886}" dt="2020-10-31T16:45:40.581" v="3" actId="1076"/>
+          <ac:picMkLst>
+            <pc:docMk/>
+            <pc:sldMk cId="0" sldId="267"/>
+            <ac:picMk id="2" creationId="{4B6A6F64-142E-4A17-A8D8-D83E1CC022C6}"/>
+          </ac:picMkLst>
+        </pc:picChg>
+      </pc:sldChg>
+    </pc:docChg>
+  </pc:docChgLst>
+  <pc:docChgLst>
+    <pc:chgData name="Mihevc,Maddie (EID)" userId="S::mmihevc@colostate.edu::e77f443c-9dab-44b9-b7cc-d9dfc1589f24" providerId="AD" clId="Web-{15D67883-84B6-495A-AFD8-C4C34DD6C6A8}"/>
+    <pc:docChg chg="addSld modSld">
+      <pc:chgData name="Mihevc,Maddie (EID)" userId="S::mmihevc@colostate.edu::e77f443c-9dab-44b9-b7cc-d9dfc1589f24" providerId="AD" clId="Web-{15D67883-84B6-495A-AFD8-C4C34DD6C6A8}" dt="2020-10-30T20:00:59.554" v="74" actId="20577"/>
+      <pc:docMkLst>
+        <pc:docMk/>
+      </pc:docMkLst>
+      <pc:sldChg chg="addSp modSp new mod modClrScheme chgLayout">
+        <pc:chgData name="Mihevc,Maddie (EID)" userId="S::mmihevc@colostate.edu::e77f443c-9dab-44b9-b7cc-d9dfc1589f24" providerId="AD" clId="Web-{15D67883-84B6-495A-AFD8-C4C34DD6C6A8}" dt="2020-10-30T20:00:59.554" v="74" actId="20577"/>
+        <pc:sldMkLst>
+          <pc:docMk/>
+          <pc:sldMk cId="35088520" sldId="278"/>
+        </pc:sldMkLst>
+        <pc:spChg chg="mod ord">
+          <ac:chgData name="Mihevc,Maddie (EID)" userId="S::mmihevc@colostate.edu::e77f443c-9dab-44b9-b7cc-d9dfc1589f24" providerId="AD" clId="Web-{15D67883-84B6-495A-AFD8-C4C34DD6C6A8}" dt="2020-10-30T20:00:22.413" v="15"/>
+          <ac:spMkLst>
+            <pc:docMk/>
+            <pc:sldMk cId="35088520" sldId="278"/>
+            <ac:spMk id="2" creationId="{9E42DBDC-33C7-4FA4-8A58-85D50C3A1480}"/>
+          </ac:spMkLst>
+        </pc:spChg>
+        <pc:spChg chg="add mod">
+          <ac:chgData name="Mihevc,Maddie (EID)" userId="S::mmihevc@colostate.edu::e77f443c-9dab-44b9-b7cc-d9dfc1589f24" providerId="AD" clId="Web-{15D67883-84B6-495A-AFD8-C4C34DD6C6A8}" dt="2020-10-30T20:00:07.304" v="12" actId="20577"/>
+          <ac:spMkLst>
+            <pc:docMk/>
+            <pc:sldMk cId="35088520" sldId="278"/>
+            <ac:spMk id="3" creationId="{53A5AA6C-6DB2-42D4-B96D-F8AB292B4549}"/>
+          </ac:spMkLst>
+        </pc:spChg>
+        <pc:spChg chg="add mod ord">
+          <ac:chgData name="Mihevc,Maddie (EID)" userId="S::mmihevc@colostate.edu::e77f443c-9dab-44b9-b7cc-d9dfc1589f24" providerId="AD" clId="Web-{15D67883-84B6-495A-AFD8-C4C34DD6C6A8}" dt="2020-10-30T20:00:59.554" v="74" actId="20577"/>
+          <ac:spMkLst>
+            <pc:docMk/>
+            <pc:sldMk cId="35088520" sldId="278"/>
+            <ac:spMk id="4" creationId="{6D1F159F-4B68-40F1-B4DE-5E25C4D97DAB}"/>
+          </ac:spMkLst>
+        </pc:spChg>
+      </pc:sldChg>
+    </pc:docChg>
+  </pc:docChgLst>
+  <pc:docChgLst>
+    <pc:chgData name="Mihevc,Maddie (EID)" userId="S::mmihevc@colostate.edu::e77f443c-9dab-44b9-b7cc-d9dfc1589f24" providerId="AD" clId="Web-{895B254C-45CC-45B6-BB49-86AD717143EA}"/>
+    <pc:docChg chg="delSld modSld sldOrd">
+      <pc:chgData name="Mihevc,Maddie (EID)" userId="S::mmihevc@colostate.edu::e77f443c-9dab-44b9-b7cc-d9dfc1589f24" providerId="AD" clId="Web-{895B254C-45CC-45B6-BB49-86AD717143EA}" dt="2020-10-30T18:41:42.454" v="10"/>
+      <pc:docMkLst>
+        <pc:docMk/>
+      </pc:docMkLst>
+      <pc:sldChg chg="del">
+        <pc:chgData name="Mihevc,Maddie (EID)" userId="S::mmihevc@colostate.edu::e77f443c-9dab-44b9-b7cc-d9dfc1589f24" providerId="AD" clId="Web-{895B254C-45CC-45B6-BB49-86AD717143EA}" dt="2020-10-30T18:41:42.454" v="10"/>
+        <pc:sldMkLst>
+          <pc:docMk/>
+          <pc:sldMk cId="0" sldId="262"/>
+        </pc:sldMkLst>
+      </pc:sldChg>
+      <pc:sldChg chg="del">
+        <pc:chgData name="Mihevc,Maddie (EID)" userId="S::mmihevc@colostate.edu::e77f443c-9dab-44b9-b7cc-d9dfc1589f24" providerId="AD" clId="Web-{895B254C-45CC-45B6-BB49-86AD717143EA}" dt="2020-10-30T18:41:40.220" v="9"/>
+        <pc:sldMkLst>
+          <pc:docMk/>
+          <pc:sldMk cId="0" sldId="263"/>
+        </pc:sldMkLst>
+      </pc:sldChg>
+      <pc:sldChg chg="del">
+        <pc:chgData name="Mihevc,Maddie (EID)" userId="S::mmihevc@colostate.edu::e77f443c-9dab-44b9-b7cc-d9dfc1589f24" providerId="AD" clId="Web-{895B254C-45CC-45B6-BB49-86AD717143EA}" dt="2020-10-30T18:41:29.032" v="7"/>
+        <pc:sldMkLst>
+          <pc:docMk/>
+          <pc:sldMk cId="0" sldId="265"/>
+        </pc:sldMkLst>
+      </pc:sldChg>
+      <pc:sldChg chg="mod ord modShow">
+        <pc:chgData name="Mihevc,Maddie (EID)" userId="S::mmihevc@colostate.edu::e77f443c-9dab-44b9-b7cc-d9dfc1589f24" providerId="AD" clId="Web-{895B254C-45CC-45B6-BB49-86AD717143EA}" dt="2020-10-30T18:41:01.641" v="4"/>
+        <pc:sldMkLst>
+          <pc:docMk/>
+          <pc:sldMk cId="0" sldId="269"/>
+        </pc:sldMkLst>
+      </pc:sldChg>
+      <pc:sldChg chg="del">
+        <pc:chgData name="Mihevc,Maddie (EID)" userId="S::mmihevc@colostate.edu::e77f443c-9dab-44b9-b7cc-d9dfc1589f24" providerId="AD" clId="Web-{895B254C-45CC-45B6-BB49-86AD717143EA}" dt="2020-10-30T18:41:30.251" v="8"/>
+        <pc:sldMkLst>
+          <pc:docMk/>
+          <pc:sldMk cId="0" sldId="270"/>
+        </pc:sldMkLst>
+      </pc:sldChg>
+      <pc:sldChg chg="del">
+        <pc:chgData name="Mihevc,Maddie (EID)" userId="S::mmihevc@colostate.edu::e77f443c-9dab-44b9-b7cc-d9dfc1589f24" providerId="AD" clId="Web-{895B254C-45CC-45B6-BB49-86AD717143EA}" dt="2020-10-30T18:41:25.501" v="6"/>
+        <pc:sldMkLst>
+          <pc:docMk/>
+          <pc:sldMk cId="0" sldId="272"/>
+        </pc:sldMkLst>
+      </pc:sldChg>
+      <pc:sldChg chg="del">
+        <pc:chgData name="Mihevc,Maddie (EID)" userId="S::mmihevc@colostate.edu::e77f443c-9dab-44b9-b7cc-d9dfc1589f24" providerId="AD" clId="Web-{895B254C-45CC-45B6-BB49-86AD717143EA}" dt="2020-10-30T18:41:23.516" v="5"/>
+        <pc:sldMkLst>
+          <pc:docMk/>
+          <pc:sldMk cId="0" sldId="273"/>
+        </pc:sldMkLst>
+      </pc:sldChg>
+      <pc:sldChg chg="ord">
+        <pc:chgData name="Mihevc,Maddie (EID)" userId="S::mmihevc@colostate.edu::e77f443c-9dab-44b9-b7cc-d9dfc1589f24" providerId="AD" clId="Web-{895B254C-45CC-45B6-BB49-86AD717143EA}" dt="2020-10-30T18:40:57.125" v="2"/>
+        <pc:sldMkLst>
+          <pc:docMk/>
+          <pc:sldMk cId="2622422789" sldId="274"/>
+        </pc:sldMkLst>
+      </pc:sldChg>
+      <pc:sldChg chg="del">
+        <pc:chgData name="Mihevc,Maddie (EID)" userId="S::mmihevc@colostate.edu::e77f443c-9dab-44b9-b7cc-d9dfc1589f24" providerId="AD" clId="Web-{895B254C-45CC-45B6-BB49-86AD717143EA}" dt="2020-10-30T18:40:52.266" v="1"/>
+        <pc:sldMkLst>
+          <pc:docMk/>
+          <pc:sldMk cId="4013276058" sldId="276"/>
+        </pc:sldMkLst>
       </pc:sldChg>
     </pc:docChg>
   </pc:docChgLst>
@@ -2575,6 +2662,694 @@
   <p:cSld>
     <p:spTree>
       <p:nvGrpSpPr>
+        <p:cNvPr id="1" name="Shape 205"/>
+        <p:cNvGrpSpPr/>
+        <p:nvPr/>
+      </p:nvGrpSpPr>
+      <p:grpSpPr>
+        <a:xfrm>
+          <a:off x="0" y="0"/>
+          <a:ext cx="0" cy="0"/>
+          <a:chOff x="0" y="0"/>
+          <a:chExt cx="0" cy="0"/>
+        </a:xfrm>
+      </p:grpSpPr>
+      <p:sp>
+        <p:nvSpPr>
+          <p:cNvPr id="206" name="Google Shape;206;g9911f4d133_2_43:notes"/>
+          <p:cNvSpPr>
+            <a:spLocks noGrp="1" noRot="1" noChangeAspect="1"/>
+          </p:cNvSpPr>
+          <p:nvPr>
+            <p:ph type="sldImg" idx="2"/>
+          </p:nvPr>
+        </p:nvSpPr>
+        <p:spPr>
+          <a:xfrm>
+            <a:off x="685800" y="1143000"/>
+            <a:ext cx="5486400" cy="3086100"/>
+          </a:xfrm>
+          <a:custGeom>
+            <a:avLst/>
+            <a:gdLst/>
+            <a:ahLst/>
+            <a:cxnLst/>
+            <a:rect l="l" t="t" r="r" b="b"/>
+            <a:pathLst>
+              <a:path w="120000" h="120000" extrusionOk="0">
+                <a:moveTo>
+                  <a:pt x="0" y="0"/>
+                </a:moveTo>
+                <a:lnTo>
+                  <a:pt x="120000" y="0"/>
+                </a:lnTo>
+                <a:lnTo>
+                  <a:pt x="120000" y="120000"/>
+                </a:lnTo>
+                <a:lnTo>
+                  <a:pt x="0" y="120000"/>
+                </a:lnTo>
+                <a:close/>
+              </a:path>
+            </a:pathLst>
+          </a:custGeom>
+        </p:spPr>
+      </p:sp>
+      <p:sp>
+        <p:nvSpPr>
+          <p:cNvPr id="207" name="Google Shape;207;g9911f4d133_2_43:notes"/>
+          <p:cNvSpPr txBox="1">
+            <a:spLocks noGrp="1"/>
+          </p:cNvSpPr>
+          <p:nvPr>
+            <p:ph type="body" idx="1"/>
+          </p:nvPr>
+        </p:nvSpPr>
+        <p:spPr>
+          <a:xfrm>
+            <a:off x="685800" y="4400550"/>
+            <a:ext cx="5486400" cy="3600600"/>
+          </a:xfrm>
+          <a:prstGeom prst="rect">
+            <a:avLst/>
+          </a:prstGeom>
+        </p:spPr>
+        <p:txBody>
+          <a:bodyPr spcFirstLastPara="1" wrap="square" lIns="91425" tIns="45700" rIns="91425" bIns="45700" anchor="t" anchorCtr="0">
+            <a:noAutofit/>
+          </a:bodyPr>
+          <a:lstStyle/>
+          <a:p>
+            <a:pPr marL="0" lvl="0" indent="0" algn="l" rtl="0">
+              <a:spcBef>
+                <a:spcPts val="0"/>
+              </a:spcBef>
+              <a:spcAft>
+                <a:spcPts val="0"/>
+              </a:spcAft>
+              <a:buNone/>
+            </a:pPr>
+            <a:endParaRPr/>
+          </a:p>
+        </p:txBody>
+      </p:sp>
+      <p:sp>
+        <p:nvSpPr>
+          <p:cNvPr id="208" name="Google Shape;208;g9911f4d133_2_43:notes"/>
+          <p:cNvSpPr txBox="1">
+            <a:spLocks noGrp="1"/>
+          </p:cNvSpPr>
+          <p:nvPr>
+            <p:ph type="sldNum" idx="12"/>
+          </p:nvPr>
+        </p:nvSpPr>
+        <p:spPr>
+          <a:xfrm>
+            <a:off x="3884613" y="8685213"/>
+            <a:ext cx="2971800" cy="458700"/>
+          </a:xfrm>
+          <a:prstGeom prst="rect">
+            <a:avLst/>
+          </a:prstGeom>
+        </p:spPr>
+        <p:txBody>
+          <a:bodyPr spcFirstLastPara="1" wrap="square" lIns="91425" tIns="45700" rIns="91425" bIns="45700" anchor="b" anchorCtr="0">
+            <a:noAutofit/>
+          </a:bodyPr>
+          <a:lstStyle/>
+          <a:p>
+            <a:pPr marL="0" lvl="0" indent="0" algn="r" rtl="0">
+              <a:spcBef>
+                <a:spcPts val="0"/>
+              </a:spcBef>
+              <a:spcAft>
+                <a:spcPts val="0"/>
+              </a:spcAft>
+              <a:buNone/>
+            </a:pPr>
+            <a:fld id="{00000000-1234-1234-1234-123412341234}" type="slidenum">
+              <a:rPr lang="en-US"/>
+              <a:t>13</a:t>
+            </a:fld>
+            <a:endParaRPr/>
+          </a:p>
+        </p:txBody>
+      </p:sp>
+    </p:spTree>
+  </p:cSld>
+  <p:clrMapOvr>
+    <a:masterClrMapping/>
+  </p:clrMapOvr>
+</p:notes>
+</file>
+
+<file path=ppt/notesSlides/notesSlide11.xml><?xml version="1.0" encoding="utf-8"?>
+<p:notes xmlns:a="http://schemas.openxmlformats.org/drawingml/2006/main" xmlns:r="http://schemas.openxmlformats.org/officeDocument/2006/relationships" xmlns:p="http://schemas.openxmlformats.org/presentationml/2006/main" showMasterSp="0" showMasterPhAnim="0">
+  <p:cSld>
+    <p:spTree>
+      <p:nvGrpSpPr>
+        <p:cNvPr id="1" name="Shape 211"/>
+        <p:cNvGrpSpPr/>
+        <p:nvPr/>
+      </p:nvGrpSpPr>
+      <p:grpSpPr>
+        <a:xfrm>
+          <a:off x="0" y="0"/>
+          <a:ext cx="0" cy="0"/>
+          <a:chOff x="0" y="0"/>
+          <a:chExt cx="0" cy="0"/>
+        </a:xfrm>
+      </p:grpSpPr>
+      <p:sp>
+        <p:nvSpPr>
+          <p:cNvPr id="212" name="Google Shape;212;g9911f4d133_2_49:notes"/>
+          <p:cNvSpPr>
+            <a:spLocks noGrp="1" noRot="1" noChangeAspect="1"/>
+          </p:cNvSpPr>
+          <p:nvPr>
+            <p:ph type="sldImg" idx="2"/>
+          </p:nvPr>
+        </p:nvSpPr>
+        <p:spPr>
+          <a:xfrm>
+            <a:off x="685800" y="1143000"/>
+            <a:ext cx="5486400" cy="3086100"/>
+          </a:xfrm>
+          <a:custGeom>
+            <a:avLst/>
+            <a:gdLst/>
+            <a:ahLst/>
+            <a:cxnLst/>
+            <a:rect l="l" t="t" r="r" b="b"/>
+            <a:pathLst>
+              <a:path w="120000" h="120000" extrusionOk="0">
+                <a:moveTo>
+                  <a:pt x="0" y="0"/>
+                </a:moveTo>
+                <a:lnTo>
+                  <a:pt x="120000" y="0"/>
+                </a:lnTo>
+                <a:lnTo>
+                  <a:pt x="120000" y="120000"/>
+                </a:lnTo>
+                <a:lnTo>
+                  <a:pt x="0" y="120000"/>
+                </a:lnTo>
+                <a:close/>
+              </a:path>
+            </a:pathLst>
+          </a:custGeom>
+        </p:spPr>
+      </p:sp>
+      <p:sp>
+        <p:nvSpPr>
+          <p:cNvPr id="213" name="Google Shape;213;g9911f4d133_2_49:notes"/>
+          <p:cNvSpPr txBox="1">
+            <a:spLocks noGrp="1"/>
+          </p:cNvSpPr>
+          <p:nvPr>
+            <p:ph type="body" idx="1"/>
+          </p:nvPr>
+        </p:nvSpPr>
+        <p:spPr>
+          <a:xfrm>
+            <a:off x="685800" y="4400550"/>
+            <a:ext cx="5486400" cy="3600600"/>
+          </a:xfrm>
+          <a:prstGeom prst="rect">
+            <a:avLst/>
+          </a:prstGeom>
+        </p:spPr>
+        <p:txBody>
+          <a:bodyPr spcFirstLastPara="1" wrap="square" lIns="91425" tIns="45700" rIns="91425" bIns="45700" anchor="t" anchorCtr="0">
+            <a:noAutofit/>
+          </a:bodyPr>
+          <a:lstStyle/>
+          <a:p>
+            <a:pPr marL="0" lvl="0" indent="0" algn="l" rtl="0">
+              <a:spcBef>
+                <a:spcPts val="0"/>
+              </a:spcBef>
+              <a:spcAft>
+                <a:spcPts val="0"/>
+              </a:spcAft>
+              <a:buNone/>
+            </a:pPr>
+            <a:endParaRPr/>
+          </a:p>
+        </p:txBody>
+      </p:sp>
+      <p:sp>
+        <p:nvSpPr>
+          <p:cNvPr id="214" name="Google Shape;214;g9911f4d133_2_49:notes"/>
+          <p:cNvSpPr txBox="1">
+            <a:spLocks noGrp="1"/>
+          </p:cNvSpPr>
+          <p:nvPr>
+            <p:ph type="sldNum" idx="12"/>
+          </p:nvPr>
+        </p:nvSpPr>
+        <p:spPr>
+          <a:xfrm>
+            <a:off x="3884613" y="8685213"/>
+            <a:ext cx="2971800" cy="458700"/>
+          </a:xfrm>
+          <a:prstGeom prst="rect">
+            <a:avLst/>
+          </a:prstGeom>
+        </p:spPr>
+        <p:txBody>
+          <a:bodyPr spcFirstLastPara="1" wrap="square" lIns="91425" tIns="45700" rIns="91425" bIns="45700" anchor="b" anchorCtr="0">
+            <a:noAutofit/>
+          </a:bodyPr>
+          <a:lstStyle/>
+          <a:p>
+            <a:pPr marL="0" lvl="0" indent="0" algn="r" rtl="0">
+              <a:spcBef>
+                <a:spcPts val="0"/>
+              </a:spcBef>
+              <a:spcAft>
+                <a:spcPts val="0"/>
+              </a:spcAft>
+              <a:buNone/>
+            </a:pPr>
+            <a:fld id="{00000000-1234-1234-1234-123412341234}" type="slidenum">
+              <a:rPr lang="en-US"/>
+              <a:t>15</a:t>
+            </a:fld>
+            <a:endParaRPr/>
+          </a:p>
+        </p:txBody>
+      </p:sp>
+    </p:spTree>
+  </p:cSld>
+  <p:clrMapOvr>
+    <a:masterClrMapping/>
+  </p:clrMapOvr>
+</p:notes>
+</file>
+
+<file path=ppt/notesSlides/notesSlide12.xml><?xml version="1.0" encoding="utf-8"?>
+<p:notes xmlns:a="http://schemas.openxmlformats.org/drawingml/2006/main" xmlns:r="http://schemas.openxmlformats.org/officeDocument/2006/relationships" xmlns:p="http://schemas.openxmlformats.org/presentationml/2006/main" showMasterSp="0" showMasterPhAnim="0">
+  <p:cSld>
+    <p:spTree>
+      <p:nvGrpSpPr>
+        <p:cNvPr id="1" name="Shape 218"/>
+        <p:cNvGrpSpPr/>
+        <p:nvPr/>
+      </p:nvGrpSpPr>
+      <p:grpSpPr>
+        <a:xfrm>
+          <a:off x="0" y="0"/>
+          <a:ext cx="0" cy="0"/>
+          <a:chOff x="0" y="0"/>
+          <a:chExt cx="0" cy="0"/>
+        </a:xfrm>
+      </p:grpSpPr>
+      <p:sp>
+        <p:nvSpPr>
+          <p:cNvPr id="219" name="Google Shape;219;g9911f4d133_2_62:notes"/>
+          <p:cNvSpPr>
+            <a:spLocks noGrp="1" noRot="1" noChangeAspect="1"/>
+          </p:cNvSpPr>
+          <p:nvPr>
+            <p:ph type="sldImg" idx="2"/>
+          </p:nvPr>
+        </p:nvSpPr>
+        <p:spPr>
+          <a:xfrm>
+            <a:off x="685800" y="1143000"/>
+            <a:ext cx="5486400" cy="3086100"/>
+          </a:xfrm>
+          <a:custGeom>
+            <a:avLst/>
+            <a:gdLst/>
+            <a:ahLst/>
+            <a:cxnLst/>
+            <a:rect l="l" t="t" r="r" b="b"/>
+            <a:pathLst>
+              <a:path w="120000" h="120000" extrusionOk="0">
+                <a:moveTo>
+                  <a:pt x="0" y="0"/>
+                </a:moveTo>
+                <a:lnTo>
+                  <a:pt x="120000" y="0"/>
+                </a:lnTo>
+                <a:lnTo>
+                  <a:pt x="120000" y="120000"/>
+                </a:lnTo>
+                <a:lnTo>
+                  <a:pt x="0" y="120000"/>
+                </a:lnTo>
+                <a:close/>
+              </a:path>
+            </a:pathLst>
+          </a:custGeom>
+        </p:spPr>
+      </p:sp>
+      <p:sp>
+        <p:nvSpPr>
+          <p:cNvPr id="220" name="Google Shape;220;g9911f4d133_2_62:notes"/>
+          <p:cNvSpPr txBox="1">
+            <a:spLocks noGrp="1"/>
+          </p:cNvSpPr>
+          <p:nvPr>
+            <p:ph type="body" idx="1"/>
+          </p:nvPr>
+        </p:nvSpPr>
+        <p:spPr>
+          <a:xfrm>
+            <a:off x="685800" y="4400550"/>
+            <a:ext cx="5486400" cy="3600600"/>
+          </a:xfrm>
+          <a:prstGeom prst="rect">
+            <a:avLst/>
+          </a:prstGeom>
+        </p:spPr>
+        <p:txBody>
+          <a:bodyPr spcFirstLastPara="1" wrap="square" lIns="91425" tIns="45700" rIns="91425" bIns="45700" anchor="t" anchorCtr="0">
+            <a:noAutofit/>
+          </a:bodyPr>
+          <a:lstStyle/>
+          <a:p>
+            <a:pPr marL="0" lvl="0" indent="0" algn="l" rtl="0">
+              <a:spcBef>
+                <a:spcPts val="0"/>
+              </a:spcBef>
+              <a:spcAft>
+                <a:spcPts val="0"/>
+              </a:spcAft>
+              <a:buNone/>
+            </a:pPr>
+            <a:endParaRPr/>
+          </a:p>
+        </p:txBody>
+      </p:sp>
+      <p:sp>
+        <p:nvSpPr>
+          <p:cNvPr id="221" name="Google Shape;221;g9911f4d133_2_62:notes"/>
+          <p:cNvSpPr txBox="1">
+            <a:spLocks noGrp="1"/>
+          </p:cNvSpPr>
+          <p:nvPr>
+            <p:ph type="sldNum" idx="12"/>
+          </p:nvPr>
+        </p:nvSpPr>
+        <p:spPr>
+          <a:xfrm>
+            <a:off x="3884613" y="8685213"/>
+            <a:ext cx="2971800" cy="458700"/>
+          </a:xfrm>
+          <a:prstGeom prst="rect">
+            <a:avLst/>
+          </a:prstGeom>
+        </p:spPr>
+        <p:txBody>
+          <a:bodyPr spcFirstLastPara="1" wrap="square" lIns="91425" tIns="45700" rIns="91425" bIns="45700" anchor="b" anchorCtr="0">
+            <a:noAutofit/>
+          </a:bodyPr>
+          <a:lstStyle/>
+          <a:p>
+            <a:pPr marL="0" lvl="0" indent="0" algn="r" rtl="0">
+              <a:spcBef>
+                <a:spcPts val="0"/>
+              </a:spcBef>
+              <a:spcAft>
+                <a:spcPts val="0"/>
+              </a:spcAft>
+              <a:buNone/>
+            </a:pPr>
+            <a:fld id="{00000000-1234-1234-1234-123412341234}" type="slidenum">
+              <a:rPr lang="en-US"/>
+              <a:t>16</a:t>
+            </a:fld>
+            <a:endParaRPr/>
+          </a:p>
+        </p:txBody>
+      </p:sp>
+    </p:spTree>
+  </p:cSld>
+  <p:clrMapOvr>
+    <a:masterClrMapping/>
+  </p:clrMapOvr>
+</p:notes>
+</file>
+
+<file path=ppt/notesSlides/notesSlide13.xml><?xml version="1.0" encoding="utf-8"?>
+<p:notes xmlns:a="http://schemas.openxmlformats.org/drawingml/2006/main" xmlns:r="http://schemas.openxmlformats.org/officeDocument/2006/relationships" xmlns:p="http://schemas.openxmlformats.org/presentationml/2006/main" showMasterSp="0" showMasterPhAnim="0">
+  <p:cSld>
+    <p:spTree>
+      <p:nvGrpSpPr>
+        <p:cNvPr id="1" name="Shape 236"/>
+        <p:cNvGrpSpPr/>
+        <p:nvPr/>
+      </p:nvGrpSpPr>
+      <p:grpSpPr>
+        <a:xfrm>
+          <a:off x="0" y="0"/>
+          <a:ext cx="0" cy="0"/>
+          <a:chOff x="0" y="0"/>
+          <a:chExt cx="0" cy="0"/>
+        </a:xfrm>
+      </p:grpSpPr>
+      <p:sp>
+        <p:nvSpPr>
+          <p:cNvPr id="237" name="Google Shape;237;p27:notes"/>
+          <p:cNvSpPr txBox="1">
+            <a:spLocks noGrp="1"/>
+          </p:cNvSpPr>
+          <p:nvPr>
+            <p:ph type="body" idx="1"/>
+          </p:nvPr>
+        </p:nvSpPr>
+        <p:spPr>
+          <a:xfrm>
+            <a:off x="685800" y="4400550"/>
+            <a:ext cx="5486400" cy="3600450"/>
+          </a:xfrm>
+          <a:prstGeom prst="rect">
+            <a:avLst/>
+          </a:prstGeom>
+        </p:spPr>
+        <p:txBody>
+          <a:bodyPr spcFirstLastPara="1" wrap="square" lIns="91425" tIns="45700" rIns="91425" bIns="45700" anchor="t" anchorCtr="0">
+            <a:noAutofit/>
+          </a:bodyPr>
+          <a:lstStyle/>
+          <a:p>
+            <a:pPr marL="0" lvl="0" indent="0" algn="l" rtl="0">
+              <a:spcBef>
+                <a:spcPts val="0"/>
+              </a:spcBef>
+              <a:spcAft>
+                <a:spcPts val="0"/>
+              </a:spcAft>
+              <a:buNone/>
+            </a:pPr>
+            <a:endParaRPr/>
+          </a:p>
+        </p:txBody>
+      </p:sp>
+      <p:sp>
+        <p:nvSpPr>
+          <p:cNvPr id="238" name="Google Shape;238;p27:notes"/>
+          <p:cNvSpPr>
+            <a:spLocks noGrp="1" noRot="1" noChangeAspect="1"/>
+          </p:cNvSpPr>
+          <p:nvPr>
+            <p:ph type="sldImg" idx="2"/>
+          </p:nvPr>
+        </p:nvSpPr>
+        <p:spPr>
+          <a:xfrm>
+            <a:off x="685800" y="1143000"/>
+            <a:ext cx="5486400" cy="3086100"/>
+          </a:xfrm>
+          <a:custGeom>
+            <a:avLst/>
+            <a:gdLst/>
+            <a:ahLst/>
+            <a:cxnLst/>
+            <a:rect l="l" t="t" r="r" b="b"/>
+            <a:pathLst>
+              <a:path w="120000" h="120000" extrusionOk="0">
+                <a:moveTo>
+                  <a:pt x="0" y="0"/>
+                </a:moveTo>
+                <a:lnTo>
+                  <a:pt x="120000" y="0"/>
+                </a:lnTo>
+                <a:lnTo>
+                  <a:pt x="120000" y="120000"/>
+                </a:lnTo>
+                <a:lnTo>
+                  <a:pt x="0" y="120000"/>
+                </a:lnTo>
+                <a:close/>
+              </a:path>
+            </a:pathLst>
+          </a:custGeom>
+        </p:spPr>
+      </p:sp>
+    </p:spTree>
+  </p:cSld>
+  <p:clrMapOvr>
+    <a:masterClrMapping/>
+  </p:clrMapOvr>
+</p:notes>
+</file>
+
+<file path=ppt/notesSlides/notesSlide14.xml><?xml version="1.0" encoding="utf-8"?>
+<p:notes xmlns:a="http://schemas.openxmlformats.org/drawingml/2006/main" xmlns:r="http://schemas.openxmlformats.org/officeDocument/2006/relationships" xmlns:p="http://schemas.openxmlformats.org/presentationml/2006/main" showMasterSp="0" showMasterPhAnim="0">
+  <p:cSld>
+    <p:spTree>
+      <p:nvGrpSpPr>
+        <p:cNvPr id="1" name="Shape 168"/>
+        <p:cNvGrpSpPr/>
+        <p:nvPr/>
+      </p:nvGrpSpPr>
+      <p:grpSpPr>
+        <a:xfrm>
+          <a:off x="0" y="0"/>
+          <a:ext cx="0" cy="0"/>
+          <a:chOff x="0" y="0"/>
+          <a:chExt cx="0" cy="0"/>
+        </a:xfrm>
+      </p:grpSpPr>
+      <p:sp>
+        <p:nvSpPr>
+          <p:cNvPr id="169" name="Google Shape;169;g9b08097554_0_2:notes"/>
+          <p:cNvSpPr>
+            <a:spLocks noGrp="1" noRot="1" noChangeAspect="1"/>
+          </p:cNvSpPr>
+          <p:nvPr>
+            <p:ph type="sldImg" idx="2"/>
+          </p:nvPr>
+        </p:nvSpPr>
+        <p:spPr>
+          <a:xfrm>
+            <a:off x="685800" y="1143000"/>
+            <a:ext cx="5486400" cy="3086100"/>
+          </a:xfrm>
+          <a:custGeom>
+            <a:avLst/>
+            <a:gdLst/>
+            <a:ahLst/>
+            <a:cxnLst/>
+            <a:rect l="l" t="t" r="r" b="b"/>
+            <a:pathLst>
+              <a:path w="120000" h="120000" extrusionOk="0">
+                <a:moveTo>
+                  <a:pt x="0" y="0"/>
+                </a:moveTo>
+                <a:lnTo>
+                  <a:pt x="120000" y="0"/>
+                </a:lnTo>
+                <a:lnTo>
+                  <a:pt x="120000" y="120000"/>
+                </a:lnTo>
+                <a:lnTo>
+                  <a:pt x="0" y="120000"/>
+                </a:lnTo>
+                <a:close/>
+              </a:path>
+            </a:pathLst>
+          </a:custGeom>
+        </p:spPr>
+      </p:sp>
+      <p:sp>
+        <p:nvSpPr>
+          <p:cNvPr id="170" name="Google Shape;170;g9b08097554_0_2:notes"/>
+          <p:cNvSpPr txBox="1">
+            <a:spLocks noGrp="1"/>
+          </p:cNvSpPr>
+          <p:nvPr>
+            <p:ph type="body" idx="1"/>
+          </p:nvPr>
+        </p:nvSpPr>
+        <p:spPr>
+          <a:xfrm>
+            <a:off x="685800" y="4400550"/>
+            <a:ext cx="5486400" cy="3600600"/>
+          </a:xfrm>
+          <a:prstGeom prst="rect">
+            <a:avLst/>
+          </a:prstGeom>
+        </p:spPr>
+        <p:txBody>
+          <a:bodyPr spcFirstLastPara="1" wrap="square" lIns="91425" tIns="45700" rIns="91425" bIns="45700" anchor="t" anchorCtr="0">
+            <a:noAutofit/>
+          </a:bodyPr>
+          <a:lstStyle/>
+          <a:p>
+            <a:pPr marL="0" lvl="0" indent="0" algn="l" rtl="0">
+              <a:spcBef>
+                <a:spcPts val="0"/>
+              </a:spcBef>
+              <a:spcAft>
+                <a:spcPts val="0"/>
+              </a:spcAft>
+              <a:buNone/>
+            </a:pPr>
+            <a:endParaRPr/>
+          </a:p>
+        </p:txBody>
+      </p:sp>
+      <p:sp>
+        <p:nvSpPr>
+          <p:cNvPr id="171" name="Google Shape;171;g9b08097554_0_2:notes"/>
+          <p:cNvSpPr txBox="1">
+            <a:spLocks noGrp="1"/>
+          </p:cNvSpPr>
+          <p:nvPr>
+            <p:ph type="sldNum" idx="12"/>
+          </p:nvPr>
+        </p:nvSpPr>
+        <p:spPr>
+          <a:xfrm>
+            <a:off x="3884613" y="8685213"/>
+            <a:ext cx="2971800" cy="458700"/>
+          </a:xfrm>
+          <a:prstGeom prst="rect">
+            <a:avLst/>
+          </a:prstGeom>
+        </p:spPr>
+        <p:txBody>
+          <a:bodyPr spcFirstLastPara="1" wrap="square" lIns="91425" tIns="45700" rIns="91425" bIns="45700" anchor="b" anchorCtr="0">
+            <a:noAutofit/>
+          </a:bodyPr>
+          <a:lstStyle/>
+          <a:p>
+            <a:pPr marL="0" lvl="0" indent="0" algn="r" rtl="0">
+              <a:spcBef>
+                <a:spcPts val="0"/>
+              </a:spcBef>
+              <a:spcAft>
+                <a:spcPts val="0"/>
+              </a:spcAft>
+              <a:buNone/>
+            </a:pPr>
+            <a:fld id="{00000000-1234-1234-1234-123412341234}" type="slidenum">
+              <a:rPr lang="en-US"/>
+              <a:t>18</a:t>
+            </a:fld>
+            <a:endParaRPr/>
+          </a:p>
+        </p:txBody>
+      </p:sp>
+    </p:spTree>
+  </p:cSld>
+  <p:clrMapOvr>
+    <a:masterClrMapping/>
+  </p:clrMapOvr>
+</p:notes>
+</file>
+
+<file path=ppt/notesSlides/notesSlide15.xml><?xml version="1.0" encoding="utf-8"?>
+<p:notes xmlns:a="http://schemas.openxmlformats.org/drawingml/2006/main" xmlns:r="http://schemas.openxmlformats.org/officeDocument/2006/relationships" xmlns:p="http://schemas.openxmlformats.org/presentationml/2006/main" showMasterSp="0" showMasterPhAnim="0">
+  <p:cSld>
+    <p:spTree>
+      <p:nvGrpSpPr>
         <p:cNvPr id="1" name="Shape 155"/>
         <p:cNvGrpSpPr/>
         <p:nvPr/>
@@ -2702,7 +3477,7 @@
             </a:pPr>
             <a:fld id="{00000000-1234-1234-1234-123412341234}" type="slidenum">
               <a:rPr lang="en-US"/>
-              <a:t>14</a:t>
+              <a:t>19</a:t>
             </a:fld>
             <a:endParaRPr/>
           </a:p>
@@ -2716,7 +3491,7 @@
 </p:notes>
 </file>
 
-<file path=ppt/notesSlides/notesSlide11.xml><?xml version="1.0" encoding="utf-8"?>
+<file path=ppt/notesSlides/notesSlide16.xml><?xml version="1.0" encoding="utf-8"?>
 <p:notes xmlns:a="http://schemas.openxmlformats.org/drawingml/2006/main" xmlns:r="http://schemas.openxmlformats.org/officeDocument/2006/relationships" xmlns:p="http://schemas.openxmlformats.org/presentationml/2006/main" showMasterSp="0" showMasterPhAnim="0">
   <p:cSld>
     <p:spTree>
@@ -2848,7 +3623,7 @@
             </a:pPr>
             <a:fld id="{00000000-1234-1234-1234-123412341234}" type="slidenum">
               <a:rPr lang="en-US"/>
-              <a:t>15</a:t>
+              <a:t>20</a:t>
             </a:fld>
             <a:endParaRPr/>
           </a:p>
@@ -3159,7 +3934,7 @@
   <p:cSld>
     <p:spTree>
       <p:nvGrpSpPr>
-        <p:cNvPr id="1" name="Shape 224"/>
+        <p:cNvPr id="1" name="Shape 155"/>
         <p:cNvGrpSpPr/>
         <p:nvPr/>
       </p:nvGrpSpPr>
@@ -3173,7 +3948,7 @@
       </p:grpSpPr>
       <p:sp>
         <p:nvSpPr>
-          <p:cNvPr id="225" name="Google Shape;225;g9911f4d133_2_54:notes"/>
+          <p:cNvPr id="156" name="Google Shape;156;g9911f4d133_2_8:notes"/>
           <p:cNvSpPr>
             <a:spLocks noGrp="1" noRot="1" noChangeAspect="1"/>
           </p:cNvSpPr>
@@ -3214,7 +3989,7 @@
       </p:sp>
       <p:sp>
         <p:nvSpPr>
-          <p:cNvPr id="226" name="Google Shape;226;g9911f4d133_2_54:notes"/>
+          <p:cNvPr id="157" name="Google Shape;157;g9911f4d133_2_8:notes"/>
           <p:cNvSpPr txBox="1">
             <a:spLocks noGrp="1"/>
           </p:cNvSpPr>
@@ -3252,7 +4027,7 @@
       </p:sp>
       <p:sp>
         <p:nvSpPr>
-          <p:cNvPr id="227" name="Google Shape;227;g9911f4d133_2_54:notes"/>
+          <p:cNvPr id="158" name="Google Shape;158;g9911f4d133_2_8:notes"/>
           <p:cNvSpPr txBox="1">
             <a:spLocks noGrp="1"/>
           </p:cNvSpPr>
@@ -3286,7 +4061,7 @@
             </a:pPr>
             <a:fld id="{00000000-1234-1234-1234-123412341234}" type="slidenum">
               <a:rPr lang="en-US"/>
-              <a:t>7</a:t>
+              <a:t>4</a:t>
             </a:fld>
             <a:endParaRPr/>
           </a:p>
@@ -3301,548 +4076,6 @@
 </file>
 
 <file path=ppt/notesSlides/notesSlide5.xml><?xml version="1.0" encoding="utf-8"?>
-<p:notes xmlns:a="http://schemas.openxmlformats.org/drawingml/2006/main" xmlns:r="http://schemas.openxmlformats.org/officeDocument/2006/relationships" xmlns:p="http://schemas.openxmlformats.org/presentationml/2006/main" showMasterSp="0" showMasterPhAnim="0">
-  <p:cSld>
-    <p:spTree>
-      <p:nvGrpSpPr>
-        <p:cNvPr id="1" name="Shape 205"/>
-        <p:cNvGrpSpPr/>
-        <p:nvPr/>
-      </p:nvGrpSpPr>
-      <p:grpSpPr>
-        <a:xfrm>
-          <a:off x="0" y="0"/>
-          <a:ext cx="0" cy="0"/>
-          <a:chOff x="0" y="0"/>
-          <a:chExt cx="0" cy="0"/>
-        </a:xfrm>
-      </p:grpSpPr>
-      <p:sp>
-        <p:nvSpPr>
-          <p:cNvPr id="206" name="Google Shape;206;g9911f4d133_2_43:notes"/>
-          <p:cNvSpPr>
-            <a:spLocks noGrp="1" noRot="1" noChangeAspect="1"/>
-          </p:cNvSpPr>
-          <p:nvPr>
-            <p:ph type="sldImg" idx="2"/>
-          </p:nvPr>
-        </p:nvSpPr>
-        <p:spPr>
-          <a:xfrm>
-            <a:off x="685800" y="1143000"/>
-            <a:ext cx="5486400" cy="3086100"/>
-          </a:xfrm>
-          <a:custGeom>
-            <a:avLst/>
-            <a:gdLst/>
-            <a:ahLst/>
-            <a:cxnLst/>
-            <a:rect l="l" t="t" r="r" b="b"/>
-            <a:pathLst>
-              <a:path w="120000" h="120000" extrusionOk="0">
-                <a:moveTo>
-                  <a:pt x="0" y="0"/>
-                </a:moveTo>
-                <a:lnTo>
-                  <a:pt x="120000" y="0"/>
-                </a:lnTo>
-                <a:lnTo>
-                  <a:pt x="120000" y="120000"/>
-                </a:lnTo>
-                <a:lnTo>
-                  <a:pt x="0" y="120000"/>
-                </a:lnTo>
-                <a:close/>
-              </a:path>
-            </a:pathLst>
-          </a:custGeom>
-        </p:spPr>
-      </p:sp>
-      <p:sp>
-        <p:nvSpPr>
-          <p:cNvPr id="207" name="Google Shape;207;g9911f4d133_2_43:notes"/>
-          <p:cNvSpPr txBox="1">
-            <a:spLocks noGrp="1"/>
-          </p:cNvSpPr>
-          <p:nvPr>
-            <p:ph type="body" idx="1"/>
-          </p:nvPr>
-        </p:nvSpPr>
-        <p:spPr>
-          <a:xfrm>
-            <a:off x="685800" y="4400550"/>
-            <a:ext cx="5486400" cy="3600600"/>
-          </a:xfrm>
-          <a:prstGeom prst="rect">
-            <a:avLst/>
-          </a:prstGeom>
-        </p:spPr>
-        <p:txBody>
-          <a:bodyPr spcFirstLastPara="1" wrap="square" lIns="91425" tIns="45700" rIns="91425" bIns="45700" anchor="t" anchorCtr="0">
-            <a:noAutofit/>
-          </a:bodyPr>
-          <a:lstStyle/>
-          <a:p>
-            <a:pPr marL="0" lvl="0" indent="0" algn="l" rtl="0">
-              <a:spcBef>
-                <a:spcPts val="0"/>
-              </a:spcBef>
-              <a:spcAft>
-                <a:spcPts val="0"/>
-              </a:spcAft>
-              <a:buNone/>
-            </a:pPr>
-            <a:endParaRPr/>
-          </a:p>
-        </p:txBody>
-      </p:sp>
-      <p:sp>
-        <p:nvSpPr>
-          <p:cNvPr id="208" name="Google Shape;208;g9911f4d133_2_43:notes"/>
-          <p:cNvSpPr txBox="1">
-            <a:spLocks noGrp="1"/>
-          </p:cNvSpPr>
-          <p:nvPr>
-            <p:ph type="sldNum" idx="12"/>
-          </p:nvPr>
-        </p:nvSpPr>
-        <p:spPr>
-          <a:xfrm>
-            <a:off x="3884613" y="8685213"/>
-            <a:ext cx="2971800" cy="458700"/>
-          </a:xfrm>
-          <a:prstGeom prst="rect">
-            <a:avLst/>
-          </a:prstGeom>
-        </p:spPr>
-        <p:txBody>
-          <a:bodyPr spcFirstLastPara="1" wrap="square" lIns="91425" tIns="45700" rIns="91425" bIns="45700" anchor="b" anchorCtr="0">
-            <a:noAutofit/>
-          </a:bodyPr>
-          <a:lstStyle/>
-          <a:p>
-            <a:pPr marL="0" lvl="0" indent="0" algn="r" rtl="0">
-              <a:spcBef>
-                <a:spcPts val="0"/>
-              </a:spcBef>
-              <a:spcAft>
-                <a:spcPts val="0"/>
-              </a:spcAft>
-              <a:buNone/>
-            </a:pPr>
-            <a:fld id="{00000000-1234-1234-1234-123412341234}" type="slidenum">
-              <a:rPr lang="en-US"/>
-              <a:t>8</a:t>
-            </a:fld>
-            <a:endParaRPr/>
-          </a:p>
-        </p:txBody>
-      </p:sp>
-    </p:spTree>
-  </p:cSld>
-  <p:clrMapOvr>
-    <a:masterClrMapping/>
-  </p:clrMapOvr>
-</p:notes>
-</file>
-
-<file path=ppt/notesSlides/notesSlide6.xml><?xml version="1.0" encoding="utf-8"?>
-<p:notes xmlns:a="http://schemas.openxmlformats.org/drawingml/2006/main" xmlns:r="http://schemas.openxmlformats.org/officeDocument/2006/relationships" xmlns:p="http://schemas.openxmlformats.org/presentationml/2006/main" showMasterSp="0" showMasterPhAnim="0">
-  <p:cSld>
-    <p:spTree>
-      <p:nvGrpSpPr>
-        <p:cNvPr id="1" name="Shape 211"/>
-        <p:cNvGrpSpPr/>
-        <p:nvPr/>
-      </p:nvGrpSpPr>
-      <p:grpSpPr>
-        <a:xfrm>
-          <a:off x="0" y="0"/>
-          <a:ext cx="0" cy="0"/>
-          <a:chOff x="0" y="0"/>
-          <a:chExt cx="0" cy="0"/>
-        </a:xfrm>
-      </p:grpSpPr>
-      <p:sp>
-        <p:nvSpPr>
-          <p:cNvPr id="212" name="Google Shape;212;g9911f4d133_2_49:notes"/>
-          <p:cNvSpPr>
-            <a:spLocks noGrp="1" noRot="1" noChangeAspect="1"/>
-          </p:cNvSpPr>
-          <p:nvPr>
-            <p:ph type="sldImg" idx="2"/>
-          </p:nvPr>
-        </p:nvSpPr>
-        <p:spPr>
-          <a:xfrm>
-            <a:off x="685800" y="1143000"/>
-            <a:ext cx="5486400" cy="3086100"/>
-          </a:xfrm>
-          <a:custGeom>
-            <a:avLst/>
-            <a:gdLst/>
-            <a:ahLst/>
-            <a:cxnLst/>
-            <a:rect l="l" t="t" r="r" b="b"/>
-            <a:pathLst>
-              <a:path w="120000" h="120000" extrusionOk="0">
-                <a:moveTo>
-                  <a:pt x="0" y="0"/>
-                </a:moveTo>
-                <a:lnTo>
-                  <a:pt x="120000" y="0"/>
-                </a:lnTo>
-                <a:lnTo>
-                  <a:pt x="120000" y="120000"/>
-                </a:lnTo>
-                <a:lnTo>
-                  <a:pt x="0" y="120000"/>
-                </a:lnTo>
-                <a:close/>
-              </a:path>
-            </a:pathLst>
-          </a:custGeom>
-        </p:spPr>
-      </p:sp>
-      <p:sp>
-        <p:nvSpPr>
-          <p:cNvPr id="213" name="Google Shape;213;g9911f4d133_2_49:notes"/>
-          <p:cNvSpPr txBox="1">
-            <a:spLocks noGrp="1"/>
-          </p:cNvSpPr>
-          <p:nvPr>
-            <p:ph type="body" idx="1"/>
-          </p:nvPr>
-        </p:nvSpPr>
-        <p:spPr>
-          <a:xfrm>
-            <a:off x="685800" y="4400550"/>
-            <a:ext cx="5486400" cy="3600600"/>
-          </a:xfrm>
-          <a:prstGeom prst="rect">
-            <a:avLst/>
-          </a:prstGeom>
-        </p:spPr>
-        <p:txBody>
-          <a:bodyPr spcFirstLastPara="1" wrap="square" lIns="91425" tIns="45700" rIns="91425" bIns="45700" anchor="t" anchorCtr="0">
-            <a:noAutofit/>
-          </a:bodyPr>
-          <a:lstStyle/>
-          <a:p>
-            <a:pPr marL="0" lvl="0" indent="0" algn="l" rtl="0">
-              <a:spcBef>
-                <a:spcPts val="0"/>
-              </a:spcBef>
-              <a:spcAft>
-                <a:spcPts val="0"/>
-              </a:spcAft>
-              <a:buNone/>
-            </a:pPr>
-            <a:endParaRPr/>
-          </a:p>
-        </p:txBody>
-      </p:sp>
-      <p:sp>
-        <p:nvSpPr>
-          <p:cNvPr id="214" name="Google Shape;214;g9911f4d133_2_49:notes"/>
-          <p:cNvSpPr txBox="1">
-            <a:spLocks noGrp="1"/>
-          </p:cNvSpPr>
-          <p:nvPr>
-            <p:ph type="sldNum" idx="12"/>
-          </p:nvPr>
-        </p:nvSpPr>
-        <p:spPr>
-          <a:xfrm>
-            <a:off x="3884613" y="8685213"/>
-            <a:ext cx="2971800" cy="458700"/>
-          </a:xfrm>
-          <a:prstGeom prst="rect">
-            <a:avLst/>
-          </a:prstGeom>
-        </p:spPr>
-        <p:txBody>
-          <a:bodyPr spcFirstLastPara="1" wrap="square" lIns="91425" tIns="45700" rIns="91425" bIns="45700" anchor="b" anchorCtr="0">
-            <a:noAutofit/>
-          </a:bodyPr>
-          <a:lstStyle/>
-          <a:p>
-            <a:pPr marL="0" lvl="0" indent="0" algn="r" rtl="0">
-              <a:spcBef>
-                <a:spcPts val="0"/>
-              </a:spcBef>
-              <a:spcAft>
-                <a:spcPts val="0"/>
-              </a:spcAft>
-              <a:buNone/>
-            </a:pPr>
-            <a:fld id="{00000000-1234-1234-1234-123412341234}" type="slidenum">
-              <a:rPr lang="en-US"/>
-              <a:t>10</a:t>
-            </a:fld>
-            <a:endParaRPr/>
-          </a:p>
-        </p:txBody>
-      </p:sp>
-    </p:spTree>
-  </p:cSld>
-  <p:clrMapOvr>
-    <a:masterClrMapping/>
-  </p:clrMapOvr>
-</p:notes>
-</file>
-
-<file path=ppt/notesSlides/notesSlide7.xml><?xml version="1.0" encoding="utf-8"?>
-<p:notes xmlns:a="http://schemas.openxmlformats.org/drawingml/2006/main" xmlns:r="http://schemas.openxmlformats.org/officeDocument/2006/relationships" xmlns:p="http://schemas.openxmlformats.org/presentationml/2006/main" showMasterSp="0" showMasterPhAnim="0">
-  <p:cSld>
-    <p:spTree>
-      <p:nvGrpSpPr>
-        <p:cNvPr id="1" name="Shape 218"/>
-        <p:cNvGrpSpPr/>
-        <p:nvPr/>
-      </p:nvGrpSpPr>
-      <p:grpSpPr>
-        <a:xfrm>
-          <a:off x="0" y="0"/>
-          <a:ext cx="0" cy="0"/>
-          <a:chOff x="0" y="0"/>
-          <a:chExt cx="0" cy="0"/>
-        </a:xfrm>
-      </p:grpSpPr>
-      <p:sp>
-        <p:nvSpPr>
-          <p:cNvPr id="219" name="Google Shape;219;g9911f4d133_2_62:notes"/>
-          <p:cNvSpPr>
-            <a:spLocks noGrp="1" noRot="1" noChangeAspect="1"/>
-          </p:cNvSpPr>
-          <p:nvPr>
-            <p:ph type="sldImg" idx="2"/>
-          </p:nvPr>
-        </p:nvSpPr>
-        <p:spPr>
-          <a:xfrm>
-            <a:off x="685800" y="1143000"/>
-            <a:ext cx="5486400" cy="3086100"/>
-          </a:xfrm>
-          <a:custGeom>
-            <a:avLst/>
-            <a:gdLst/>
-            <a:ahLst/>
-            <a:cxnLst/>
-            <a:rect l="l" t="t" r="r" b="b"/>
-            <a:pathLst>
-              <a:path w="120000" h="120000" extrusionOk="0">
-                <a:moveTo>
-                  <a:pt x="0" y="0"/>
-                </a:moveTo>
-                <a:lnTo>
-                  <a:pt x="120000" y="0"/>
-                </a:lnTo>
-                <a:lnTo>
-                  <a:pt x="120000" y="120000"/>
-                </a:lnTo>
-                <a:lnTo>
-                  <a:pt x="0" y="120000"/>
-                </a:lnTo>
-                <a:close/>
-              </a:path>
-            </a:pathLst>
-          </a:custGeom>
-        </p:spPr>
-      </p:sp>
-      <p:sp>
-        <p:nvSpPr>
-          <p:cNvPr id="220" name="Google Shape;220;g9911f4d133_2_62:notes"/>
-          <p:cNvSpPr txBox="1">
-            <a:spLocks noGrp="1"/>
-          </p:cNvSpPr>
-          <p:nvPr>
-            <p:ph type="body" idx="1"/>
-          </p:nvPr>
-        </p:nvSpPr>
-        <p:spPr>
-          <a:xfrm>
-            <a:off x="685800" y="4400550"/>
-            <a:ext cx="5486400" cy="3600600"/>
-          </a:xfrm>
-          <a:prstGeom prst="rect">
-            <a:avLst/>
-          </a:prstGeom>
-        </p:spPr>
-        <p:txBody>
-          <a:bodyPr spcFirstLastPara="1" wrap="square" lIns="91425" tIns="45700" rIns="91425" bIns="45700" anchor="t" anchorCtr="0">
-            <a:noAutofit/>
-          </a:bodyPr>
-          <a:lstStyle/>
-          <a:p>
-            <a:pPr marL="0" lvl="0" indent="0" algn="l" rtl="0">
-              <a:spcBef>
-                <a:spcPts val="0"/>
-              </a:spcBef>
-              <a:spcAft>
-                <a:spcPts val="0"/>
-              </a:spcAft>
-              <a:buNone/>
-            </a:pPr>
-            <a:endParaRPr/>
-          </a:p>
-        </p:txBody>
-      </p:sp>
-      <p:sp>
-        <p:nvSpPr>
-          <p:cNvPr id="221" name="Google Shape;221;g9911f4d133_2_62:notes"/>
-          <p:cNvSpPr txBox="1">
-            <a:spLocks noGrp="1"/>
-          </p:cNvSpPr>
-          <p:nvPr>
-            <p:ph type="sldNum" idx="12"/>
-          </p:nvPr>
-        </p:nvSpPr>
-        <p:spPr>
-          <a:xfrm>
-            <a:off x="3884613" y="8685213"/>
-            <a:ext cx="2971800" cy="458700"/>
-          </a:xfrm>
-          <a:prstGeom prst="rect">
-            <a:avLst/>
-          </a:prstGeom>
-        </p:spPr>
-        <p:txBody>
-          <a:bodyPr spcFirstLastPara="1" wrap="square" lIns="91425" tIns="45700" rIns="91425" bIns="45700" anchor="b" anchorCtr="0">
-            <a:noAutofit/>
-          </a:bodyPr>
-          <a:lstStyle/>
-          <a:p>
-            <a:pPr marL="0" lvl="0" indent="0" algn="r" rtl="0">
-              <a:spcBef>
-                <a:spcPts val="0"/>
-              </a:spcBef>
-              <a:spcAft>
-                <a:spcPts val="0"/>
-              </a:spcAft>
-              <a:buNone/>
-            </a:pPr>
-            <a:fld id="{00000000-1234-1234-1234-123412341234}" type="slidenum">
-              <a:rPr lang="en-US"/>
-              <a:t>11</a:t>
-            </a:fld>
-            <a:endParaRPr/>
-          </a:p>
-        </p:txBody>
-      </p:sp>
-    </p:spTree>
-  </p:cSld>
-  <p:clrMapOvr>
-    <a:masterClrMapping/>
-  </p:clrMapOvr>
-</p:notes>
-</file>
-
-<file path=ppt/notesSlides/notesSlide8.xml><?xml version="1.0" encoding="utf-8"?>
-<p:notes xmlns:a="http://schemas.openxmlformats.org/drawingml/2006/main" xmlns:r="http://schemas.openxmlformats.org/officeDocument/2006/relationships" xmlns:p="http://schemas.openxmlformats.org/presentationml/2006/main" showMasterSp="0" showMasterPhAnim="0">
-  <p:cSld>
-    <p:spTree>
-      <p:nvGrpSpPr>
-        <p:cNvPr id="1" name="Shape 236"/>
-        <p:cNvGrpSpPr/>
-        <p:nvPr/>
-      </p:nvGrpSpPr>
-      <p:grpSpPr>
-        <a:xfrm>
-          <a:off x="0" y="0"/>
-          <a:ext cx="0" cy="0"/>
-          <a:chOff x="0" y="0"/>
-          <a:chExt cx="0" cy="0"/>
-        </a:xfrm>
-      </p:grpSpPr>
-      <p:sp>
-        <p:nvSpPr>
-          <p:cNvPr id="237" name="Google Shape;237;p27:notes"/>
-          <p:cNvSpPr txBox="1">
-            <a:spLocks noGrp="1"/>
-          </p:cNvSpPr>
-          <p:nvPr>
-            <p:ph type="body" idx="1"/>
-          </p:nvPr>
-        </p:nvSpPr>
-        <p:spPr>
-          <a:xfrm>
-            <a:off x="685800" y="4400550"/>
-            <a:ext cx="5486400" cy="3600450"/>
-          </a:xfrm>
-          <a:prstGeom prst="rect">
-            <a:avLst/>
-          </a:prstGeom>
-        </p:spPr>
-        <p:txBody>
-          <a:bodyPr spcFirstLastPara="1" wrap="square" lIns="91425" tIns="45700" rIns="91425" bIns="45700" anchor="t" anchorCtr="0">
-            <a:noAutofit/>
-          </a:bodyPr>
-          <a:lstStyle/>
-          <a:p>
-            <a:pPr marL="0" lvl="0" indent="0" algn="l" rtl="0">
-              <a:spcBef>
-                <a:spcPts val="0"/>
-              </a:spcBef>
-              <a:spcAft>
-                <a:spcPts val="0"/>
-              </a:spcAft>
-              <a:buNone/>
-            </a:pPr>
-            <a:endParaRPr/>
-          </a:p>
-        </p:txBody>
-      </p:sp>
-      <p:sp>
-        <p:nvSpPr>
-          <p:cNvPr id="238" name="Google Shape;238;p27:notes"/>
-          <p:cNvSpPr>
-            <a:spLocks noGrp="1" noRot="1" noChangeAspect="1"/>
-          </p:cNvSpPr>
-          <p:nvPr>
-            <p:ph type="sldImg" idx="2"/>
-          </p:nvPr>
-        </p:nvSpPr>
-        <p:spPr>
-          <a:xfrm>
-            <a:off x="685800" y="1143000"/>
-            <a:ext cx="5486400" cy="3086100"/>
-          </a:xfrm>
-          <a:custGeom>
-            <a:avLst/>
-            <a:gdLst/>
-            <a:ahLst/>
-            <a:cxnLst/>
-            <a:rect l="l" t="t" r="r" b="b"/>
-            <a:pathLst>
-              <a:path w="120000" h="120000" extrusionOk="0">
-                <a:moveTo>
-                  <a:pt x="0" y="0"/>
-                </a:moveTo>
-                <a:lnTo>
-                  <a:pt x="120000" y="0"/>
-                </a:lnTo>
-                <a:lnTo>
-                  <a:pt x="120000" y="120000"/>
-                </a:lnTo>
-                <a:lnTo>
-                  <a:pt x="0" y="120000"/>
-                </a:lnTo>
-                <a:close/>
-              </a:path>
-            </a:pathLst>
-          </a:custGeom>
-        </p:spPr>
-      </p:sp>
-    </p:spTree>
-  </p:cSld>
-  <p:clrMapOvr>
-    <a:masterClrMapping/>
-  </p:clrMapOvr>
-</p:notes>
-</file>
-
-<file path=ppt/notesSlides/notesSlide9.xml><?xml version="1.0" encoding="utf-8"?>
 <p:notes xmlns:a="http://schemas.openxmlformats.org/drawingml/2006/main" xmlns:r="http://schemas.openxmlformats.org/officeDocument/2006/relationships" xmlns:p="http://schemas.openxmlformats.org/presentationml/2006/main" showMasterSp="0" showMasterPhAnim="0">
   <p:cSld>
     <p:spTree>
@@ -3974,7 +4207,591 @@
             </a:pPr>
             <a:fld id="{00000000-1234-1234-1234-123412341234}" type="slidenum">
               <a:rPr lang="en-US"/>
-              <a:t>13</a:t>
+              <a:t>5</a:t>
+            </a:fld>
+            <a:endParaRPr/>
+          </a:p>
+        </p:txBody>
+      </p:sp>
+    </p:spTree>
+  </p:cSld>
+  <p:clrMapOvr>
+    <a:masterClrMapping/>
+  </p:clrMapOvr>
+</p:notes>
+</file>
+
+<file path=ppt/notesSlides/notesSlide6.xml><?xml version="1.0" encoding="utf-8"?>
+<p:notes xmlns:a="http://schemas.openxmlformats.org/drawingml/2006/main" xmlns:r="http://schemas.openxmlformats.org/officeDocument/2006/relationships" xmlns:p="http://schemas.openxmlformats.org/presentationml/2006/main" showMasterSp="0" showMasterPhAnim="0">
+  <p:cSld>
+    <p:spTree>
+      <p:nvGrpSpPr>
+        <p:cNvPr id="1" name="Shape 174"/>
+        <p:cNvGrpSpPr/>
+        <p:nvPr/>
+      </p:nvGrpSpPr>
+      <p:grpSpPr>
+        <a:xfrm>
+          <a:off x="0" y="0"/>
+          <a:ext cx="0" cy="0"/>
+          <a:chOff x="0" y="0"/>
+          <a:chExt cx="0" cy="0"/>
+        </a:xfrm>
+      </p:grpSpPr>
+      <p:sp>
+        <p:nvSpPr>
+          <p:cNvPr id="175" name="Google Shape;175;g9911f4d133_2_17:notes"/>
+          <p:cNvSpPr>
+            <a:spLocks noGrp="1" noRot="1" noChangeAspect="1"/>
+          </p:cNvSpPr>
+          <p:nvPr>
+            <p:ph type="sldImg" idx="2"/>
+          </p:nvPr>
+        </p:nvSpPr>
+        <p:spPr>
+          <a:xfrm>
+            <a:off x="685800" y="1143000"/>
+            <a:ext cx="5486400" cy="3086100"/>
+          </a:xfrm>
+          <a:custGeom>
+            <a:avLst/>
+            <a:gdLst/>
+            <a:ahLst/>
+            <a:cxnLst/>
+            <a:rect l="l" t="t" r="r" b="b"/>
+            <a:pathLst>
+              <a:path w="120000" h="120000" extrusionOk="0">
+                <a:moveTo>
+                  <a:pt x="0" y="0"/>
+                </a:moveTo>
+                <a:lnTo>
+                  <a:pt x="120000" y="0"/>
+                </a:lnTo>
+                <a:lnTo>
+                  <a:pt x="120000" y="120000"/>
+                </a:lnTo>
+                <a:lnTo>
+                  <a:pt x="0" y="120000"/>
+                </a:lnTo>
+                <a:close/>
+              </a:path>
+            </a:pathLst>
+          </a:custGeom>
+        </p:spPr>
+      </p:sp>
+      <p:sp>
+        <p:nvSpPr>
+          <p:cNvPr id="176" name="Google Shape;176;g9911f4d133_2_17:notes"/>
+          <p:cNvSpPr txBox="1">
+            <a:spLocks noGrp="1"/>
+          </p:cNvSpPr>
+          <p:nvPr>
+            <p:ph type="body" idx="1"/>
+          </p:nvPr>
+        </p:nvSpPr>
+        <p:spPr>
+          <a:xfrm>
+            <a:off x="685800" y="4400550"/>
+            <a:ext cx="5486400" cy="3600600"/>
+          </a:xfrm>
+          <a:prstGeom prst="rect">
+            <a:avLst/>
+          </a:prstGeom>
+        </p:spPr>
+        <p:txBody>
+          <a:bodyPr spcFirstLastPara="1" wrap="square" lIns="91425" tIns="45700" rIns="91425" bIns="45700" anchor="t" anchorCtr="0">
+            <a:noAutofit/>
+          </a:bodyPr>
+          <a:lstStyle/>
+          <a:p>
+            <a:pPr marL="0" lvl="0" indent="0" algn="l" rtl="0">
+              <a:spcBef>
+                <a:spcPts val="0"/>
+              </a:spcBef>
+              <a:spcAft>
+                <a:spcPts val="0"/>
+              </a:spcAft>
+              <a:buNone/>
+            </a:pPr>
+            <a:endParaRPr/>
+          </a:p>
+        </p:txBody>
+      </p:sp>
+      <p:sp>
+        <p:nvSpPr>
+          <p:cNvPr id="177" name="Google Shape;177;g9911f4d133_2_17:notes"/>
+          <p:cNvSpPr txBox="1">
+            <a:spLocks noGrp="1"/>
+          </p:cNvSpPr>
+          <p:nvPr>
+            <p:ph type="sldNum" idx="12"/>
+          </p:nvPr>
+        </p:nvSpPr>
+        <p:spPr>
+          <a:xfrm>
+            <a:off x="3884613" y="8685213"/>
+            <a:ext cx="2971800" cy="458700"/>
+          </a:xfrm>
+          <a:prstGeom prst="rect">
+            <a:avLst/>
+          </a:prstGeom>
+        </p:spPr>
+        <p:txBody>
+          <a:bodyPr spcFirstLastPara="1" wrap="square" lIns="91425" tIns="45700" rIns="91425" bIns="45700" anchor="b" anchorCtr="0">
+            <a:noAutofit/>
+          </a:bodyPr>
+          <a:lstStyle/>
+          <a:p>
+            <a:pPr marL="0" lvl="0" indent="0" algn="r" rtl="0">
+              <a:spcBef>
+                <a:spcPts val="0"/>
+              </a:spcBef>
+              <a:spcAft>
+                <a:spcPts val="0"/>
+              </a:spcAft>
+              <a:buNone/>
+            </a:pPr>
+            <a:fld id="{00000000-1234-1234-1234-123412341234}" type="slidenum">
+              <a:rPr lang="en-US"/>
+              <a:t>6</a:t>
+            </a:fld>
+            <a:endParaRPr/>
+          </a:p>
+        </p:txBody>
+      </p:sp>
+    </p:spTree>
+  </p:cSld>
+  <p:clrMapOvr>
+    <a:masterClrMapping/>
+  </p:clrMapOvr>
+</p:notes>
+</file>
+
+<file path=ppt/notesSlides/notesSlide7.xml><?xml version="1.0" encoding="utf-8"?>
+<p:notes xmlns:a="http://schemas.openxmlformats.org/drawingml/2006/main" xmlns:r="http://schemas.openxmlformats.org/officeDocument/2006/relationships" xmlns:p="http://schemas.openxmlformats.org/presentationml/2006/main" showMasterSp="0" showMasterPhAnim="0">
+  <p:cSld>
+    <p:spTree>
+      <p:nvGrpSpPr>
+        <p:cNvPr id="1" name="Shape 180"/>
+        <p:cNvGrpSpPr/>
+        <p:nvPr/>
+      </p:nvGrpSpPr>
+      <p:grpSpPr>
+        <a:xfrm>
+          <a:off x="0" y="0"/>
+          <a:ext cx="0" cy="0"/>
+          <a:chOff x="0" y="0"/>
+          <a:chExt cx="0" cy="0"/>
+        </a:xfrm>
+      </p:grpSpPr>
+      <p:sp>
+        <p:nvSpPr>
+          <p:cNvPr id="181" name="Google Shape;181;g9b08097554_0_23:notes"/>
+          <p:cNvSpPr>
+            <a:spLocks noGrp="1" noRot="1" noChangeAspect="1"/>
+          </p:cNvSpPr>
+          <p:nvPr>
+            <p:ph type="sldImg" idx="2"/>
+          </p:nvPr>
+        </p:nvSpPr>
+        <p:spPr>
+          <a:xfrm>
+            <a:off x="685800" y="1143000"/>
+            <a:ext cx="5486400" cy="3086100"/>
+          </a:xfrm>
+          <a:custGeom>
+            <a:avLst/>
+            <a:gdLst/>
+            <a:ahLst/>
+            <a:cxnLst/>
+            <a:rect l="l" t="t" r="r" b="b"/>
+            <a:pathLst>
+              <a:path w="120000" h="120000" extrusionOk="0">
+                <a:moveTo>
+                  <a:pt x="0" y="0"/>
+                </a:moveTo>
+                <a:lnTo>
+                  <a:pt x="120000" y="0"/>
+                </a:lnTo>
+                <a:lnTo>
+                  <a:pt x="120000" y="120000"/>
+                </a:lnTo>
+                <a:lnTo>
+                  <a:pt x="0" y="120000"/>
+                </a:lnTo>
+                <a:close/>
+              </a:path>
+            </a:pathLst>
+          </a:custGeom>
+        </p:spPr>
+      </p:sp>
+      <p:sp>
+        <p:nvSpPr>
+          <p:cNvPr id="182" name="Google Shape;182;g9b08097554_0_23:notes"/>
+          <p:cNvSpPr txBox="1">
+            <a:spLocks noGrp="1"/>
+          </p:cNvSpPr>
+          <p:nvPr>
+            <p:ph type="body" idx="1"/>
+          </p:nvPr>
+        </p:nvSpPr>
+        <p:spPr>
+          <a:xfrm>
+            <a:off x="685800" y="4400550"/>
+            <a:ext cx="5486400" cy="3600600"/>
+          </a:xfrm>
+          <a:prstGeom prst="rect">
+            <a:avLst/>
+          </a:prstGeom>
+        </p:spPr>
+        <p:txBody>
+          <a:bodyPr spcFirstLastPara="1" wrap="square" lIns="91425" tIns="45700" rIns="91425" bIns="45700" anchor="t" anchorCtr="0">
+            <a:noAutofit/>
+          </a:bodyPr>
+          <a:lstStyle/>
+          <a:p>
+            <a:pPr marL="0" lvl="0" indent="0" algn="l" rtl="0">
+              <a:spcBef>
+                <a:spcPts val="0"/>
+              </a:spcBef>
+              <a:spcAft>
+                <a:spcPts val="0"/>
+              </a:spcAft>
+              <a:buNone/>
+            </a:pPr>
+            <a:endParaRPr/>
+          </a:p>
+        </p:txBody>
+      </p:sp>
+      <p:sp>
+        <p:nvSpPr>
+          <p:cNvPr id="183" name="Google Shape;183;g9b08097554_0_23:notes"/>
+          <p:cNvSpPr txBox="1">
+            <a:spLocks noGrp="1"/>
+          </p:cNvSpPr>
+          <p:nvPr>
+            <p:ph type="sldNum" idx="12"/>
+          </p:nvPr>
+        </p:nvSpPr>
+        <p:spPr>
+          <a:xfrm>
+            <a:off x="3884613" y="8685213"/>
+            <a:ext cx="2971800" cy="458700"/>
+          </a:xfrm>
+          <a:prstGeom prst="rect">
+            <a:avLst/>
+          </a:prstGeom>
+        </p:spPr>
+        <p:txBody>
+          <a:bodyPr spcFirstLastPara="1" wrap="square" lIns="91425" tIns="45700" rIns="91425" bIns="45700" anchor="b" anchorCtr="0">
+            <a:noAutofit/>
+          </a:bodyPr>
+          <a:lstStyle/>
+          <a:p>
+            <a:pPr marL="0" lvl="0" indent="0" algn="r" rtl="0">
+              <a:spcBef>
+                <a:spcPts val="0"/>
+              </a:spcBef>
+              <a:spcAft>
+                <a:spcPts val="0"/>
+              </a:spcAft>
+              <a:buNone/>
+            </a:pPr>
+            <a:fld id="{00000000-1234-1234-1234-123412341234}" type="slidenum">
+              <a:rPr lang="en-US"/>
+              <a:t>7</a:t>
+            </a:fld>
+            <a:endParaRPr/>
+          </a:p>
+        </p:txBody>
+      </p:sp>
+    </p:spTree>
+  </p:cSld>
+  <p:clrMapOvr>
+    <a:masterClrMapping/>
+  </p:clrMapOvr>
+</p:notes>
+</file>
+
+<file path=ppt/notesSlides/notesSlide8.xml><?xml version="1.0" encoding="utf-8"?>
+<p:notes xmlns:a="http://schemas.openxmlformats.org/drawingml/2006/main" xmlns:r="http://schemas.openxmlformats.org/officeDocument/2006/relationships" xmlns:p="http://schemas.openxmlformats.org/presentationml/2006/main" showMasterSp="0" showMasterPhAnim="0">
+  <p:cSld>
+    <p:spTree>
+      <p:nvGrpSpPr>
+        <p:cNvPr id="1" name="Shape 187"/>
+        <p:cNvGrpSpPr/>
+        <p:nvPr/>
+      </p:nvGrpSpPr>
+      <p:grpSpPr>
+        <a:xfrm>
+          <a:off x="0" y="0"/>
+          <a:ext cx="0" cy="0"/>
+          <a:chOff x="0" y="0"/>
+          <a:chExt cx="0" cy="0"/>
+        </a:xfrm>
+      </p:grpSpPr>
+      <p:sp>
+        <p:nvSpPr>
+          <p:cNvPr id="188" name="Google Shape;188;g9b08097554_0_17:notes"/>
+          <p:cNvSpPr>
+            <a:spLocks noGrp="1" noRot="1" noChangeAspect="1"/>
+          </p:cNvSpPr>
+          <p:nvPr>
+            <p:ph type="sldImg" idx="2"/>
+          </p:nvPr>
+        </p:nvSpPr>
+        <p:spPr>
+          <a:xfrm>
+            <a:off x="685800" y="1143000"/>
+            <a:ext cx="5486400" cy="3086100"/>
+          </a:xfrm>
+          <a:custGeom>
+            <a:avLst/>
+            <a:gdLst/>
+            <a:ahLst/>
+            <a:cxnLst/>
+            <a:rect l="l" t="t" r="r" b="b"/>
+            <a:pathLst>
+              <a:path w="120000" h="120000" extrusionOk="0">
+                <a:moveTo>
+                  <a:pt x="0" y="0"/>
+                </a:moveTo>
+                <a:lnTo>
+                  <a:pt x="120000" y="0"/>
+                </a:lnTo>
+                <a:lnTo>
+                  <a:pt x="120000" y="120000"/>
+                </a:lnTo>
+                <a:lnTo>
+                  <a:pt x="0" y="120000"/>
+                </a:lnTo>
+                <a:close/>
+              </a:path>
+            </a:pathLst>
+          </a:custGeom>
+        </p:spPr>
+      </p:sp>
+      <p:sp>
+        <p:nvSpPr>
+          <p:cNvPr id="189" name="Google Shape;189;g9b08097554_0_17:notes"/>
+          <p:cNvSpPr txBox="1">
+            <a:spLocks noGrp="1"/>
+          </p:cNvSpPr>
+          <p:nvPr>
+            <p:ph type="body" idx="1"/>
+          </p:nvPr>
+        </p:nvSpPr>
+        <p:spPr>
+          <a:xfrm>
+            <a:off x="685800" y="4400550"/>
+            <a:ext cx="5486400" cy="3600600"/>
+          </a:xfrm>
+          <a:prstGeom prst="rect">
+            <a:avLst/>
+          </a:prstGeom>
+        </p:spPr>
+        <p:txBody>
+          <a:bodyPr spcFirstLastPara="1" wrap="square" lIns="91425" tIns="45700" rIns="91425" bIns="45700" anchor="t" anchorCtr="0">
+            <a:noAutofit/>
+          </a:bodyPr>
+          <a:lstStyle/>
+          <a:p>
+            <a:pPr marL="0" lvl="0" indent="0" algn="l" rtl="0">
+              <a:spcBef>
+                <a:spcPts val="0"/>
+              </a:spcBef>
+              <a:spcAft>
+                <a:spcPts val="0"/>
+              </a:spcAft>
+              <a:buNone/>
+            </a:pPr>
+            <a:endParaRPr/>
+          </a:p>
+        </p:txBody>
+      </p:sp>
+      <p:sp>
+        <p:nvSpPr>
+          <p:cNvPr id="190" name="Google Shape;190;g9b08097554_0_17:notes"/>
+          <p:cNvSpPr txBox="1">
+            <a:spLocks noGrp="1"/>
+          </p:cNvSpPr>
+          <p:nvPr>
+            <p:ph type="sldNum" idx="12"/>
+          </p:nvPr>
+        </p:nvSpPr>
+        <p:spPr>
+          <a:xfrm>
+            <a:off x="3884613" y="8685213"/>
+            <a:ext cx="2971800" cy="458700"/>
+          </a:xfrm>
+          <a:prstGeom prst="rect">
+            <a:avLst/>
+          </a:prstGeom>
+        </p:spPr>
+        <p:txBody>
+          <a:bodyPr spcFirstLastPara="1" wrap="square" lIns="91425" tIns="45700" rIns="91425" bIns="45700" anchor="b" anchorCtr="0">
+            <a:noAutofit/>
+          </a:bodyPr>
+          <a:lstStyle/>
+          <a:p>
+            <a:pPr marL="0" lvl="0" indent="0" algn="r" rtl="0">
+              <a:spcBef>
+                <a:spcPts val="0"/>
+              </a:spcBef>
+              <a:spcAft>
+                <a:spcPts val="0"/>
+              </a:spcAft>
+              <a:buNone/>
+            </a:pPr>
+            <a:fld id="{00000000-1234-1234-1234-123412341234}" type="slidenum">
+              <a:rPr lang="en-US"/>
+              <a:t>8</a:t>
+            </a:fld>
+            <a:endParaRPr/>
+          </a:p>
+        </p:txBody>
+      </p:sp>
+    </p:spTree>
+  </p:cSld>
+  <p:clrMapOvr>
+    <a:masterClrMapping/>
+  </p:clrMapOvr>
+</p:notes>
+</file>
+
+<file path=ppt/notesSlides/notesSlide9.xml><?xml version="1.0" encoding="utf-8"?>
+<p:notes xmlns:a="http://schemas.openxmlformats.org/drawingml/2006/main" xmlns:r="http://schemas.openxmlformats.org/officeDocument/2006/relationships" xmlns:p="http://schemas.openxmlformats.org/presentationml/2006/main" showMasterSp="0" showMasterPhAnim="0">
+  <p:cSld>
+    <p:spTree>
+      <p:nvGrpSpPr>
+        <p:cNvPr id="1" name="Shape 224"/>
+        <p:cNvGrpSpPr/>
+        <p:nvPr/>
+      </p:nvGrpSpPr>
+      <p:grpSpPr>
+        <a:xfrm>
+          <a:off x="0" y="0"/>
+          <a:ext cx="0" cy="0"/>
+          <a:chOff x="0" y="0"/>
+          <a:chExt cx="0" cy="0"/>
+        </a:xfrm>
+      </p:grpSpPr>
+      <p:sp>
+        <p:nvSpPr>
+          <p:cNvPr id="225" name="Google Shape;225;g9911f4d133_2_54:notes"/>
+          <p:cNvSpPr>
+            <a:spLocks noGrp="1" noRot="1" noChangeAspect="1"/>
+          </p:cNvSpPr>
+          <p:nvPr>
+            <p:ph type="sldImg" idx="2"/>
+          </p:nvPr>
+        </p:nvSpPr>
+        <p:spPr>
+          <a:xfrm>
+            <a:off x="685800" y="1143000"/>
+            <a:ext cx="5486400" cy="3086100"/>
+          </a:xfrm>
+          <a:custGeom>
+            <a:avLst/>
+            <a:gdLst/>
+            <a:ahLst/>
+            <a:cxnLst/>
+            <a:rect l="l" t="t" r="r" b="b"/>
+            <a:pathLst>
+              <a:path w="120000" h="120000" extrusionOk="0">
+                <a:moveTo>
+                  <a:pt x="0" y="0"/>
+                </a:moveTo>
+                <a:lnTo>
+                  <a:pt x="120000" y="0"/>
+                </a:lnTo>
+                <a:lnTo>
+                  <a:pt x="120000" y="120000"/>
+                </a:lnTo>
+                <a:lnTo>
+                  <a:pt x="0" y="120000"/>
+                </a:lnTo>
+                <a:close/>
+              </a:path>
+            </a:pathLst>
+          </a:custGeom>
+        </p:spPr>
+      </p:sp>
+      <p:sp>
+        <p:nvSpPr>
+          <p:cNvPr id="226" name="Google Shape;226;g9911f4d133_2_54:notes"/>
+          <p:cNvSpPr txBox="1">
+            <a:spLocks noGrp="1"/>
+          </p:cNvSpPr>
+          <p:nvPr>
+            <p:ph type="body" idx="1"/>
+          </p:nvPr>
+        </p:nvSpPr>
+        <p:spPr>
+          <a:xfrm>
+            <a:off x="685800" y="4400550"/>
+            <a:ext cx="5486400" cy="3600600"/>
+          </a:xfrm>
+          <a:prstGeom prst="rect">
+            <a:avLst/>
+          </a:prstGeom>
+        </p:spPr>
+        <p:txBody>
+          <a:bodyPr spcFirstLastPara="1" wrap="square" lIns="91425" tIns="45700" rIns="91425" bIns="45700" anchor="t" anchorCtr="0">
+            <a:noAutofit/>
+          </a:bodyPr>
+          <a:lstStyle/>
+          <a:p>
+            <a:pPr marL="0" lvl="0" indent="0" algn="l" rtl="0">
+              <a:spcBef>
+                <a:spcPts val="0"/>
+              </a:spcBef>
+              <a:spcAft>
+                <a:spcPts val="0"/>
+              </a:spcAft>
+              <a:buNone/>
+            </a:pPr>
+            <a:endParaRPr/>
+          </a:p>
+        </p:txBody>
+      </p:sp>
+      <p:sp>
+        <p:nvSpPr>
+          <p:cNvPr id="227" name="Google Shape;227;g9911f4d133_2_54:notes"/>
+          <p:cNvSpPr txBox="1">
+            <a:spLocks noGrp="1"/>
+          </p:cNvSpPr>
+          <p:nvPr>
+            <p:ph type="sldNum" idx="12"/>
+          </p:nvPr>
+        </p:nvSpPr>
+        <p:spPr>
+          <a:xfrm>
+            <a:off x="3884613" y="8685213"/>
+            <a:ext cx="2971800" cy="458700"/>
+          </a:xfrm>
+          <a:prstGeom prst="rect">
+            <a:avLst/>
+          </a:prstGeom>
+        </p:spPr>
+        <p:txBody>
+          <a:bodyPr spcFirstLastPara="1" wrap="square" lIns="91425" tIns="45700" rIns="91425" bIns="45700" anchor="b" anchorCtr="0">
+            <a:noAutofit/>
+          </a:bodyPr>
+          <a:lstStyle/>
+          <a:p>
+            <a:pPr marL="0" lvl="0" indent="0" algn="r" rtl="0">
+              <a:spcBef>
+                <a:spcPts val="0"/>
+              </a:spcBef>
+              <a:spcAft>
+                <a:spcPts val="0"/>
+              </a:spcAft>
+              <a:buNone/>
+            </a:pPr>
+            <a:fld id="{00000000-1234-1234-1234-123412341234}" type="slidenum">
+              <a:rPr lang="en-US"/>
+              <a:t>12</a:t>
             </a:fld>
             <a:endParaRPr/>
           </a:p>
@@ -15818,6 +16635,460 @@
   <p:cSld>
     <p:spTree>
       <p:nvGrpSpPr>
+        <p:cNvPr id="1" name=""/>
+        <p:cNvGrpSpPr/>
+        <p:nvPr/>
+      </p:nvGrpSpPr>
+      <p:grpSpPr>
+        <a:xfrm>
+          <a:off x="0" y="0"/>
+          <a:ext cx="0" cy="0"/>
+          <a:chOff x="0" y="0"/>
+          <a:chExt cx="0" cy="0"/>
+        </a:xfrm>
+      </p:grpSpPr>
+      <p:sp>
+        <p:nvSpPr>
+          <p:cNvPr id="2" name="Title 1">
+            <a:extLst>
+              <a:ext uri="{FF2B5EF4-FFF2-40B4-BE49-F238E27FC236}">
+                <a16:creationId xmlns:a16="http://schemas.microsoft.com/office/drawing/2014/main" id="{B2CAC40C-5BE6-49C3-A586-B86D5CB61FCA}"/>
+              </a:ext>
+            </a:extLst>
+          </p:cNvPr>
+          <p:cNvSpPr>
+            <a:spLocks noGrp="1"/>
+          </p:cNvSpPr>
+          <p:nvPr>
+            <p:ph type="title"/>
+          </p:nvPr>
+        </p:nvSpPr>
+        <p:spPr/>
+        <p:txBody>
+          <a:bodyPr/>
+          <a:lstStyle/>
+          <a:p>
+            <a:r>
+              <a:rPr lang="en-US" dirty="0"/>
+              <a:t>Traceability Link Matrix</a:t>
+            </a:r>
+          </a:p>
+        </p:txBody>
+      </p:sp>
+      <p:sp>
+        <p:nvSpPr>
+          <p:cNvPr id="4" name="TextBox 3">
+            <a:extLst>
+              <a:ext uri="{FF2B5EF4-FFF2-40B4-BE49-F238E27FC236}">
+                <a16:creationId xmlns:a16="http://schemas.microsoft.com/office/drawing/2014/main" id="{CEE5405A-B61D-479D-A075-167138D3BCB3}"/>
+              </a:ext>
+            </a:extLst>
+          </p:cNvPr>
+          <p:cNvSpPr txBox="1"/>
+          <p:nvPr/>
+        </p:nvSpPr>
+        <p:spPr>
+          <a:xfrm>
+            <a:off x="542260" y="2307265"/>
+            <a:ext cx="11929731" cy="738664"/>
+          </a:xfrm>
+          <a:prstGeom prst="rect">
+            <a:avLst/>
+          </a:prstGeom>
+          <a:noFill/>
+        </p:spPr>
+        <p:txBody>
+          <a:bodyPr wrap="square" rtlCol="0">
+            <a:spAutoFit/>
+          </a:bodyPr>
+          <a:lstStyle/>
+          <a:p>
+            <a:r>
+              <a:rPr lang="en-US" dirty="0"/>
+              <a:t>File is located in </a:t>
+            </a:r>
+            <a:r>
+              <a:rPr lang="en-US" dirty="0">
+                <a:hlinkClick r:id="rId2"/>
+              </a:rPr>
+              <a:t>https://github.com/bstaab/cs414-f20-UnspecifiedBehavior/blob/master/Documents/TraceabilityLinkMatrix.xlsx</a:t>
+            </a:r>
+            <a:endParaRPr lang="en-US" dirty="0"/>
+          </a:p>
+          <a:p>
+            <a:r>
+              <a:rPr lang="en-US" dirty="0"/>
+              <a:t>The backend has been updated</a:t>
+            </a:r>
+          </a:p>
+          <a:p>
+            <a:r>
+              <a:rPr lang="en-US" dirty="0"/>
+              <a:t>Needs front end updated – someone on front end should due this</a:t>
+            </a:r>
+          </a:p>
+        </p:txBody>
+      </p:sp>
+    </p:spTree>
+    <p:extLst>
+      <p:ext uri="{BB962C8B-B14F-4D97-AF65-F5344CB8AC3E}">
+        <p14:creationId xmlns:p14="http://schemas.microsoft.com/office/powerpoint/2010/main" val="2130408549"/>
+      </p:ext>
+    </p:extLst>
+  </p:cSld>
+  <p:clrMapOvr>
+    <a:masterClrMapping/>
+  </p:clrMapOvr>
+  <p:transition>
+    <p:fade/>
+  </p:transition>
+</p:sld>
+</file>
+
+<file path=ppt/slides/slide11.xml><?xml version="1.0" encoding="utf-8"?>
+<p:sld xmlns:a="http://schemas.openxmlformats.org/drawingml/2006/main" xmlns:r="http://schemas.openxmlformats.org/officeDocument/2006/relationships" xmlns:p="http://schemas.openxmlformats.org/presentationml/2006/main">
+  <p:cSld>
+    <p:spTree>
+      <p:nvGrpSpPr>
+        <p:cNvPr id="1" name=""/>
+        <p:cNvGrpSpPr/>
+        <p:nvPr/>
+      </p:nvGrpSpPr>
+      <p:grpSpPr>
+        <a:xfrm>
+          <a:off x="0" y="0"/>
+          <a:ext cx="0" cy="0"/>
+          <a:chOff x="0" y="0"/>
+          <a:chExt cx="0" cy="0"/>
+        </a:xfrm>
+      </p:grpSpPr>
+      <p:pic>
+        <p:nvPicPr>
+          <p:cNvPr id="2" name="Picture 3" descr="Diagram&#10;&#10;Description automatically generated">
+            <a:extLst>
+              <a:ext uri="{FF2B5EF4-FFF2-40B4-BE49-F238E27FC236}">
+                <a16:creationId xmlns:a16="http://schemas.microsoft.com/office/drawing/2014/main" id="{D637DBFD-2C0B-47F9-8BC3-F09B86327871}"/>
+              </a:ext>
+            </a:extLst>
+          </p:cNvPr>
+          <p:cNvPicPr>
+            <a:picLocks noChangeAspect="1"/>
+          </p:cNvPicPr>
+          <p:nvPr/>
+        </p:nvPicPr>
+        <p:blipFill>
+          <a:blip r:embed="rId2"/>
+          <a:stretch>
+            <a:fillRect/>
+          </a:stretch>
+        </p:blipFill>
+        <p:spPr>
+          <a:xfrm>
+            <a:off x="1574954" y="1026026"/>
+            <a:ext cx="10655480" cy="6444926"/>
+          </a:xfrm>
+          <a:prstGeom prst="rect">
+            <a:avLst/>
+          </a:prstGeom>
+          <a:noFill/>
+          <a:ln>
+            <a:noFill/>
+          </a:ln>
+        </p:spPr>
+      </p:pic>
+      <p:sp>
+        <p:nvSpPr>
+          <p:cNvPr id="8" name="Title 1">
+            <a:extLst>
+              <a:ext uri="{FF2B5EF4-FFF2-40B4-BE49-F238E27FC236}">
+                <a16:creationId xmlns:a16="http://schemas.microsoft.com/office/drawing/2014/main" id="{CCBBBDB5-269B-4746-B097-AF1B5316773C}"/>
+              </a:ext>
+            </a:extLst>
+          </p:cNvPr>
+          <p:cNvSpPr>
+            <a:spLocks noGrp="1"/>
+          </p:cNvSpPr>
+          <p:nvPr>
+            <p:ph type="title"/>
+          </p:nvPr>
+        </p:nvSpPr>
+        <p:spPr>
+          <a:xfrm>
+            <a:off x="400424" y="246383"/>
+            <a:ext cx="13016750" cy="779320"/>
+          </a:xfrm>
+        </p:spPr>
+        <p:txBody>
+          <a:bodyPr wrap="square" anchor="t">
+            <a:normAutofit/>
+          </a:bodyPr>
+          <a:lstStyle/>
+          <a:p>
+            <a:r>
+              <a:rPr lang="en-US"/>
+              <a:t>Class Diagram</a:t>
+            </a:r>
+          </a:p>
+        </p:txBody>
+      </p:sp>
+    </p:spTree>
+    <p:extLst>
+      <p:ext uri="{BB962C8B-B14F-4D97-AF65-F5344CB8AC3E}">
+        <p14:creationId xmlns:p14="http://schemas.microsoft.com/office/powerpoint/2010/main" val="2622422789"/>
+      </p:ext>
+    </p:extLst>
+  </p:cSld>
+  <p:clrMapOvr>
+    <a:masterClrMapping/>
+  </p:clrMapOvr>
+  <p:transition>
+    <p:fade/>
+  </p:transition>
+</p:sld>
+</file>
+
+<file path=ppt/slides/slide12.xml><?xml version="1.0" encoding="utf-8"?>
+<p:sld xmlns:a="http://schemas.openxmlformats.org/drawingml/2006/main" xmlns:r="http://schemas.openxmlformats.org/officeDocument/2006/relationships" xmlns:p="http://schemas.openxmlformats.org/presentationml/2006/main">
+  <p:cSld>
+    <p:spTree>
+      <p:nvGrpSpPr>
+        <p:cNvPr id="1" name="Shape 228"/>
+        <p:cNvGrpSpPr/>
+        <p:nvPr/>
+      </p:nvGrpSpPr>
+      <p:grpSpPr>
+        <a:xfrm>
+          <a:off x="0" y="0"/>
+          <a:ext cx="0" cy="0"/>
+          <a:chOff x="0" y="0"/>
+          <a:chExt cx="0" cy="0"/>
+        </a:xfrm>
+      </p:grpSpPr>
+      <p:sp>
+        <p:nvSpPr>
+          <p:cNvPr id="2" name="Title 1">
+            <a:extLst>
+              <a:ext uri="{FF2B5EF4-FFF2-40B4-BE49-F238E27FC236}">
+                <a16:creationId xmlns:a16="http://schemas.microsoft.com/office/drawing/2014/main" id="{19E8C631-AC2F-4079-828C-5D694CC551E7}"/>
+              </a:ext>
+            </a:extLst>
+          </p:cNvPr>
+          <p:cNvSpPr>
+            <a:spLocks noGrp="1"/>
+          </p:cNvSpPr>
+          <p:nvPr>
+            <p:ph type="title"/>
+          </p:nvPr>
+        </p:nvSpPr>
+        <p:spPr>
+          <a:xfrm>
+            <a:off x="628075" y="406915"/>
+            <a:ext cx="12561453" cy="1015663"/>
+          </a:xfrm>
+        </p:spPr>
+        <p:txBody>
+          <a:bodyPr/>
+          <a:lstStyle/>
+          <a:p>
+            <a:r>
+              <a:rPr lang="en-US"/>
+              <a:t>CRC Cards</a:t>
+            </a:r>
+          </a:p>
+        </p:txBody>
+      </p:sp>
+      <p:pic>
+        <p:nvPicPr>
+          <p:cNvPr id="4" name="Picture 5" descr="Table&#10;&#10;Description automatically generated">
+            <a:extLst>
+              <a:ext uri="{FF2B5EF4-FFF2-40B4-BE49-F238E27FC236}">
+                <a16:creationId xmlns:a16="http://schemas.microsoft.com/office/drawing/2014/main" id="{7C112A7C-7285-4616-9479-CAA105C5D16E}"/>
+              </a:ext>
+            </a:extLst>
+          </p:cNvPr>
+          <p:cNvPicPr>
+            <a:picLocks noChangeAspect="1"/>
+          </p:cNvPicPr>
+          <p:nvPr/>
+        </p:nvPicPr>
+        <p:blipFill>
+          <a:blip r:embed="rId3"/>
+          <a:stretch>
+            <a:fillRect/>
+          </a:stretch>
+        </p:blipFill>
+        <p:spPr>
+          <a:xfrm>
+            <a:off x="7447078" y="2301866"/>
+            <a:ext cx="5159339" cy="3667984"/>
+          </a:xfrm>
+          <a:prstGeom prst="rect">
+            <a:avLst/>
+          </a:prstGeom>
+        </p:spPr>
+      </p:pic>
+      <p:pic>
+        <p:nvPicPr>
+          <p:cNvPr id="6" name="Picture 7" descr="A screenshot of a cell phone&#10;&#10;Description automatically generated">
+            <a:extLst>
+              <a:ext uri="{FF2B5EF4-FFF2-40B4-BE49-F238E27FC236}">
+                <a16:creationId xmlns:a16="http://schemas.microsoft.com/office/drawing/2014/main" id="{B998D122-02AE-423E-B1F3-33AC1FB60F85}"/>
+              </a:ext>
+            </a:extLst>
+          </p:cNvPr>
+          <p:cNvPicPr>
+            <a:picLocks noChangeAspect="1"/>
+          </p:cNvPicPr>
+          <p:nvPr/>
+        </p:nvPicPr>
+        <p:blipFill>
+          <a:blip r:embed="rId4"/>
+          <a:stretch>
+            <a:fillRect/>
+          </a:stretch>
+        </p:blipFill>
+        <p:spPr>
+          <a:xfrm>
+            <a:off x="2102838" y="1382743"/>
+            <a:ext cx="4897348" cy="5732409"/>
+          </a:xfrm>
+          <a:prstGeom prst="rect">
+            <a:avLst/>
+          </a:prstGeom>
+        </p:spPr>
+      </p:pic>
+    </p:spTree>
+  </p:cSld>
+  <p:clrMapOvr>
+    <a:masterClrMapping/>
+  </p:clrMapOvr>
+</p:sld>
+</file>
+
+<file path=ppt/slides/slide13.xml><?xml version="1.0" encoding="utf-8"?>
+<p:sld xmlns:a="http://schemas.openxmlformats.org/drawingml/2006/main" xmlns:r="http://schemas.openxmlformats.org/officeDocument/2006/relationships" xmlns:p="http://schemas.openxmlformats.org/presentationml/2006/main">
+  <p:cSld>
+    <p:spTree>
+      <p:nvGrpSpPr>
+        <p:cNvPr id="1" name="Shape 209"/>
+        <p:cNvGrpSpPr/>
+        <p:nvPr/>
+      </p:nvGrpSpPr>
+      <p:grpSpPr>
+        <a:xfrm>
+          <a:off x="0" y="0"/>
+          <a:ext cx="0" cy="0"/>
+          <a:chOff x="0" y="0"/>
+          <a:chExt cx="0" cy="0"/>
+        </a:xfrm>
+      </p:grpSpPr>
+      <p:sp>
+        <p:nvSpPr>
+          <p:cNvPr id="4" name="Title 3">
+            <a:extLst>
+              <a:ext uri="{FF2B5EF4-FFF2-40B4-BE49-F238E27FC236}">
+                <a16:creationId xmlns:a16="http://schemas.microsoft.com/office/drawing/2014/main" id="{D19F4384-A70A-4D14-AF46-4E1AEFEA7451}"/>
+              </a:ext>
+            </a:extLst>
+          </p:cNvPr>
+          <p:cNvSpPr>
+            <a:spLocks noGrp="1"/>
+          </p:cNvSpPr>
+          <p:nvPr>
+            <p:ph type="title"/>
+          </p:nvPr>
+        </p:nvSpPr>
+        <p:spPr>
+          <a:xfrm>
+            <a:off x="628075" y="460309"/>
+            <a:ext cx="12561453" cy="1015663"/>
+          </a:xfrm>
+        </p:spPr>
+        <p:txBody>
+          <a:bodyPr/>
+          <a:lstStyle/>
+          <a:p>
+            <a:r>
+              <a:rPr lang="en-US"/>
+              <a:t>User Stories and Tasks</a:t>
+            </a:r>
+          </a:p>
+        </p:txBody>
+      </p:sp>
+    </p:spTree>
+  </p:cSld>
+  <p:clrMapOvr>
+    <a:masterClrMapping/>
+  </p:clrMapOvr>
+</p:sld>
+</file>
+
+<file path=ppt/slides/slide14.xml><?xml version="1.0" encoding="utf-8"?>
+<p:sld xmlns:a="http://schemas.openxmlformats.org/drawingml/2006/main" xmlns:r="http://schemas.openxmlformats.org/officeDocument/2006/relationships" xmlns:p="http://schemas.openxmlformats.org/presentationml/2006/main">
+  <p:cSld>
+    <p:spTree>
+      <p:nvGrpSpPr>
+        <p:cNvPr id="1" name=""/>
+        <p:cNvGrpSpPr/>
+        <p:nvPr/>
+      </p:nvGrpSpPr>
+      <p:grpSpPr>
+        <a:xfrm>
+          <a:off x="0" y="0"/>
+          <a:ext cx="0" cy="0"/>
+          <a:chOff x="0" y="0"/>
+          <a:chExt cx="0" cy="0"/>
+        </a:xfrm>
+      </p:grpSpPr>
+      <p:sp>
+        <p:nvSpPr>
+          <p:cNvPr id="2" name="Title 1">
+            <a:extLst>
+              <a:ext uri="{FF2B5EF4-FFF2-40B4-BE49-F238E27FC236}">
+                <a16:creationId xmlns:a16="http://schemas.microsoft.com/office/drawing/2014/main" id="{E0FB43CD-AC1D-409D-81C1-54986F2D5E73}"/>
+              </a:ext>
+            </a:extLst>
+          </p:cNvPr>
+          <p:cNvSpPr>
+            <a:spLocks noGrp="1"/>
+          </p:cNvSpPr>
+          <p:nvPr>
+            <p:ph type="title"/>
+          </p:nvPr>
+        </p:nvSpPr>
+        <p:spPr/>
+        <p:txBody>
+          <a:bodyPr/>
+          <a:lstStyle/>
+          <a:p>
+            <a:r>
+              <a:rPr lang="en-US"/>
+              <a:t>Acceptance Criteria</a:t>
+            </a:r>
+          </a:p>
+        </p:txBody>
+      </p:sp>
+    </p:spTree>
+    <p:extLst>
+      <p:ext uri="{BB962C8B-B14F-4D97-AF65-F5344CB8AC3E}">
+        <p14:creationId xmlns:p14="http://schemas.microsoft.com/office/powerpoint/2010/main" val="487161662"/>
+      </p:ext>
+    </p:extLst>
+  </p:cSld>
+  <p:clrMapOvr>
+    <a:masterClrMapping/>
+  </p:clrMapOvr>
+  <p:transition>
+    <p:fade/>
+  </p:transition>
+</p:sld>
+</file>
+
+<file path=ppt/slides/slide15.xml><?xml version="1.0" encoding="utf-8"?>
+<p:sld xmlns:a="http://schemas.openxmlformats.org/drawingml/2006/main" xmlns:r="http://schemas.openxmlformats.org/officeDocument/2006/relationships" xmlns:p="http://schemas.openxmlformats.org/presentationml/2006/main">
+  <p:cSld>
+    <p:spTree>
+      <p:nvGrpSpPr>
         <p:cNvPr id="1" name="Shape 215"/>
         <p:cNvGrpSpPr/>
         <p:nvPr/>
@@ -15906,7 +17177,7 @@
 </p:sld>
 </file>
 
-<file path=ppt/slides/slide11.xml><?xml version="1.0" encoding="utf-8"?>
+<file path=ppt/slides/slide16.xml><?xml version="1.0" encoding="utf-8"?>
 <p:sld xmlns:a="http://schemas.openxmlformats.org/drawingml/2006/main" xmlns:r="http://schemas.openxmlformats.org/officeDocument/2006/relationships" xmlns:p="http://schemas.openxmlformats.org/presentationml/2006/main">
   <p:cSld>
     <p:spTree>
@@ -15964,7 +17235,7 @@
 </p:sld>
 </file>
 
-<file path=ppt/slides/slide12.xml><?xml version="1.0" encoding="utf-8"?>
+<file path=ppt/slides/slide17.xml><?xml version="1.0" encoding="utf-8"?>
 <p:sld xmlns:a="http://schemas.openxmlformats.org/drawingml/2006/main" xmlns:r="http://schemas.openxmlformats.org/officeDocument/2006/relationships" xmlns:p="http://schemas.openxmlformats.org/presentationml/2006/main">
   <p:cSld>
     <p:spTree>
@@ -15992,7 +17263,7 @@
 </p:sld>
 </file>
 
-<file path=ppt/slides/slide13.xml><?xml version="1.0" encoding="utf-8"?>
+<file path=ppt/slides/slide18.xml><?xml version="1.0" encoding="utf-8"?>
 <p:sld xmlns:a="http://schemas.openxmlformats.org/drawingml/2006/main" xmlns:r="http://schemas.openxmlformats.org/officeDocument/2006/relationships" xmlns:p="http://schemas.openxmlformats.org/presentationml/2006/main" show="0">
   <p:cSld>
     <p:spTree>
@@ -16307,7 +17578,7 @@
 </p:sld>
 </file>
 
-<file path=ppt/slides/slide14.xml><?xml version="1.0" encoding="utf-8"?>
+<file path=ppt/slides/slide19.xml><?xml version="1.0" encoding="utf-8"?>
 <p:sld xmlns:a="http://schemas.openxmlformats.org/drawingml/2006/main" xmlns:r="http://schemas.openxmlformats.org/officeDocument/2006/relationships" xmlns:p="http://schemas.openxmlformats.org/presentationml/2006/main" show="0">
   <p:cSld>
     <p:spTree>
@@ -16695,430 +17966,6 @@
 </p:sld>
 </file>
 
-<file path=ppt/slides/slide15.xml><?xml version="1.0" encoding="utf-8"?>
-<p:sld xmlns:a="http://schemas.openxmlformats.org/drawingml/2006/main" xmlns:r="http://schemas.openxmlformats.org/officeDocument/2006/relationships" xmlns:p="http://schemas.openxmlformats.org/presentationml/2006/main" show="0">
-  <p:cSld>
-    <p:spTree>
-      <p:nvGrpSpPr>
-        <p:cNvPr id="1" name="Shape 178"/>
-        <p:cNvGrpSpPr/>
-        <p:nvPr/>
-      </p:nvGrpSpPr>
-      <p:grpSpPr>
-        <a:xfrm>
-          <a:off x="0" y="0"/>
-          <a:ext cx="0" cy="0"/>
-          <a:chOff x="0" y="0"/>
-          <a:chExt cx="0" cy="0"/>
-        </a:xfrm>
-      </p:grpSpPr>
-      <p:sp>
-        <p:nvSpPr>
-          <p:cNvPr id="179" name="Google Shape;179;p31"/>
-          <p:cNvSpPr txBox="1"/>
-          <p:nvPr/>
-        </p:nvSpPr>
-        <p:spPr>
-          <a:xfrm>
-            <a:off x="306525" y="700600"/>
-            <a:ext cx="11903100" cy="6488100"/>
-          </a:xfrm>
-          <a:prstGeom prst="rect">
-            <a:avLst/>
-          </a:prstGeom>
-          <a:noFill/>
-          <a:ln>
-            <a:noFill/>
-          </a:ln>
-        </p:spPr>
-        <p:txBody>
-          <a:bodyPr spcFirstLastPara="1" wrap="square" lIns="91425" tIns="91425" rIns="91425" bIns="91425" anchor="t" anchorCtr="0">
-            <a:noAutofit/>
-          </a:bodyPr>
-          <a:lstStyle/>
-          <a:p>
-            <a:pPr marL="0" lvl="0" indent="0" algn="ctr" rtl="0">
-              <a:spcBef>
-                <a:spcPts val="0"/>
-              </a:spcBef>
-              <a:spcAft>
-                <a:spcPts val="0"/>
-              </a:spcAft>
-              <a:buNone/>
-            </a:pPr>
-            <a:endParaRPr sz="2800"/>
-          </a:p>
-          <a:p>
-            <a:pPr marL="457200" lvl="0" indent="0" algn="l" rtl="0">
-              <a:spcBef>
-                <a:spcPts val="0"/>
-              </a:spcBef>
-              <a:spcAft>
-                <a:spcPts val="0"/>
-              </a:spcAft>
-              <a:buNone/>
-            </a:pPr>
-            <a:endParaRPr sz="2400"/>
-          </a:p>
-          <a:p>
-            <a:pPr marL="457200" lvl="0" indent="0" algn="l" rtl="0">
-              <a:spcBef>
-                <a:spcPts val="1000"/>
-              </a:spcBef>
-              <a:spcAft>
-                <a:spcPts val="0"/>
-              </a:spcAft>
-              <a:buNone/>
-            </a:pPr>
-            <a:r>
-              <a:rPr lang="en-US" sz="2000" b="1"/>
-              <a:t>Game Play</a:t>
-            </a:r>
-            <a:endParaRPr sz="2000" b="1"/>
-          </a:p>
-          <a:p>
-            <a:pPr marL="914400" lvl="0" indent="-317500" algn="l" rtl="0">
-              <a:lnSpc>
-                <a:spcPct val="150000"/>
-              </a:lnSpc>
-              <a:spcBef>
-                <a:spcPts val="1000"/>
-              </a:spcBef>
-              <a:spcAft>
-                <a:spcPts val="0"/>
-              </a:spcAft>
-              <a:buSzPts val="1400"/>
-              <a:buChar char="●"/>
-            </a:pPr>
-            <a:r>
-              <a:rPr lang="en-US"/>
-              <a:t>A piece passes through a portal unless the portal is blocked</a:t>
-            </a:r>
-            <a:endParaRPr/>
-          </a:p>
-          <a:p>
-            <a:pPr marL="914400" lvl="0" indent="-317500" algn="l" rtl="0">
-              <a:lnSpc>
-                <a:spcPct val="150000"/>
-              </a:lnSpc>
-              <a:spcBef>
-                <a:spcPts val="0"/>
-              </a:spcBef>
-              <a:spcAft>
-                <a:spcPts val="0"/>
-              </a:spcAft>
-              <a:buSzPts val="1400"/>
-              <a:buChar char="●"/>
-            </a:pPr>
-            <a:r>
-              <a:rPr lang="en-US"/>
-              <a:t>A piece can be blocked from entering a portal if a piece of the same color is on the other side.</a:t>
-            </a:r>
-            <a:endParaRPr/>
-          </a:p>
-          <a:p>
-            <a:pPr marL="914400" indent="-317500">
-              <a:lnSpc>
-                <a:spcPct val="150000"/>
-              </a:lnSpc>
-              <a:buSzPts val="1400"/>
-              <a:buChar char="●"/>
-            </a:pPr>
-            <a:r>
-              <a:rPr lang="en-US"/>
-              <a:t>A piece can take another piece by using the portal </a:t>
-            </a:r>
-          </a:p>
-          <a:p>
-            <a:pPr marL="914400" lvl="0" indent="-317500" algn="l" rtl="0">
-              <a:lnSpc>
-                <a:spcPct val="150000"/>
-              </a:lnSpc>
-              <a:spcBef>
-                <a:spcPts val="0"/>
-              </a:spcBef>
-              <a:spcAft>
-                <a:spcPts val="0"/>
-              </a:spcAft>
-              <a:buSzPts val="1400"/>
-              <a:buChar char="●"/>
-            </a:pPr>
-            <a:r>
-              <a:rPr lang="en-US"/>
-              <a:t>Both portals cannot be occupied at the same time</a:t>
-            </a:r>
-            <a:endParaRPr/>
-          </a:p>
-          <a:p>
-            <a:pPr marL="914400" lvl="0" indent="-317500" algn="l" rtl="0">
-              <a:lnSpc>
-                <a:spcPct val="150000"/>
-              </a:lnSpc>
-              <a:spcBef>
-                <a:spcPts val="0"/>
-              </a:spcBef>
-              <a:spcAft>
-                <a:spcPts val="0"/>
-              </a:spcAft>
-              <a:buSzPts val="1400"/>
-              <a:buChar char="●"/>
-            </a:pPr>
-            <a:r>
-              <a:rPr lang="en-US"/>
-              <a:t>A piece </a:t>
-            </a:r>
-            <a:r>
-              <a:rPr lang="en-US" b="1" u="sng"/>
-              <a:t>can</a:t>
-            </a:r>
-            <a:r>
-              <a:rPr lang="en-US"/>
-              <a:t> check/checkmate people using the portal</a:t>
-            </a:r>
-            <a:endParaRPr/>
-          </a:p>
-          <a:p>
-            <a:pPr marL="914400" lvl="0" indent="-317500" algn="l" rtl="0">
-              <a:lnSpc>
-                <a:spcPct val="150000"/>
-              </a:lnSpc>
-              <a:spcBef>
-                <a:spcPts val="0"/>
-              </a:spcBef>
-              <a:spcAft>
-                <a:spcPts val="0"/>
-              </a:spcAft>
-              <a:buSzPts val="1400"/>
-              <a:buChar char="●"/>
-            </a:pPr>
-            <a:r>
-              <a:rPr lang="en-US"/>
-              <a:t>A piece must exit the portal in the direction it traveled into the portal</a:t>
-            </a:r>
-            <a:endParaRPr/>
-          </a:p>
-          <a:p>
-            <a:pPr marL="914400" lvl="0" indent="-317500" algn="l" rtl="0">
-              <a:lnSpc>
-                <a:spcPct val="150000"/>
-              </a:lnSpc>
-              <a:spcBef>
-                <a:spcPts val="0"/>
-              </a:spcBef>
-              <a:spcAft>
-                <a:spcPts val="0"/>
-              </a:spcAft>
-              <a:buSzPts val="1400"/>
-              <a:buChar char="●"/>
-            </a:pPr>
-            <a:r>
-              <a:rPr lang="en-US"/>
-              <a:t>A portal can be moved onto a piece causing it to teleport. *Unless the other portal is occupied*</a:t>
-            </a:r>
-            <a:endParaRPr/>
-          </a:p>
-          <a:p>
-            <a:pPr marL="914400" lvl="0" indent="-317500" algn="l" rtl="0">
-              <a:lnSpc>
-                <a:spcPct val="150000"/>
-              </a:lnSpc>
-              <a:spcBef>
-                <a:spcPts val="0"/>
-              </a:spcBef>
-              <a:spcAft>
-                <a:spcPts val="0"/>
-              </a:spcAft>
-              <a:buSzPts val="1400"/>
-              <a:buChar char="●"/>
-            </a:pPr>
-            <a:r>
-              <a:rPr lang="en-US"/>
-              <a:t>A player has a choice to move a chess piece or the portal piece in one turn, not both.</a:t>
-            </a:r>
-            <a:endParaRPr/>
-          </a:p>
-          <a:p>
-            <a:pPr marL="914400" indent="-317500">
-              <a:lnSpc>
-                <a:spcPct val="150000"/>
-              </a:lnSpc>
-              <a:buSzPts val="1400"/>
-              <a:buChar char="●"/>
-            </a:pPr>
-            <a:r>
-              <a:rPr lang="en-US"/>
-              <a:t>If your own chess piece is occupying a portal, you cannot pass another one of your own pieces through the unoccupied portal </a:t>
-            </a:r>
-            <a:endParaRPr/>
-          </a:p>
-          <a:p>
-            <a:pPr marL="914400" indent="-317500">
-              <a:lnSpc>
-                <a:spcPct val="150000"/>
-              </a:lnSpc>
-              <a:buSzPts val="1400"/>
-              <a:buChar char="●"/>
-            </a:pPr>
-            <a:r>
-              <a:rPr lang="en-US"/>
-              <a:t>A piece can enter either portal regardless of color </a:t>
-            </a:r>
-            <a:endParaRPr/>
-          </a:p>
-          <a:p>
-            <a:pPr marL="914400" lvl="0" indent="-317500" algn="l" rtl="0">
-              <a:lnSpc>
-                <a:spcPct val="150000"/>
-              </a:lnSpc>
-              <a:spcBef>
-                <a:spcPts val="0"/>
-              </a:spcBef>
-              <a:spcAft>
-                <a:spcPts val="0"/>
-              </a:spcAft>
-              <a:buSzPts val="1400"/>
-              <a:buChar char="●"/>
-            </a:pPr>
-            <a:r>
-              <a:rPr lang="en-US"/>
-              <a:t>Portals can </a:t>
-            </a:r>
-            <a:r>
-              <a:rPr lang="en-US" b="1" u="sng"/>
-              <a:t>not</a:t>
-            </a:r>
-            <a:r>
-              <a:rPr lang="en-US"/>
-              <a:t> occupy the same square</a:t>
-            </a:r>
-            <a:endParaRPr/>
-          </a:p>
-          <a:p>
-            <a:pPr marL="914400" indent="-317500">
-              <a:lnSpc>
-                <a:spcPct val="150000"/>
-              </a:lnSpc>
-              <a:buSzPts val="1400"/>
-              <a:buChar char="●"/>
-            </a:pPr>
-            <a:r>
-              <a:rPr lang="en-US"/>
-              <a:t>A portal can be moved regardless of whether it is occupied or not, the occupying piece does not move with the portal </a:t>
-            </a:r>
-            <a:endParaRPr/>
-          </a:p>
-          <a:p>
-            <a:pPr marL="914400" indent="-317500">
-              <a:lnSpc>
-                <a:spcPct val="150000"/>
-              </a:lnSpc>
-              <a:buSzPts val="1400"/>
-              <a:buChar char="●"/>
-            </a:pPr>
-            <a:r>
-              <a:rPr lang="en-US"/>
-              <a:t>If a piece occupies one portal and a whole turn phase end without the piece moving from the teleporter it does not teleport. </a:t>
-            </a:r>
-            <a:endParaRPr/>
-          </a:p>
-          <a:p>
-            <a:pPr marL="914400" lvl="0" indent="-317500" algn="l" rtl="0">
-              <a:lnSpc>
-                <a:spcPct val="150000"/>
-              </a:lnSpc>
-              <a:spcBef>
-                <a:spcPts val="0"/>
-              </a:spcBef>
-              <a:spcAft>
-                <a:spcPts val="0"/>
-              </a:spcAft>
-              <a:buSzPts val="1400"/>
-              <a:buChar char="●"/>
-            </a:pPr>
-            <a:r>
-              <a:rPr lang="en-US"/>
-              <a:t>A Knight can jump over a portal piece</a:t>
-            </a:r>
-            <a:endParaRPr/>
-          </a:p>
-          <a:p>
-            <a:pPr marL="914400" lvl="0" indent="-317500" algn="l" rtl="0">
-              <a:lnSpc>
-                <a:spcPct val="150000"/>
-              </a:lnSpc>
-              <a:spcBef>
-                <a:spcPts val="0"/>
-              </a:spcBef>
-              <a:spcAft>
-                <a:spcPts val="0"/>
-              </a:spcAft>
-              <a:buSzPts val="1400"/>
-              <a:buChar char="●"/>
-            </a:pPr>
-            <a:r>
-              <a:rPr lang="en-US"/>
-              <a:t>A pawn can become a queen by using a portal</a:t>
-            </a:r>
-            <a:endParaRPr/>
-          </a:p>
-          <a:p>
-            <a:pPr marL="0" lvl="0" indent="0" algn="l" rtl="0">
-              <a:lnSpc>
-                <a:spcPct val="150000"/>
-              </a:lnSpc>
-              <a:spcBef>
-                <a:spcPts val="0"/>
-              </a:spcBef>
-              <a:spcAft>
-                <a:spcPts val="0"/>
-              </a:spcAft>
-              <a:buNone/>
-            </a:pPr>
-            <a:endParaRPr/>
-          </a:p>
-        </p:txBody>
-      </p:sp>
-      <p:sp>
-        <p:nvSpPr>
-          <p:cNvPr id="2" name="Title 1">
-            <a:extLst>
-              <a:ext uri="{FF2B5EF4-FFF2-40B4-BE49-F238E27FC236}">
-                <a16:creationId xmlns:a16="http://schemas.microsoft.com/office/drawing/2014/main" id="{9496462F-3EBC-4824-BA5E-2D863E3A2EEE}"/>
-              </a:ext>
-            </a:extLst>
-          </p:cNvPr>
-          <p:cNvSpPr>
-            <a:spLocks noGrp="1"/>
-          </p:cNvSpPr>
-          <p:nvPr>
-            <p:ph type="title"/>
-          </p:nvPr>
-        </p:nvSpPr>
-        <p:spPr>
-          <a:xfrm>
-            <a:off x="628075" y="666049"/>
-            <a:ext cx="12561453" cy="1015663"/>
-          </a:xfrm>
-        </p:spPr>
-        <p:txBody>
-          <a:bodyPr/>
-          <a:lstStyle/>
-          <a:p>
-            <a:r>
-              <a:rPr lang="en-US"/>
-              <a:t>Rules - continued</a:t>
-            </a:r>
-          </a:p>
-        </p:txBody>
-      </p:sp>
-    </p:spTree>
-  </p:cSld>
-  <p:clrMapOvr>
-    <a:masterClrMapping/>
-  </p:clrMapOvr>
-</p:sld>
-</file>
-
 <file path=ppt/slides/slide2.xml><?xml version="1.0" encoding="utf-8"?>
 <p:sld xmlns:a="http://schemas.openxmlformats.org/drawingml/2006/main" xmlns:r="http://schemas.openxmlformats.org/officeDocument/2006/relationships" xmlns:p="http://schemas.openxmlformats.org/presentationml/2006/main" show="0">
   <p:cSld>
@@ -17332,6 +18179,430 @@
               </a:spcAft>
             </a:pPr>
             <a:endParaRPr dirty="0"/>
+          </a:p>
+        </p:txBody>
+      </p:sp>
+    </p:spTree>
+  </p:cSld>
+  <p:clrMapOvr>
+    <a:masterClrMapping/>
+  </p:clrMapOvr>
+</p:sld>
+</file>
+
+<file path=ppt/slides/slide20.xml><?xml version="1.0" encoding="utf-8"?>
+<p:sld xmlns:a="http://schemas.openxmlformats.org/drawingml/2006/main" xmlns:r="http://schemas.openxmlformats.org/officeDocument/2006/relationships" xmlns:p="http://schemas.openxmlformats.org/presentationml/2006/main" show="0">
+  <p:cSld>
+    <p:spTree>
+      <p:nvGrpSpPr>
+        <p:cNvPr id="1" name="Shape 178"/>
+        <p:cNvGrpSpPr/>
+        <p:nvPr/>
+      </p:nvGrpSpPr>
+      <p:grpSpPr>
+        <a:xfrm>
+          <a:off x="0" y="0"/>
+          <a:ext cx="0" cy="0"/>
+          <a:chOff x="0" y="0"/>
+          <a:chExt cx="0" cy="0"/>
+        </a:xfrm>
+      </p:grpSpPr>
+      <p:sp>
+        <p:nvSpPr>
+          <p:cNvPr id="179" name="Google Shape;179;p31"/>
+          <p:cNvSpPr txBox="1"/>
+          <p:nvPr/>
+        </p:nvSpPr>
+        <p:spPr>
+          <a:xfrm>
+            <a:off x="306525" y="700600"/>
+            <a:ext cx="11903100" cy="6488100"/>
+          </a:xfrm>
+          <a:prstGeom prst="rect">
+            <a:avLst/>
+          </a:prstGeom>
+          <a:noFill/>
+          <a:ln>
+            <a:noFill/>
+          </a:ln>
+        </p:spPr>
+        <p:txBody>
+          <a:bodyPr spcFirstLastPara="1" wrap="square" lIns="91425" tIns="91425" rIns="91425" bIns="91425" anchor="t" anchorCtr="0">
+            <a:noAutofit/>
+          </a:bodyPr>
+          <a:lstStyle/>
+          <a:p>
+            <a:pPr marL="0" lvl="0" indent="0" algn="ctr" rtl="0">
+              <a:spcBef>
+                <a:spcPts val="0"/>
+              </a:spcBef>
+              <a:spcAft>
+                <a:spcPts val="0"/>
+              </a:spcAft>
+              <a:buNone/>
+            </a:pPr>
+            <a:endParaRPr sz="2800"/>
+          </a:p>
+          <a:p>
+            <a:pPr marL="457200" lvl="0" indent="0" algn="l" rtl="0">
+              <a:spcBef>
+                <a:spcPts val="0"/>
+              </a:spcBef>
+              <a:spcAft>
+                <a:spcPts val="0"/>
+              </a:spcAft>
+              <a:buNone/>
+            </a:pPr>
+            <a:endParaRPr sz="2400"/>
+          </a:p>
+          <a:p>
+            <a:pPr marL="457200" lvl="0" indent="0" algn="l" rtl="0">
+              <a:spcBef>
+                <a:spcPts val="1000"/>
+              </a:spcBef>
+              <a:spcAft>
+                <a:spcPts val="0"/>
+              </a:spcAft>
+              <a:buNone/>
+            </a:pPr>
+            <a:r>
+              <a:rPr lang="en-US" sz="2000" b="1"/>
+              <a:t>Game Play</a:t>
+            </a:r>
+            <a:endParaRPr sz="2000" b="1"/>
+          </a:p>
+          <a:p>
+            <a:pPr marL="914400" lvl="0" indent="-317500" algn="l" rtl="0">
+              <a:lnSpc>
+                <a:spcPct val="150000"/>
+              </a:lnSpc>
+              <a:spcBef>
+                <a:spcPts val="1000"/>
+              </a:spcBef>
+              <a:spcAft>
+                <a:spcPts val="0"/>
+              </a:spcAft>
+              <a:buSzPts val="1400"/>
+              <a:buChar char="●"/>
+            </a:pPr>
+            <a:r>
+              <a:rPr lang="en-US"/>
+              <a:t>A piece passes through a portal unless the portal is blocked</a:t>
+            </a:r>
+            <a:endParaRPr/>
+          </a:p>
+          <a:p>
+            <a:pPr marL="914400" lvl="0" indent="-317500" algn="l" rtl="0">
+              <a:lnSpc>
+                <a:spcPct val="150000"/>
+              </a:lnSpc>
+              <a:spcBef>
+                <a:spcPts val="0"/>
+              </a:spcBef>
+              <a:spcAft>
+                <a:spcPts val="0"/>
+              </a:spcAft>
+              <a:buSzPts val="1400"/>
+              <a:buChar char="●"/>
+            </a:pPr>
+            <a:r>
+              <a:rPr lang="en-US"/>
+              <a:t>A piece can be blocked from entering a portal if a piece of the same color is on the other side.</a:t>
+            </a:r>
+            <a:endParaRPr/>
+          </a:p>
+          <a:p>
+            <a:pPr marL="914400" indent="-317500">
+              <a:lnSpc>
+                <a:spcPct val="150000"/>
+              </a:lnSpc>
+              <a:buSzPts val="1400"/>
+              <a:buChar char="●"/>
+            </a:pPr>
+            <a:r>
+              <a:rPr lang="en-US"/>
+              <a:t>A piece can take another piece by using the portal </a:t>
+            </a:r>
+          </a:p>
+          <a:p>
+            <a:pPr marL="914400" lvl="0" indent="-317500" algn="l" rtl="0">
+              <a:lnSpc>
+                <a:spcPct val="150000"/>
+              </a:lnSpc>
+              <a:spcBef>
+                <a:spcPts val="0"/>
+              </a:spcBef>
+              <a:spcAft>
+                <a:spcPts val="0"/>
+              </a:spcAft>
+              <a:buSzPts val="1400"/>
+              <a:buChar char="●"/>
+            </a:pPr>
+            <a:r>
+              <a:rPr lang="en-US"/>
+              <a:t>Both portals cannot be occupied at the same time</a:t>
+            </a:r>
+            <a:endParaRPr/>
+          </a:p>
+          <a:p>
+            <a:pPr marL="914400" lvl="0" indent="-317500" algn="l" rtl="0">
+              <a:lnSpc>
+                <a:spcPct val="150000"/>
+              </a:lnSpc>
+              <a:spcBef>
+                <a:spcPts val="0"/>
+              </a:spcBef>
+              <a:spcAft>
+                <a:spcPts val="0"/>
+              </a:spcAft>
+              <a:buSzPts val="1400"/>
+              <a:buChar char="●"/>
+            </a:pPr>
+            <a:r>
+              <a:rPr lang="en-US"/>
+              <a:t>A piece </a:t>
+            </a:r>
+            <a:r>
+              <a:rPr lang="en-US" b="1" u="sng"/>
+              <a:t>can</a:t>
+            </a:r>
+            <a:r>
+              <a:rPr lang="en-US"/>
+              <a:t> check/checkmate people using the portal</a:t>
+            </a:r>
+            <a:endParaRPr/>
+          </a:p>
+          <a:p>
+            <a:pPr marL="914400" lvl="0" indent="-317500" algn="l" rtl="0">
+              <a:lnSpc>
+                <a:spcPct val="150000"/>
+              </a:lnSpc>
+              <a:spcBef>
+                <a:spcPts val="0"/>
+              </a:spcBef>
+              <a:spcAft>
+                <a:spcPts val="0"/>
+              </a:spcAft>
+              <a:buSzPts val="1400"/>
+              <a:buChar char="●"/>
+            </a:pPr>
+            <a:r>
+              <a:rPr lang="en-US"/>
+              <a:t>A piece must exit the portal in the direction it traveled into the portal</a:t>
+            </a:r>
+            <a:endParaRPr/>
+          </a:p>
+          <a:p>
+            <a:pPr marL="914400" lvl="0" indent="-317500" algn="l" rtl="0">
+              <a:lnSpc>
+                <a:spcPct val="150000"/>
+              </a:lnSpc>
+              <a:spcBef>
+                <a:spcPts val="0"/>
+              </a:spcBef>
+              <a:spcAft>
+                <a:spcPts val="0"/>
+              </a:spcAft>
+              <a:buSzPts val="1400"/>
+              <a:buChar char="●"/>
+            </a:pPr>
+            <a:r>
+              <a:rPr lang="en-US"/>
+              <a:t>A portal can be moved onto a piece causing it to teleport. *Unless the other portal is occupied*</a:t>
+            </a:r>
+            <a:endParaRPr/>
+          </a:p>
+          <a:p>
+            <a:pPr marL="914400" lvl="0" indent="-317500" algn="l" rtl="0">
+              <a:lnSpc>
+                <a:spcPct val="150000"/>
+              </a:lnSpc>
+              <a:spcBef>
+                <a:spcPts val="0"/>
+              </a:spcBef>
+              <a:spcAft>
+                <a:spcPts val="0"/>
+              </a:spcAft>
+              <a:buSzPts val="1400"/>
+              <a:buChar char="●"/>
+            </a:pPr>
+            <a:r>
+              <a:rPr lang="en-US"/>
+              <a:t>A player has a choice to move a chess piece or the portal piece in one turn, not both.</a:t>
+            </a:r>
+            <a:endParaRPr/>
+          </a:p>
+          <a:p>
+            <a:pPr marL="914400" indent="-317500">
+              <a:lnSpc>
+                <a:spcPct val="150000"/>
+              </a:lnSpc>
+              <a:buSzPts val="1400"/>
+              <a:buChar char="●"/>
+            </a:pPr>
+            <a:r>
+              <a:rPr lang="en-US"/>
+              <a:t>If your own chess piece is occupying a portal, you cannot pass another one of your own pieces through the unoccupied portal </a:t>
+            </a:r>
+            <a:endParaRPr/>
+          </a:p>
+          <a:p>
+            <a:pPr marL="914400" indent="-317500">
+              <a:lnSpc>
+                <a:spcPct val="150000"/>
+              </a:lnSpc>
+              <a:buSzPts val="1400"/>
+              <a:buChar char="●"/>
+            </a:pPr>
+            <a:r>
+              <a:rPr lang="en-US"/>
+              <a:t>A piece can enter either portal regardless of color </a:t>
+            </a:r>
+            <a:endParaRPr/>
+          </a:p>
+          <a:p>
+            <a:pPr marL="914400" lvl="0" indent="-317500" algn="l" rtl="0">
+              <a:lnSpc>
+                <a:spcPct val="150000"/>
+              </a:lnSpc>
+              <a:spcBef>
+                <a:spcPts val="0"/>
+              </a:spcBef>
+              <a:spcAft>
+                <a:spcPts val="0"/>
+              </a:spcAft>
+              <a:buSzPts val="1400"/>
+              <a:buChar char="●"/>
+            </a:pPr>
+            <a:r>
+              <a:rPr lang="en-US"/>
+              <a:t>Portals can </a:t>
+            </a:r>
+            <a:r>
+              <a:rPr lang="en-US" b="1" u="sng"/>
+              <a:t>not</a:t>
+            </a:r>
+            <a:r>
+              <a:rPr lang="en-US"/>
+              <a:t> occupy the same square</a:t>
+            </a:r>
+            <a:endParaRPr/>
+          </a:p>
+          <a:p>
+            <a:pPr marL="914400" indent="-317500">
+              <a:lnSpc>
+                <a:spcPct val="150000"/>
+              </a:lnSpc>
+              <a:buSzPts val="1400"/>
+              <a:buChar char="●"/>
+            </a:pPr>
+            <a:r>
+              <a:rPr lang="en-US"/>
+              <a:t>A portal can be moved regardless of whether it is occupied or not, the occupying piece does not move with the portal </a:t>
+            </a:r>
+            <a:endParaRPr/>
+          </a:p>
+          <a:p>
+            <a:pPr marL="914400" indent="-317500">
+              <a:lnSpc>
+                <a:spcPct val="150000"/>
+              </a:lnSpc>
+              <a:buSzPts val="1400"/>
+              <a:buChar char="●"/>
+            </a:pPr>
+            <a:r>
+              <a:rPr lang="en-US"/>
+              <a:t>If a piece occupies one portal and a whole turn phase end without the piece moving from the teleporter it does not teleport. </a:t>
+            </a:r>
+            <a:endParaRPr/>
+          </a:p>
+          <a:p>
+            <a:pPr marL="914400" lvl="0" indent="-317500" algn="l" rtl="0">
+              <a:lnSpc>
+                <a:spcPct val="150000"/>
+              </a:lnSpc>
+              <a:spcBef>
+                <a:spcPts val="0"/>
+              </a:spcBef>
+              <a:spcAft>
+                <a:spcPts val="0"/>
+              </a:spcAft>
+              <a:buSzPts val="1400"/>
+              <a:buChar char="●"/>
+            </a:pPr>
+            <a:r>
+              <a:rPr lang="en-US"/>
+              <a:t>A Knight can jump over a portal piece</a:t>
+            </a:r>
+            <a:endParaRPr/>
+          </a:p>
+          <a:p>
+            <a:pPr marL="914400" lvl="0" indent="-317500" algn="l" rtl="0">
+              <a:lnSpc>
+                <a:spcPct val="150000"/>
+              </a:lnSpc>
+              <a:spcBef>
+                <a:spcPts val="0"/>
+              </a:spcBef>
+              <a:spcAft>
+                <a:spcPts val="0"/>
+              </a:spcAft>
+              <a:buSzPts val="1400"/>
+              <a:buChar char="●"/>
+            </a:pPr>
+            <a:r>
+              <a:rPr lang="en-US"/>
+              <a:t>A pawn can become a queen by using a portal</a:t>
+            </a:r>
+            <a:endParaRPr/>
+          </a:p>
+          <a:p>
+            <a:pPr marL="0" lvl="0" indent="0" algn="l" rtl="0">
+              <a:lnSpc>
+                <a:spcPct val="150000"/>
+              </a:lnSpc>
+              <a:spcBef>
+                <a:spcPts val="0"/>
+              </a:spcBef>
+              <a:spcAft>
+                <a:spcPts val="0"/>
+              </a:spcAft>
+              <a:buNone/>
+            </a:pPr>
+            <a:endParaRPr/>
+          </a:p>
+        </p:txBody>
+      </p:sp>
+      <p:sp>
+        <p:nvSpPr>
+          <p:cNvPr id="2" name="Title 1">
+            <a:extLst>
+              <a:ext uri="{FF2B5EF4-FFF2-40B4-BE49-F238E27FC236}">
+                <a16:creationId xmlns:a16="http://schemas.microsoft.com/office/drawing/2014/main" id="{9496462F-3EBC-4824-BA5E-2D863E3A2EEE}"/>
+              </a:ext>
+            </a:extLst>
+          </p:cNvPr>
+          <p:cNvSpPr>
+            <a:spLocks noGrp="1"/>
+          </p:cNvSpPr>
+          <p:nvPr>
+            <p:ph type="title"/>
+          </p:nvPr>
+        </p:nvSpPr>
+        <p:spPr>
+          <a:xfrm>
+            <a:off x="628075" y="666049"/>
+            <a:ext cx="12561453" cy="1015663"/>
+          </a:xfrm>
+        </p:spPr>
+        <p:txBody>
+          <a:bodyPr/>
+          <a:lstStyle/>
+          <a:p>
+            <a:r>
+              <a:rPr lang="en-US"/>
+              <a:t>Rules - continued</a:t>
+            </a:r>
           </a:p>
         </p:txBody>
       </p:sp>
@@ -17701,6 +18972,1715 @@
   <p:cSld>
     <p:spTree>
       <p:nvGrpSpPr>
+        <p:cNvPr id="1" name="Shape 159"/>
+        <p:cNvGrpSpPr/>
+        <p:nvPr/>
+      </p:nvGrpSpPr>
+      <p:grpSpPr>
+        <a:xfrm>
+          <a:off x="0" y="0"/>
+          <a:ext cx="0" cy="0"/>
+          <a:chOff x="0" y="0"/>
+          <a:chExt cx="0" cy="0"/>
+        </a:xfrm>
+      </p:grpSpPr>
+      <p:sp>
+        <p:nvSpPr>
+          <p:cNvPr id="160" name="Google Shape;160;p29"/>
+          <p:cNvSpPr txBox="1"/>
+          <p:nvPr/>
+        </p:nvSpPr>
+        <p:spPr>
+          <a:xfrm>
+            <a:off x="321125" y="430575"/>
+            <a:ext cx="13143600" cy="6699600"/>
+          </a:xfrm>
+          <a:prstGeom prst="rect">
+            <a:avLst/>
+          </a:prstGeom>
+          <a:noFill/>
+          <a:ln>
+            <a:noFill/>
+          </a:ln>
+        </p:spPr>
+        <p:txBody>
+          <a:bodyPr spcFirstLastPara="1" wrap="square" lIns="91425" tIns="91425" rIns="91425" bIns="91425" anchor="t" anchorCtr="0">
+            <a:noAutofit/>
+          </a:bodyPr>
+          <a:lstStyle/>
+          <a:p>
+            <a:pPr marL="0" lvl="0" indent="0" algn="ctr" rtl="0">
+              <a:spcBef>
+                <a:spcPts val="0"/>
+              </a:spcBef>
+              <a:spcAft>
+                <a:spcPts val="0"/>
+              </a:spcAft>
+              <a:buNone/>
+            </a:pPr>
+            <a:endParaRPr lang="en-US" sz="2400" dirty="0"/>
+          </a:p>
+          <a:p>
+            <a:pPr marL="0" lvl="0" indent="0" algn="ctr" rtl="0">
+              <a:spcBef>
+                <a:spcPts val="0"/>
+              </a:spcBef>
+              <a:spcAft>
+                <a:spcPts val="0"/>
+              </a:spcAft>
+              <a:buNone/>
+            </a:pPr>
+            <a:endParaRPr sz="2400"/>
+          </a:p>
+          <a:p>
+            <a:pPr marL="0" lvl="0" indent="0" algn="l" rtl="0">
+              <a:spcBef>
+                <a:spcPts val="0"/>
+              </a:spcBef>
+              <a:spcAft>
+                <a:spcPts val="0"/>
+              </a:spcAft>
+              <a:buNone/>
+            </a:pPr>
+            <a:endParaRPr/>
+          </a:p>
+          <a:p>
+            <a:endParaRPr lang="en-US" dirty="0"/>
+          </a:p>
+          <a:p>
+            <a:endParaRPr lang="en-US" sz="2000" dirty="0"/>
+          </a:p>
+          <a:p>
+            <a:r>
+              <a:rPr lang="en-US" sz="2000" dirty="0"/>
+              <a:t>Portal chess is a derivative of the classical chess game.  The main difference is the introduction of two new ‘fairy pieces’ called portals which allow the pieces to move in new and exciting ways.  </a:t>
+            </a:r>
+            <a:endParaRPr sz="2000"/>
+          </a:p>
+          <a:p>
+            <a:pPr marL="0" lvl="0" indent="0" algn="l" rtl="0">
+              <a:spcBef>
+                <a:spcPts val="0"/>
+              </a:spcBef>
+              <a:spcAft>
+                <a:spcPts val="0"/>
+              </a:spcAft>
+              <a:buNone/>
+            </a:pPr>
+            <a:endParaRPr/>
+          </a:p>
+          <a:p>
+            <a:pPr marL="0" lvl="0" indent="0" algn="l" rtl="0">
+              <a:spcBef>
+                <a:spcPts val="0"/>
+              </a:spcBef>
+              <a:spcAft>
+                <a:spcPts val="0"/>
+              </a:spcAft>
+              <a:buNone/>
+            </a:pPr>
+            <a:endParaRPr/>
+          </a:p>
+          <a:p>
+            <a:pPr marL="0" lvl="0" indent="0" algn="l" rtl="0">
+              <a:spcBef>
+                <a:spcPts val="0"/>
+              </a:spcBef>
+              <a:spcAft>
+                <a:spcPts val="0"/>
+              </a:spcAft>
+              <a:buNone/>
+            </a:pPr>
+            <a:br>
+              <a:rPr lang="en-US" dirty="0"/>
+            </a:br>
+            <a:br>
+              <a:rPr lang="en-US" dirty="0"/>
+            </a:br>
+            <a:br>
+              <a:rPr lang="en-US" dirty="0"/>
+            </a:br>
+            <a:endParaRPr/>
+          </a:p>
+        </p:txBody>
+      </p:sp>
+      <p:pic>
+        <p:nvPicPr>
+          <p:cNvPr id="161" name="Google Shape;161;p29"/>
+          <p:cNvPicPr preferRelativeResize="0"/>
+          <p:nvPr/>
+        </p:nvPicPr>
+        <p:blipFill>
+          <a:blip r:embed="rId3">
+            <a:alphaModFix/>
+          </a:blip>
+          <a:stretch>
+            <a:fillRect/>
+          </a:stretch>
+        </p:blipFill>
+        <p:spPr>
+          <a:xfrm>
+            <a:off x="2185025" y="3211124"/>
+            <a:ext cx="2693725" cy="2737051"/>
+          </a:xfrm>
+          <a:prstGeom prst="rect">
+            <a:avLst/>
+          </a:prstGeom>
+          <a:noFill/>
+          <a:ln>
+            <a:noFill/>
+          </a:ln>
+        </p:spPr>
+      </p:pic>
+      <p:pic>
+        <p:nvPicPr>
+          <p:cNvPr id="162" name="Google Shape;162;p29"/>
+          <p:cNvPicPr preferRelativeResize="0"/>
+          <p:nvPr/>
+        </p:nvPicPr>
+        <p:blipFill>
+          <a:blip r:embed="rId4">
+            <a:alphaModFix/>
+          </a:blip>
+          <a:stretch>
+            <a:fillRect/>
+          </a:stretch>
+        </p:blipFill>
+        <p:spPr>
+          <a:xfrm>
+            <a:off x="6769950" y="3403850"/>
+            <a:ext cx="957410" cy="957400"/>
+          </a:xfrm>
+          <a:prstGeom prst="rect">
+            <a:avLst/>
+          </a:prstGeom>
+          <a:noFill/>
+          <a:ln>
+            <a:noFill/>
+          </a:ln>
+        </p:spPr>
+      </p:pic>
+      <p:pic>
+        <p:nvPicPr>
+          <p:cNvPr id="163" name="Google Shape;163;p29"/>
+          <p:cNvPicPr preferRelativeResize="0"/>
+          <p:nvPr/>
+        </p:nvPicPr>
+        <p:blipFill>
+          <a:blip r:embed="rId5">
+            <a:alphaModFix/>
+          </a:blip>
+          <a:stretch>
+            <a:fillRect/>
+          </a:stretch>
+        </p:blipFill>
+        <p:spPr>
+          <a:xfrm>
+            <a:off x="6769940" y="4535725"/>
+            <a:ext cx="957410" cy="957400"/>
+          </a:xfrm>
+          <a:prstGeom prst="rect">
+            <a:avLst/>
+          </a:prstGeom>
+          <a:noFill/>
+          <a:ln>
+            <a:noFill/>
+          </a:ln>
+        </p:spPr>
+      </p:pic>
+      <p:pic>
+        <p:nvPicPr>
+          <p:cNvPr id="164" name="Google Shape;164;p29"/>
+          <p:cNvPicPr preferRelativeResize="0"/>
+          <p:nvPr/>
+        </p:nvPicPr>
+        <p:blipFill>
+          <a:blip r:embed="rId6">
+            <a:alphaModFix/>
+          </a:blip>
+          <a:stretch>
+            <a:fillRect/>
+          </a:stretch>
+        </p:blipFill>
+        <p:spPr>
+          <a:xfrm>
+            <a:off x="5560088" y="3996113"/>
+            <a:ext cx="676275" cy="809625"/>
+          </a:xfrm>
+          <a:prstGeom prst="rect">
+            <a:avLst/>
+          </a:prstGeom>
+          <a:noFill/>
+          <a:ln>
+            <a:noFill/>
+          </a:ln>
+        </p:spPr>
+      </p:pic>
+      <p:pic>
+        <p:nvPicPr>
+          <p:cNvPr id="165" name="Google Shape;165;p29"/>
+          <p:cNvPicPr preferRelativeResize="0"/>
+          <p:nvPr/>
+        </p:nvPicPr>
+        <p:blipFill>
+          <a:blip r:embed="rId7">
+            <a:alphaModFix/>
+          </a:blip>
+          <a:stretch>
+            <a:fillRect/>
+          </a:stretch>
+        </p:blipFill>
+        <p:spPr>
+          <a:xfrm>
+            <a:off x="8022475" y="4232225"/>
+            <a:ext cx="981600" cy="337425"/>
+          </a:xfrm>
+          <a:prstGeom prst="rect">
+            <a:avLst/>
+          </a:prstGeom>
+          <a:noFill/>
+          <a:ln>
+            <a:noFill/>
+          </a:ln>
+        </p:spPr>
+      </p:pic>
+      <p:pic>
+        <p:nvPicPr>
+          <p:cNvPr id="166" name="Google Shape;166;p29"/>
+          <p:cNvPicPr preferRelativeResize="0"/>
+          <p:nvPr/>
+        </p:nvPicPr>
+        <p:blipFill>
+          <a:blip r:embed="rId8">
+            <a:alphaModFix/>
+          </a:blip>
+          <a:stretch>
+            <a:fillRect/>
+          </a:stretch>
+        </p:blipFill>
+        <p:spPr>
+          <a:xfrm>
+            <a:off x="9728274" y="3096125"/>
+            <a:ext cx="2609625" cy="2609625"/>
+          </a:xfrm>
+          <a:prstGeom prst="rect">
+            <a:avLst/>
+          </a:prstGeom>
+          <a:noFill/>
+          <a:ln>
+            <a:noFill/>
+          </a:ln>
+        </p:spPr>
+      </p:pic>
+      <p:sp>
+        <p:nvSpPr>
+          <p:cNvPr id="167" name="Google Shape;167;p29"/>
+          <p:cNvSpPr txBox="1"/>
+          <p:nvPr/>
+        </p:nvSpPr>
+        <p:spPr>
+          <a:xfrm>
+            <a:off x="0" y="7041275"/>
+            <a:ext cx="5181600" cy="337500"/>
+          </a:xfrm>
+          <a:prstGeom prst="rect">
+            <a:avLst/>
+          </a:prstGeom>
+          <a:noFill/>
+          <a:ln>
+            <a:noFill/>
+          </a:ln>
+        </p:spPr>
+        <p:txBody>
+          <a:bodyPr spcFirstLastPara="1" wrap="square" lIns="91425" tIns="91425" rIns="91425" bIns="91425" anchor="t" anchorCtr="0">
+            <a:noAutofit/>
+          </a:bodyPr>
+          <a:lstStyle/>
+          <a:p>
+            <a:pPr marL="0" lvl="0" indent="0" algn="l" rtl="0">
+              <a:spcBef>
+                <a:spcPts val="0"/>
+              </a:spcBef>
+              <a:spcAft>
+                <a:spcPts val="0"/>
+              </a:spcAft>
+              <a:buNone/>
+            </a:pPr>
+            <a:r>
+              <a:rPr lang="en-US"/>
+              <a:t>Image from: https://images.app.goo.gl/dHWwR21iMgRP1wJz5</a:t>
+            </a:r>
+            <a:endParaRPr/>
+          </a:p>
+        </p:txBody>
+      </p:sp>
+      <p:sp>
+        <p:nvSpPr>
+          <p:cNvPr id="2" name="Title 1">
+            <a:extLst>
+              <a:ext uri="{FF2B5EF4-FFF2-40B4-BE49-F238E27FC236}">
+                <a16:creationId xmlns:a16="http://schemas.microsoft.com/office/drawing/2014/main" id="{71E53ED3-72FB-4BC0-B361-BF3AE2B30D79}"/>
+              </a:ext>
+            </a:extLst>
+          </p:cNvPr>
+          <p:cNvSpPr>
+            <a:spLocks noGrp="1"/>
+          </p:cNvSpPr>
+          <p:nvPr>
+            <p:ph type="title"/>
+          </p:nvPr>
+        </p:nvSpPr>
+        <p:spPr>
+          <a:xfrm>
+            <a:off x="628075" y="513703"/>
+            <a:ext cx="12561453" cy="1015663"/>
+          </a:xfrm>
+        </p:spPr>
+        <p:txBody>
+          <a:bodyPr/>
+          <a:lstStyle/>
+          <a:p>
+            <a:r>
+              <a:rPr lang="en-US" dirty="0"/>
+              <a:t>Description of Portal Chess</a:t>
+            </a:r>
+          </a:p>
+        </p:txBody>
+      </p:sp>
+    </p:spTree>
+  </p:cSld>
+  <p:clrMapOvr>
+    <a:masterClrMapping/>
+  </p:clrMapOvr>
+</p:sld>
+</file>
+
+<file path=ppt/slides/slide5.xml><?xml version="1.0" encoding="utf-8"?>
+<p:sld xmlns:a="http://schemas.openxmlformats.org/drawingml/2006/main" xmlns:r="http://schemas.openxmlformats.org/officeDocument/2006/relationships" xmlns:p="http://schemas.openxmlformats.org/presentationml/2006/main">
+  <p:cSld>
+    <p:spTree>
+      <p:nvGrpSpPr>
+        <p:cNvPr id="1" name="Shape 172"/>
+        <p:cNvGrpSpPr/>
+        <p:nvPr/>
+      </p:nvGrpSpPr>
+      <p:grpSpPr>
+        <a:xfrm>
+          <a:off x="0" y="0"/>
+          <a:ext cx="0" cy="0"/>
+          <a:chOff x="0" y="0"/>
+          <a:chExt cx="0" cy="0"/>
+        </a:xfrm>
+      </p:grpSpPr>
+      <p:sp>
+        <p:nvSpPr>
+          <p:cNvPr id="173" name="Google Shape;173;p30"/>
+          <p:cNvSpPr txBox="1"/>
+          <p:nvPr/>
+        </p:nvSpPr>
+        <p:spPr>
+          <a:xfrm>
+            <a:off x="306525" y="335700"/>
+            <a:ext cx="11903100" cy="6852900"/>
+          </a:xfrm>
+          <a:prstGeom prst="rect">
+            <a:avLst/>
+          </a:prstGeom>
+          <a:noFill/>
+          <a:ln>
+            <a:noFill/>
+          </a:ln>
+        </p:spPr>
+        <p:txBody>
+          <a:bodyPr spcFirstLastPara="1" wrap="square" lIns="91425" tIns="91425" rIns="91425" bIns="91425" anchor="t" anchorCtr="0">
+            <a:noAutofit/>
+          </a:bodyPr>
+          <a:lstStyle/>
+          <a:p>
+            <a:pPr marL="0" lvl="0" indent="0" algn="ctr" rtl="0">
+              <a:spcBef>
+                <a:spcPts val="0"/>
+              </a:spcBef>
+              <a:spcAft>
+                <a:spcPts val="0"/>
+              </a:spcAft>
+              <a:buNone/>
+            </a:pPr>
+            <a:endParaRPr lang="en-US" sz="2400" dirty="0"/>
+          </a:p>
+          <a:p>
+            <a:pPr marL="0" lvl="0" indent="0" algn="ctr">
+              <a:spcBef>
+                <a:spcPts val="0"/>
+              </a:spcBef>
+              <a:spcAft>
+                <a:spcPts val="0"/>
+              </a:spcAft>
+              <a:buNone/>
+            </a:pPr>
+            <a:endParaRPr lang="en-US" sz="2400" dirty="0"/>
+          </a:p>
+          <a:p>
+            <a:pPr algn="ctr"/>
+            <a:endParaRPr lang="en-US" sz="2400" dirty="0"/>
+          </a:p>
+          <a:p>
+            <a:endParaRPr lang="en-US" dirty="0"/>
+          </a:p>
+          <a:p>
+            <a:r>
+              <a:rPr lang="en-US" sz="2000" dirty="0"/>
+              <a:t>There are several types of Portal chess, but we are planning on implementing the version described by </a:t>
+            </a:r>
+            <a:r>
+              <a:rPr lang="en-US" sz="2000" b="1" dirty="0"/>
+              <a:t>wika57</a:t>
+            </a:r>
+            <a:r>
+              <a:rPr lang="en-US" sz="2000" dirty="0"/>
+              <a:t> on his YouTube video. </a:t>
+            </a:r>
+            <a:r>
+              <a:rPr lang="en-US" sz="2000" u="sng" dirty="0">
+                <a:solidFill>
+                  <a:schemeClr val="hlink"/>
+                </a:solidFill>
+                <a:hlinkClick r:id="rId3">
+                  <a:extLst>
+                    <a:ext uri="{A12FA001-AC4F-418D-AE19-62706E023703}">
+                      <ahyp:hlinkClr xmlns:ahyp="http://schemas.microsoft.com/office/drawing/2018/hyperlinkcolor" val="tx"/>
+                    </a:ext>
+                  </a:extLst>
+                </a:hlinkClick>
+              </a:rPr>
+              <a:t>https://www.youtube.com/watch?v=Zq4pJw_nk_0</a:t>
+            </a:r>
+            <a:endParaRPr sz="2000" dirty="0">
+              <a:solidFill>
+                <a:schemeClr val="hlink"/>
+              </a:solidFill>
+            </a:endParaRPr>
+          </a:p>
+          <a:p>
+            <a:pPr marL="0" lvl="0" indent="0" algn="l" rtl="0">
+              <a:spcBef>
+                <a:spcPts val="0"/>
+              </a:spcBef>
+              <a:spcAft>
+                <a:spcPts val="0"/>
+              </a:spcAft>
+              <a:buNone/>
+            </a:pPr>
+            <a:endParaRPr sz="2000" dirty="0"/>
+          </a:p>
+          <a:p>
+            <a:pPr marL="0" lvl="0" indent="0" algn="l" rtl="0">
+              <a:spcBef>
+                <a:spcPts val="0"/>
+              </a:spcBef>
+              <a:spcAft>
+                <a:spcPts val="0"/>
+              </a:spcAft>
+              <a:buNone/>
+            </a:pPr>
+            <a:endParaRPr sz="2000" dirty="0"/>
+          </a:p>
+          <a:p>
+            <a:pPr marL="0" lvl="0" indent="457200" algn="l" rtl="0">
+              <a:lnSpc>
+                <a:spcPct val="115000"/>
+              </a:lnSpc>
+              <a:spcBef>
+                <a:spcPts val="0"/>
+              </a:spcBef>
+              <a:spcAft>
+                <a:spcPts val="0"/>
+              </a:spcAft>
+              <a:buNone/>
+            </a:pPr>
+            <a:r>
+              <a:rPr lang="en-US" sz="2000" b="1" dirty="0"/>
+              <a:t>Setup</a:t>
+            </a:r>
+            <a:endParaRPr sz="2000" b="1" dirty="0"/>
+          </a:p>
+          <a:p>
+            <a:pPr marL="914400" lvl="0" indent="-317500" algn="l" rtl="0">
+              <a:lnSpc>
+                <a:spcPct val="115000"/>
+              </a:lnSpc>
+              <a:spcBef>
+                <a:spcPts val="0"/>
+              </a:spcBef>
+              <a:spcAft>
+                <a:spcPts val="0"/>
+              </a:spcAft>
+              <a:buSzPts val="1400"/>
+              <a:buChar char="●"/>
+            </a:pPr>
+            <a:r>
+              <a:rPr lang="en-US" sz="2000" dirty="0"/>
+              <a:t>The basic rules of classical chess apply</a:t>
+            </a:r>
+            <a:endParaRPr sz="2000" dirty="0"/>
+          </a:p>
+          <a:p>
+            <a:pPr marL="1371600" lvl="1" indent="-317500">
+              <a:lnSpc>
+                <a:spcPct val="115000"/>
+              </a:lnSpc>
+              <a:buSzPts val="1400"/>
+              <a:buChar char="○"/>
+            </a:pPr>
+            <a:r>
+              <a:rPr lang="en-US" sz="2000" dirty="0"/>
+              <a:t> Pieces have the same restrictions, and the overall objective is the same (checkmate the King)</a:t>
+            </a:r>
+            <a:endParaRPr sz="2000" dirty="0"/>
+          </a:p>
+          <a:p>
+            <a:pPr marL="914400" lvl="0" indent="-317500" algn="l" rtl="0">
+              <a:lnSpc>
+                <a:spcPct val="115000"/>
+              </a:lnSpc>
+              <a:spcBef>
+                <a:spcPts val="1000"/>
+              </a:spcBef>
+              <a:spcAft>
+                <a:spcPts val="0"/>
+              </a:spcAft>
+              <a:buSzPts val="1400"/>
+              <a:buChar char="●"/>
+            </a:pPr>
+            <a:r>
+              <a:rPr lang="en-US" sz="2000" dirty="0"/>
+              <a:t>Players place their portals before the game starts</a:t>
+            </a:r>
+            <a:endParaRPr sz="2000" dirty="0"/>
+          </a:p>
+          <a:p>
+            <a:pPr marL="1371600" lvl="1" indent="-317500" algn="l" rtl="0">
+              <a:lnSpc>
+                <a:spcPct val="115000"/>
+              </a:lnSpc>
+              <a:spcBef>
+                <a:spcPts val="0"/>
+              </a:spcBef>
+              <a:spcAft>
+                <a:spcPts val="0"/>
+              </a:spcAft>
+              <a:buSzPts val="1400"/>
+              <a:buChar char="○"/>
+            </a:pPr>
+            <a:r>
+              <a:rPr lang="en-US" sz="2000" dirty="0"/>
+              <a:t>White pieces can only go in row 4</a:t>
+            </a:r>
+            <a:endParaRPr sz="2000" dirty="0"/>
+          </a:p>
+          <a:p>
+            <a:pPr marL="1371600" lvl="1" indent="-317500" algn="l" rtl="0">
+              <a:lnSpc>
+                <a:spcPct val="115000"/>
+              </a:lnSpc>
+              <a:spcBef>
+                <a:spcPts val="0"/>
+              </a:spcBef>
+              <a:spcAft>
+                <a:spcPts val="0"/>
+              </a:spcAft>
+              <a:buSzPts val="1400"/>
+              <a:buChar char="○"/>
+            </a:pPr>
+            <a:r>
+              <a:rPr lang="en-US" sz="2000" dirty="0"/>
+              <a:t>Black pieces can only go in row 5</a:t>
+            </a:r>
+            <a:endParaRPr sz="2000" dirty="0"/>
+          </a:p>
+          <a:p>
+            <a:pPr marL="914400" indent="-317500">
+              <a:lnSpc>
+                <a:spcPct val="115000"/>
+              </a:lnSpc>
+              <a:spcBef>
+                <a:spcPts val="1000"/>
+              </a:spcBef>
+              <a:buSzPts val="1400"/>
+              <a:buChar char="●"/>
+            </a:pPr>
+            <a:r>
+              <a:rPr lang="en-US" sz="2000" dirty="0"/>
+              <a:t>You can only control your own-colored portal </a:t>
+            </a:r>
+            <a:endParaRPr sz="2000" dirty="0"/>
+          </a:p>
+          <a:p>
+            <a:pPr marL="0" lvl="0" indent="0" algn="l" rtl="0">
+              <a:spcBef>
+                <a:spcPts val="0"/>
+              </a:spcBef>
+              <a:spcAft>
+                <a:spcPts val="0"/>
+              </a:spcAft>
+              <a:buNone/>
+            </a:pPr>
+            <a:endParaRPr dirty="0"/>
+          </a:p>
+        </p:txBody>
+      </p:sp>
+      <p:sp>
+        <p:nvSpPr>
+          <p:cNvPr id="2" name="Title 1">
+            <a:extLst>
+              <a:ext uri="{FF2B5EF4-FFF2-40B4-BE49-F238E27FC236}">
+                <a16:creationId xmlns:a16="http://schemas.microsoft.com/office/drawing/2014/main" id="{C2DEF32F-D532-477C-B6E4-0CA30FBB656A}"/>
+              </a:ext>
+            </a:extLst>
+          </p:cNvPr>
+          <p:cNvSpPr>
+            <a:spLocks noGrp="1"/>
+          </p:cNvSpPr>
+          <p:nvPr>
+            <p:ph type="title"/>
+          </p:nvPr>
+        </p:nvSpPr>
+        <p:spPr>
+          <a:xfrm>
+            <a:off x="628075" y="549299"/>
+            <a:ext cx="12561453" cy="1015663"/>
+          </a:xfrm>
+        </p:spPr>
+        <p:txBody>
+          <a:bodyPr/>
+          <a:lstStyle/>
+          <a:p>
+            <a:r>
+              <a:rPr lang="en-US" dirty="0"/>
+              <a:t>Rules</a:t>
+            </a:r>
+          </a:p>
+        </p:txBody>
+      </p:sp>
+    </p:spTree>
+  </p:cSld>
+  <p:clrMapOvr>
+    <a:masterClrMapping/>
+  </p:clrMapOvr>
+</p:sld>
+</file>
+
+<file path=ppt/slides/slide6.xml><?xml version="1.0" encoding="utf-8"?>
+<p:sld xmlns:a="http://schemas.openxmlformats.org/drawingml/2006/main" xmlns:r="http://schemas.openxmlformats.org/officeDocument/2006/relationships" xmlns:p="http://schemas.openxmlformats.org/presentationml/2006/main">
+  <p:cSld>
+    <p:spTree>
+      <p:nvGrpSpPr>
+        <p:cNvPr id="1" name="Shape 178"/>
+        <p:cNvGrpSpPr/>
+        <p:nvPr/>
+      </p:nvGrpSpPr>
+      <p:grpSpPr>
+        <a:xfrm>
+          <a:off x="0" y="0"/>
+          <a:ext cx="0" cy="0"/>
+          <a:chOff x="0" y="0"/>
+          <a:chExt cx="0" cy="0"/>
+        </a:xfrm>
+      </p:grpSpPr>
+      <p:sp>
+        <p:nvSpPr>
+          <p:cNvPr id="179" name="Google Shape;179;p31"/>
+          <p:cNvSpPr txBox="1"/>
+          <p:nvPr/>
+        </p:nvSpPr>
+        <p:spPr>
+          <a:xfrm>
+            <a:off x="306525" y="700600"/>
+            <a:ext cx="11903100" cy="6488100"/>
+          </a:xfrm>
+          <a:prstGeom prst="rect">
+            <a:avLst/>
+          </a:prstGeom>
+          <a:noFill/>
+          <a:ln>
+            <a:noFill/>
+          </a:ln>
+        </p:spPr>
+        <p:txBody>
+          <a:bodyPr spcFirstLastPara="1" wrap="square" lIns="91425" tIns="91425" rIns="91425" bIns="91425" anchor="t" anchorCtr="0">
+            <a:noAutofit/>
+          </a:bodyPr>
+          <a:lstStyle/>
+          <a:p>
+            <a:pPr marL="0" lvl="0" indent="0" algn="ctr" rtl="0">
+              <a:spcBef>
+                <a:spcPts val="0"/>
+              </a:spcBef>
+              <a:spcAft>
+                <a:spcPts val="0"/>
+              </a:spcAft>
+              <a:buNone/>
+            </a:pPr>
+            <a:endParaRPr sz="2800" dirty="0"/>
+          </a:p>
+          <a:p>
+            <a:pPr marL="457200" lvl="0" indent="0" algn="l" rtl="0">
+              <a:spcBef>
+                <a:spcPts val="0"/>
+              </a:spcBef>
+              <a:spcAft>
+                <a:spcPts val="0"/>
+              </a:spcAft>
+              <a:buNone/>
+            </a:pPr>
+            <a:endParaRPr sz="2400"/>
+          </a:p>
+          <a:p>
+            <a:pPr marL="457200" lvl="0" indent="0" algn="l" rtl="0">
+              <a:spcBef>
+                <a:spcPts val="1000"/>
+              </a:spcBef>
+              <a:spcAft>
+                <a:spcPts val="0"/>
+              </a:spcAft>
+              <a:buNone/>
+            </a:pPr>
+            <a:r>
+              <a:rPr lang="en-US" sz="2000" b="1" dirty="0"/>
+              <a:t>Game Play</a:t>
+            </a:r>
+            <a:endParaRPr sz="2000" b="1" dirty="0"/>
+          </a:p>
+          <a:p>
+            <a:pPr marL="914400" lvl="0" indent="-317500" algn="l" rtl="0">
+              <a:lnSpc>
+                <a:spcPct val="150000"/>
+              </a:lnSpc>
+              <a:spcBef>
+                <a:spcPts val="1000"/>
+              </a:spcBef>
+              <a:spcAft>
+                <a:spcPts val="0"/>
+              </a:spcAft>
+              <a:buSzPts val="1400"/>
+              <a:buChar char="●"/>
+            </a:pPr>
+            <a:r>
+              <a:rPr lang="en-US" dirty="0"/>
+              <a:t>A piece passes through a portal unless the portal is blocked</a:t>
+            </a:r>
+            <a:endParaRPr dirty="0"/>
+          </a:p>
+          <a:p>
+            <a:pPr marL="914400" lvl="0" indent="-317500" algn="l" rtl="0">
+              <a:lnSpc>
+                <a:spcPct val="150000"/>
+              </a:lnSpc>
+              <a:spcBef>
+                <a:spcPts val="0"/>
+              </a:spcBef>
+              <a:spcAft>
+                <a:spcPts val="0"/>
+              </a:spcAft>
+              <a:buSzPts val="1400"/>
+              <a:buChar char="●"/>
+            </a:pPr>
+            <a:r>
+              <a:rPr lang="en-US" dirty="0"/>
+              <a:t>A piece can be blocked from entering a portal if a piece of the same color is on the other side.</a:t>
+            </a:r>
+            <a:endParaRPr dirty="0"/>
+          </a:p>
+          <a:p>
+            <a:pPr marL="914400" indent="-317500">
+              <a:lnSpc>
+                <a:spcPct val="150000"/>
+              </a:lnSpc>
+              <a:buSzPts val="1400"/>
+              <a:buChar char="●"/>
+            </a:pPr>
+            <a:r>
+              <a:rPr lang="en-US" dirty="0"/>
+              <a:t>A piece can take another piece by using the portal </a:t>
+            </a:r>
+            <a:endParaRPr lang="en-US"/>
+          </a:p>
+          <a:p>
+            <a:pPr marL="914400" lvl="0" indent="-317500" algn="l" rtl="0">
+              <a:lnSpc>
+                <a:spcPct val="150000"/>
+              </a:lnSpc>
+              <a:spcBef>
+                <a:spcPts val="0"/>
+              </a:spcBef>
+              <a:spcAft>
+                <a:spcPts val="0"/>
+              </a:spcAft>
+              <a:buSzPts val="1400"/>
+              <a:buChar char="●"/>
+            </a:pPr>
+            <a:r>
+              <a:rPr lang="en-US" dirty="0"/>
+              <a:t>Both portals cannot be occupied at the same time</a:t>
+            </a:r>
+            <a:endParaRPr dirty="0"/>
+          </a:p>
+          <a:p>
+            <a:pPr marL="914400" lvl="0" indent="-317500" algn="l" rtl="0">
+              <a:lnSpc>
+                <a:spcPct val="150000"/>
+              </a:lnSpc>
+              <a:spcBef>
+                <a:spcPts val="0"/>
+              </a:spcBef>
+              <a:spcAft>
+                <a:spcPts val="0"/>
+              </a:spcAft>
+              <a:buSzPts val="1400"/>
+              <a:buChar char="●"/>
+            </a:pPr>
+            <a:r>
+              <a:rPr lang="en-US" dirty="0"/>
+              <a:t>A piece </a:t>
+            </a:r>
+            <a:r>
+              <a:rPr lang="en-US" b="1" u="sng" dirty="0"/>
+              <a:t>can</a:t>
+            </a:r>
+            <a:r>
+              <a:rPr lang="en-US" dirty="0"/>
+              <a:t> check/checkmate people using the portal</a:t>
+            </a:r>
+            <a:endParaRPr dirty="0"/>
+          </a:p>
+          <a:p>
+            <a:pPr marL="914400" lvl="0" indent="-317500" algn="l" rtl="0">
+              <a:lnSpc>
+                <a:spcPct val="150000"/>
+              </a:lnSpc>
+              <a:spcBef>
+                <a:spcPts val="0"/>
+              </a:spcBef>
+              <a:spcAft>
+                <a:spcPts val="0"/>
+              </a:spcAft>
+              <a:buSzPts val="1400"/>
+              <a:buChar char="●"/>
+            </a:pPr>
+            <a:r>
+              <a:rPr lang="en-US" dirty="0"/>
+              <a:t>A piece must exit the portal in the direction it traveled into the portal</a:t>
+            </a:r>
+            <a:endParaRPr dirty="0"/>
+          </a:p>
+          <a:p>
+            <a:pPr marL="914400" lvl="0" indent="-317500" algn="l" rtl="0">
+              <a:lnSpc>
+                <a:spcPct val="150000"/>
+              </a:lnSpc>
+              <a:spcBef>
+                <a:spcPts val="0"/>
+              </a:spcBef>
+              <a:spcAft>
+                <a:spcPts val="0"/>
+              </a:spcAft>
+              <a:buSzPts val="1400"/>
+              <a:buChar char="●"/>
+            </a:pPr>
+            <a:r>
+              <a:rPr lang="en-US" dirty="0"/>
+              <a:t>A portal can be moved onto a piece causing it to teleport. *Unless the other portal is occupied*</a:t>
+            </a:r>
+            <a:endParaRPr dirty="0"/>
+          </a:p>
+          <a:p>
+            <a:pPr marL="914400" lvl="0" indent="-317500" algn="l" rtl="0">
+              <a:lnSpc>
+                <a:spcPct val="150000"/>
+              </a:lnSpc>
+              <a:spcBef>
+                <a:spcPts val="0"/>
+              </a:spcBef>
+              <a:spcAft>
+                <a:spcPts val="0"/>
+              </a:spcAft>
+              <a:buSzPts val="1400"/>
+              <a:buChar char="●"/>
+            </a:pPr>
+            <a:r>
+              <a:rPr lang="en-US" dirty="0"/>
+              <a:t>A player has a choice to move a chess piece or the portal piece in one turn, not both.</a:t>
+            </a:r>
+            <a:endParaRPr dirty="0"/>
+          </a:p>
+          <a:p>
+            <a:pPr marL="914400" indent="-317500">
+              <a:lnSpc>
+                <a:spcPct val="150000"/>
+              </a:lnSpc>
+              <a:buSzPts val="1400"/>
+              <a:buChar char="●"/>
+            </a:pPr>
+            <a:r>
+              <a:rPr lang="en-US" dirty="0"/>
+              <a:t>If your own chess piece is occupying a portal, you cannot pass another one of your own pieces through the unoccupied portal </a:t>
+            </a:r>
+            <a:endParaRPr/>
+          </a:p>
+          <a:p>
+            <a:pPr marL="914400" indent="-317500">
+              <a:lnSpc>
+                <a:spcPct val="150000"/>
+              </a:lnSpc>
+              <a:buSzPts val="1400"/>
+              <a:buChar char="●"/>
+            </a:pPr>
+            <a:r>
+              <a:rPr lang="en-US" dirty="0"/>
+              <a:t>A piece can enter either portal regardless of color </a:t>
+            </a:r>
+            <a:endParaRPr dirty="0"/>
+          </a:p>
+          <a:p>
+            <a:pPr marL="914400" lvl="0" indent="-317500" algn="l" rtl="0">
+              <a:lnSpc>
+                <a:spcPct val="150000"/>
+              </a:lnSpc>
+              <a:spcBef>
+                <a:spcPts val="0"/>
+              </a:spcBef>
+              <a:spcAft>
+                <a:spcPts val="0"/>
+              </a:spcAft>
+              <a:buSzPts val="1400"/>
+              <a:buChar char="●"/>
+            </a:pPr>
+            <a:r>
+              <a:rPr lang="en-US" dirty="0"/>
+              <a:t>Portals can </a:t>
+            </a:r>
+            <a:r>
+              <a:rPr lang="en-US" b="1" u="sng" dirty="0"/>
+              <a:t>not</a:t>
+            </a:r>
+            <a:r>
+              <a:rPr lang="en-US" dirty="0"/>
+              <a:t> occupy the same square</a:t>
+            </a:r>
+            <a:endParaRPr dirty="0"/>
+          </a:p>
+          <a:p>
+            <a:pPr marL="914400" indent="-317500">
+              <a:lnSpc>
+                <a:spcPct val="150000"/>
+              </a:lnSpc>
+              <a:buSzPts val="1400"/>
+              <a:buChar char="●"/>
+            </a:pPr>
+            <a:r>
+              <a:rPr lang="en-US" dirty="0"/>
+              <a:t>A portal can be moved regardless of whether it is occupied or not, the occupying piece does not move with the portal </a:t>
+            </a:r>
+            <a:endParaRPr/>
+          </a:p>
+          <a:p>
+            <a:pPr marL="914400" indent="-317500">
+              <a:lnSpc>
+                <a:spcPct val="150000"/>
+              </a:lnSpc>
+              <a:buSzPts val="1400"/>
+              <a:buChar char="●"/>
+            </a:pPr>
+            <a:r>
+              <a:rPr lang="en-US" dirty="0"/>
+              <a:t>If a piece occupies one portal and a whole turn phase end without the piece moving from the teleporter it does not teleport. </a:t>
+            </a:r>
+            <a:endParaRPr/>
+          </a:p>
+          <a:p>
+            <a:pPr marL="914400" lvl="0" indent="-317500" algn="l" rtl="0">
+              <a:lnSpc>
+                <a:spcPct val="150000"/>
+              </a:lnSpc>
+              <a:spcBef>
+                <a:spcPts val="0"/>
+              </a:spcBef>
+              <a:spcAft>
+                <a:spcPts val="0"/>
+              </a:spcAft>
+              <a:buSzPts val="1400"/>
+              <a:buChar char="●"/>
+            </a:pPr>
+            <a:r>
+              <a:rPr lang="en-US" dirty="0"/>
+              <a:t>A Knight can jump over a portal piece</a:t>
+            </a:r>
+            <a:endParaRPr dirty="0"/>
+          </a:p>
+          <a:p>
+            <a:pPr marL="914400" lvl="0" indent="-317500" algn="l" rtl="0">
+              <a:lnSpc>
+                <a:spcPct val="150000"/>
+              </a:lnSpc>
+              <a:spcBef>
+                <a:spcPts val="0"/>
+              </a:spcBef>
+              <a:spcAft>
+                <a:spcPts val="0"/>
+              </a:spcAft>
+              <a:buSzPts val="1400"/>
+              <a:buChar char="●"/>
+            </a:pPr>
+            <a:r>
+              <a:rPr lang="en-US" dirty="0"/>
+              <a:t>A pawn can become a queen by using a portal</a:t>
+            </a:r>
+            <a:endParaRPr dirty="0"/>
+          </a:p>
+          <a:p>
+            <a:pPr marL="0" lvl="0" indent="0" algn="l" rtl="0">
+              <a:lnSpc>
+                <a:spcPct val="150000"/>
+              </a:lnSpc>
+              <a:spcBef>
+                <a:spcPts val="0"/>
+              </a:spcBef>
+              <a:spcAft>
+                <a:spcPts val="0"/>
+              </a:spcAft>
+              <a:buNone/>
+            </a:pPr>
+            <a:endParaRPr/>
+          </a:p>
+        </p:txBody>
+      </p:sp>
+      <p:sp>
+        <p:nvSpPr>
+          <p:cNvPr id="2" name="Title 1">
+            <a:extLst>
+              <a:ext uri="{FF2B5EF4-FFF2-40B4-BE49-F238E27FC236}">
+                <a16:creationId xmlns:a16="http://schemas.microsoft.com/office/drawing/2014/main" id="{9496462F-3EBC-4824-BA5E-2D863E3A2EEE}"/>
+              </a:ext>
+            </a:extLst>
+          </p:cNvPr>
+          <p:cNvSpPr>
+            <a:spLocks noGrp="1"/>
+          </p:cNvSpPr>
+          <p:nvPr>
+            <p:ph type="title"/>
+          </p:nvPr>
+        </p:nvSpPr>
+        <p:spPr>
+          <a:xfrm>
+            <a:off x="628075" y="666049"/>
+            <a:ext cx="12561453" cy="1015663"/>
+          </a:xfrm>
+        </p:spPr>
+        <p:txBody>
+          <a:bodyPr/>
+          <a:lstStyle/>
+          <a:p>
+            <a:r>
+              <a:rPr lang="en-US" dirty="0"/>
+              <a:t>Rules - continued</a:t>
+            </a:r>
+          </a:p>
+        </p:txBody>
+      </p:sp>
+    </p:spTree>
+  </p:cSld>
+  <p:clrMapOvr>
+    <a:masterClrMapping/>
+  </p:clrMapOvr>
+</p:sld>
+</file>
+
+<file path=ppt/slides/slide7.xml><?xml version="1.0" encoding="utf-8"?>
+<p:sld xmlns:a="http://schemas.openxmlformats.org/drawingml/2006/main" xmlns:r="http://schemas.openxmlformats.org/officeDocument/2006/relationships" xmlns:p="http://schemas.openxmlformats.org/presentationml/2006/main">
+  <p:cSld>
+    <p:spTree>
+      <p:nvGrpSpPr>
+        <p:cNvPr id="1" name="Shape 184"/>
+        <p:cNvGrpSpPr/>
+        <p:nvPr/>
+      </p:nvGrpSpPr>
+      <p:grpSpPr>
+        <a:xfrm>
+          <a:off x="0" y="0"/>
+          <a:ext cx="0" cy="0"/>
+          <a:chOff x="0" y="0"/>
+          <a:chExt cx="0" cy="0"/>
+        </a:xfrm>
+      </p:grpSpPr>
+      <p:sp>
+        <p:nvSpPr>
+          <p:cNvPr id="185" name="Google Shape;185;p32"/>
+          <p:cNvSpPr txBox="1"/>
+          <p:nvPr/>
+        </p:nvSpPr>
+        <p:spPr>
+          <a:xfrm>
+            <a:off x="627625" y="277325"/>
+            <a:ext cx="12647400" cy="6911400"/>
+          </a:xfrm>
+          <a:prstGeom prst="rect">
+            <a:avLst/>
+          </a:prstGeom>
+          <a:noFill/>
+          <a:ln>
+            <a:noFill/>
+          </a:ln>
+        </p:spPr>
+        <p:txBody>
+          <a:bodyPr spcFirstLastPara="1" wrap="square" lIns="91425" tIns="91425" rIns="91425" bIns="91425" anchor="t" anchorCtr="0">
+            <a:noAutofit/>
+          </a:bodyPr>
+          <a:lstStyle/>
+          <a:p>
+            <a:pPr marL="0" lvl="0" indent="0" algn="ctr" rtl="0">
+              <a:spcBef>
+                <a:spcPts val="0"/>
+              </a:spcBef>
+              <a:spcAft>
+                <a:spcPts val="0"/>
+              </a:spcAft>
+              <a:buNone/>
+            </a:pPr>
+            <a:endParaRPr lang="en-US" sz="2400" dirty="0"/>
+          </a:p>
+          <a:p>
+            <a:pPr marL="0" lvl="0" indent="0" algn="ctr" rtl="0">
+              <a:spcBef>
+                <a:spcPts val="0"/>
+              </a:spcBef>
+              <a:spcAft>
+                <a:spcPts val="0"/>
+              </a:spcAft>
+              <a:buNone/>
+            </a:pPr>
+            <a:endParaRPr sz="2400"/>
+          </a:p>
+          <a:p>
+            <a:pPr marL="0" lvl="0" indent="0" algn="l" rtl="0">
+              <a:spcBef>
+                <a:spcPts val="0"/>
+              </a:spcBef>
+              <a:spcAft>
+                <a:spcPts val="0"/>
+              </a:spcAft>
+              <a:buNone/>
+            </a:pPr>
+            <a:endParaRPr sz="2400" dirty="0"/>
+          </a:p>
+          <a:p>
+            <a:pPr marL="0" lvl="0" indent="0" algn="l" rtl="0">
+              <a:spcBef>
+                <a:spcPts val="0"/>
+              </a:spcBef>
+              <a:spcAft>
+                <a:spcPts val="0"/>
+              </a:spcAft>
+              <a:buNone/>
+            </a:pPr>
+            <a:endParaRPr sz="2400" dirty="0"/>
+          </a:p>
+          <a:p>
+            <a:pPr marL="457200" lvl="0" indent="-317500" algn="l" rtl="0">
+              <a:spcBef>
+                <a:spcPts val="0"/>
+              </a:spcBef>
+              <a:spcAft>
+                <a:spcPts val="0"/>
+              </a:spcAft>
+              <a:buSzPts val="1400"/>
+              <a:buChar char="●"/>
+            </a:pPr>
+            <a:r>
+              <a:rPr lang="en-US" sz="2400" dirty="0"/>
+              <a:t>Unregistered Users</a:t>
+            </a:r>
+            <a:endParaRPr sz="2400" dirty="0"/>
+          </a:p>
+          <a:p>
+            <a:pPr marL="914400" lvl="1" indent="-317500" algn="l" rtl="0">
+              <a:spcBef>
+                <a:spcPts val="0"/>
+              </a:spcBef>
+              <a:spcAft>
+                <a:spcPts val="0"/>
+              </a:spcAft>
+              <a:buSzPts val="1400"/>
+              <a:buChar char="○"/>
+            </a:pPr>
+            <a:r>
+              <a:rPr lang="en-US" sz="2400" dirty="0"/>
+              <a:t>No user information stored</a:t>
+            </a:r>
+            <a:endParaRPr sz="2400" dirty="0"/>
+          </a:p>
+          <a:p>
+            <a:pPr marL="914400" lvl="1" indent="-317500" algn="l" rtl="0">
+              <a:spcBef>
+                <a:spcPts val="0"/>
+              </a:spcBef>
+              <a:spcAft>
+                <a:spcPts val="0"/>
+              </a:spcAft>
+              <a:buSzPts val="1400"/>
+              <a:buChar char="○"/>
+            </a:pPr>
+            <a:r>
+              <a:rPr lang="en-US" sz="2400" dirty="0"/>
+              <a:t>Not allowed to play a game</a:t>
+            </a:r>
+            <a:endParaRPr sz="2400" dirty="0"/>
+          </a:p>
+          <a:p>
+            <a:pPr marL="457200" lvl="0" indent="-317500" algn="l" rtl="0">
+              <a:spcBef>
+                <a:spcPts val="1000"/>
+              </a:spcBef>
+              <a:spcAft>
+                <a:spcPts val="0"/>
+              </a:spcAft>
+              <a:buSzPts val="1400"/>
+              <a:buChar char="●"/>
+            </a:pPr>
+            <a:r>
+              <a:rPr lang="en-US" sz="2400" dirty="0"/>
+              <a:t>Registered Users</a:t>
+            </a:r>
+            <a:endParaRPr sz="2400" dirty="0"/>
+          </a:p>
+          <a:p>
+            <a:pPr marL="914400" lvl="1" indent="-317500" algn="l" rtl="0">
+              <a:spcBef>
+                <a:spcPts val="0"/>
+              </a:spcBef>
+              <a:spcAft>
+                <a:spcPts val="0"/>
+              </a:spcAft>
+              <a:buSzPts val="1400"/>
+              <a:buChar char="○"/>
+            </a:pPr>
+            <a:r>
+              <a:rPr lang="en-US" sz="2400" dirty="0"/>
+              <a:t>Full user profile stored</a:t>
+            </a:r>
+            <a:endParaRPr sz="2400" dirty="0"/>
+          </a:p>
+          <a:p>
+            <a:pPr marL="1371600" lvl="2" indent="-317500" algn="l" rtl="0">
+              <a:spcBef>
+                <a:spcPts val="0"/>
+              </a:spcBef>
+              <a:spcAft>
+                <a:spcPts val="0"/>
+              </a:spcAft>
+              <a:buSzPts val="1400"/>
+              <a:buChar char="■"/>
+            </a:pPr>
+            <a:r>
+              <a:rPr lang="en-US" sz="2400" dirty="0"/>
+              <a:t>Includes Name, e-mail, active game(s), game history and results</a:t>
+            </a:r>
+            <a:endParaRPr sz="2400" dirty="0"/>
+          </a:p>
+          <a:p>
+            <a:pPr marL="457200" lvl="0" indent="-317500" algn="l" rtl="0">
+              <a:spcBef>
+                <a:spcPts val="1000"/>
+              </a:spcBef>
+              <a:spcAft>
+                <a:spcPts val="0"/>
+              </a:spcAft>
+              <a:buSzPts val="1400"/>
+              <a:buChar char="●"/>
+            </a:pPr>
+            <a:r>
+              <a:rPr lang="en-US" sz="2400" dirty="0"/>
+              <a:t>Logged in user</a:t>
+            </a:r>
+            <a:endParaRPr sz="2400" dirty="0"/>
+          </a:p>
+          <a:p>
+            <a:pPr marL="914400" lvl="1" indent="-317500" algn="l" rtl="0">
+              <a:spcBef>
+                <a:spcPts val="0"/>
+              </a:spcBef>
+              <a:spcAft>
+                <a:spcPts val="0"/>
+              </a:spcAft>
+              <a:buSzPts val="1400"/>
+              <a:buChar char="○"/>
+            </a:pPr>
+            <a:r>
+              <a:rPr lang="en-US" sz="2400" dirty="0"/>
+              <a:t>View profiles</a:t>
+            </a:r>
+            <a:endParaRPr sz="2400" dirty="0"/>
+          </a:p>
+          <a:p>
+            <a:pPr marL="914400" lvl="1" indent="-317500" algn="l" rtl="0">
+              <a:spcBef>
+                <a:spcPts val="0"/>
+              </a:spcBef>
+              <a:spcAft>
+                <a:spcPts val="0"/>
+              </a:spcAft>
+              <a:buSzPts val="1400"/>
+              <a:buChar char="○"/>
+            </a:pPr>
+            <a:r>
+              <a:rPr lang="en-US" sz="2400" dirty="0"/>
+              <a:t>Can play one or more games</a:t>
+            </a:r>
+            <a:endParaRPr sz="2400" dirty="0"/>
+          </a:p>
+          <a:p>
+            <a:pPr marL="914400" lvl="1" indent="-317500" algn="l" rtl="0">
+              <a:spcBef>
+                <a:spcPts val="0"/>
+              </a:spcBef>
+              <a:spcAft>
+                <a:spcPts val="0"/>
+              </a:spcAft>
+              <a:buSzPts val="1400"/>
+              <a:buChar char="○"/>
+            </a:pPr>
+            <a:r>
+              <a:rPr lang="en-US" sz="2400" dirty="0"/>
+              <a:t>Can invite players to a game</a:t>
+            </a:r>
+            <a:endParaRPr sz="2400" dirty="0"/>
+          </a:p>
+          <a:p>
+            <a:pPr marL="914400" lvl="1" indent="-317500" algn="l" rtl="0">
+              <a:spcBef>
+                <a:spcPts val="0"/>
+              </a:spcBef>
+              <a:spcAft>
+                <a:spcPts val="0"/>
+              </a:spcAft>
+              <a:buSzPts val="1400"/>
+              <a:buChar char="○"/>
+            </a:pPr>
+            <a:r>
+              <a:rPr lang="en-US" sz="2400" dirty="0"/>
+              <a:t>Can accept invitations to a game</a:t>
+            </a:r>
+            <a:endParaRPr sz="2400" dirty="0"/>
+          </a:p>
+          <a:p>
+            <a:pPr marL="914400" lvl="1" indent="-317500" algn="l" rtl="0">
+              <a:spcBef>
+                <a:spcPts val="0"/>
+              </a:spcBef>
+              <a:spcAft>
+                <a:spcPts val="0"/>
+              </a:spcAft>
+              <a:buSzPts val="1400"/>
+              <a:buChar char="○"/>
+            </a:pPr>
+            <a:r>
+              <a:rPr lang="en-US" sz="2400" dirty="0"/>
+              <a:t>Play/Quit a game</a:t>
+            </a:r>
+            <a:endParaRPr sz="2400" dirty="0"/>
+          </a:p>
+          <a:p>
+            <a:pPr marL="914400" lvl="1" indent="-317500" algn="l" rtl="0">
+              <a:spcBef>
+                <a:spcPts val="0"/>
+              </a:spcBef>
+              <a:spcAft>
+                <a:spcPts val="0"/>
+              </a:spcAft>
+              <a:buSzPts val="1400"/>
+              <a:buChar char="○"/>
+            </a:pPr>
+            <a:r>
+              <a:rPr lang="en-US" sz="2400" dirty="0"/>
+              <a:t>Unregister</a:t>
+            </a:r>
+            <a:endParaRPr sz="2400" dirty="0"/>
+          </a:p>
+        </p:txBody>
+      </p:sp>
+      <p:pic>
+        <p:nvPicPr>
+          <p:cNvPr id="186" name="Google Shape;186;p32"/>
+          <p:cNvPicPr preferRelativeResize="0"/>
+          <p:nvPr/>
+        </p:nvPicPr>
+        <p:blipFill>
+          <a:blip r:embed="rId3">
+            <a:alphaModFix/>
+          </a:blip>
+          <a:stretch>
+            <a:fillRect/>
+          </a:stretch>
+        </p:blipFill>
+        <p:spPr>
+          <a:xfrm>
+            <a:off x="7743225" y="1203276"/>
+            <a:ext cx="5651976" cy="5766550"/>
+          </a:xfrm>
+          <a:prstGeom prst="rect">
+            <a:avLst/>
+          </a:prstGeom>
+          <a:noFill/>
+          <a:ln>
+            <a:noFill/>
+          </a:ln>
+        </p:spPr>
+      </p:pic>
+      <p:sp>
+        <p:nvSpPr>
+          <p:cNvPr id="2" name="Title 1">
+            <a:extLst>
+              <a:ext uri="{FF2B5EF4-FFF2-40B4-BE49-F238E27FC236}">
+                <a16:creationId xmlns:a16="http://schemas.microsoft.com/office/drawing/2014/main" id="{B7277786-4226-4FD8-90D8-659C370BE11D}"/>
+              </a:ext>
+            </a:extLst>
+          </p:cNvPr>
+          <p:cNvSpPr>
+            <a:spLocks noGrp="1"/>
+          </p:cNvSpPr>
+          <p:nvPr>
+            <p:ph type="title"/>
+          </p:nvPr>
+        </p:nvSpPr>
+        <p:spPr>
+          <a:xfrm>
+            <a:off x="628075" y="388597"/>
+            <a:ext cx="12561453" cy="1015663"/>
+          </a:xfrm>
+        </p:spPr>
+        <p:txBody>
+          <a:bodyPr/>
+          <a:lstStyle/>
+          <a:p>
+            <a:r>
+              <a:rPr lang="en-US" dirty="0"/>
+              <a:t>Actors and Stakeholders</a:t>
+            </a:r>
+          </a:p>
+        </p:txBody>
+      </p:sp>
+    </p:spTree>
+  </p:cSld>
+  <p:clrMapOvr>
+    <a:masterClrMapping/>
+  </p:clrMapOvr>
+</p:sld>
+</file>
+
+<file path=ppt/slides/slide8.xml><?xml version="1.0" encoding="utf-8"?>
+<p:sld xmlns:a="http://schemas.openxmlformats.org/drawingml/2006/main" xmlns:r="http://schemas.openxmlformats.org/officeDocument/2006/relationships" xmlns:p="http://schemas.openxmlformats.org/presentationml/2006/main" show="0">
+  <p:cSld>
+    <p:spTree>
+      <p:nvGrpSpPr>
+        <p:cNvPr id="1" name="Shape 191"/>
+        <p:cNvGrpSpPr/>
+        <p:nvPr/>
+      </p:nvGrpSpPr>
+      <p:grpSpPr>
+        <a:xfrm>
+          <a:off x="0" y="0"/>
+          <a:ext cx="0" cy="0"/>
+          <a:chOff x="0" y="0"/>
+          <a:chExt cx="0" cy="0"/>
+        </a:xfrm>
+      </p:grpSpPr>
+      <p:sp>
+        <p:nvSpPr>
+          <p:cNvPr id="192" name="Google Shape;192;p33"/>
+          <p:cNvSpPr txBox="1"/>
+          <p:nvPr/>
+        </p:nvSpPr>
+        <p:spPr>
+          <a:xfrm>
+            <a:off x="627625" y="700600"/>
+            <a:ext cx="11582100" cy="6488100"/>
+          </a:xfrm>
+          <a:prstGeom prst="rect">
+            <a:avLst/>
+          </a:prstGeom>
+          <a:noFill/>
+          <a:ln>
+            <a:noFill/>
+          </a:ln>
+        </p:spPr>
+        <p:txBody>
+          <a:bodyPr spcFirstLastPara="1" wrap="square" lIns="91425" tIns="91425" rIns="91425" bIns="91425" anchor="t" anchorCtr="0">
+            <a:noAutofit/>
+          </a:bodyPr>
+          <a:lstStyle/>
+          <a:p>
+            <a:pPr marL="0" lvl="0" indent="0" algn="ctr" rtl="0">
+              <a:spcBef>
+                <a:spcPts val="0"/>
+              </a:spcBef>
+              <a:spcAft>
+                <a:spcPts val="0"/>
+              </a:spcAft>
+              <a:buNone/>
+            </a:pPr>
+            <a:r>
+              <a:rPr lang="en-US" sz="2400"/>
+              <a:t>Product Choices - Game</a:t>
+            </a:r>
+            <a:endParaRPr sz="2400"/>
+          </a:p>
+          <a:p>
+            <a:pPr marL="0" lvl="0" indent="0" algn="ctr" rtl="0">
+              <a:spcBef>
+                <a:spcPts val="0"/>
+              </a:spcBef>
+              <a:spcAft>
+                <a:spcPts val="0"/>
+              </a:spcAft>
+              <a:buNone/>
+            </a:pPr>
+            <a:endParaRPr sz="2400"/>
+          </a:p>
+          <a:p>
+            <a:pPr marL="0" lvl="0" indent="0" algn="l" rtl="0">
+              <a:spcBef>
+                <a:spcPts val="0"/>
+              </a:spcBef>
+              <a:spcAft>
+                <a:spcPts val="0"/>
+              </a:spcAft>
+              <a:buNone/>
+            </a:pPr>
+            <a:endParaRPr/>
+          </a:p>
+          <a:p>
+            <a:pPr marL="0" lvl="0" indent="0" algn="l" rtl="0">
+              <a:spcBef>
+                <a:spcPts val="0"/>
+              </a:spcBef>
+              <a:spcAft>
+                <a:spcPts val="0"/>
+              </a:spcAft>
+              <a:buNone/>
+            </a:pPr>
+            <a:endParaRPr/>
+          </a:p>
+          <a:p>
+            <a:pPr marL="457200" lvl="0" indent="-317500" algn="l" rtl="0">
+              <a:spcBef>
+                <a:spcPts val="0"/>
+              </a:spcBef>
+              <a:spcAft>
+                <a:spcPts val="0"/>
+              </a:spcAft>
+              <a:buSzPts val="1400"/>
+              <a:buChar char="●"/>
+            </a:pPr>
+            <a:r>
+              <a:rPr lang="en-US"/>
+              <a:t>Will not support ‘En passant’</a:t>
+            </a:r>
+            <a:br>
+              <a:rPr lang="en-US"/>
+            </a:br>
+            <a:r>
+              <a:rPr lang="en-US" sz="900" u="sng">
+                <a:solidFill>
+                  <a:schemeClr val="hlink"/>
+                </a:solidFill>
+                <a:hlinkClick r:id="rId3"/>
+              </a:rPr>
+              <a:t>https://en.wikipedia.org/wiki/En_passant</a:t>
+            </a:r>
+            <a:endParaRPr sz="900"/>
+          </a:p>
+          <a:p>
+            <a:pPr marL="457200" lvl="0" indent="-317500" algn="l" rtl="0">
+              <a:spcBef>
+                <a:spcPts val="1000"/>
+              </a:spcBef>
+              <a:spcAft>
+                <a:spcPts val="0"/>
+              </a:spcAft>
+              <a:buSzPts val="1400"/>
+              <a:buChar char="●"/>
+            </a:pPr>
+            <a:r>
+              <a:rPr lang="en-US"/>
+              <a:t>Person who starts the game will make the first move</a:t>
+            </a:r>
+            <a:endParaRPr/>
+          </a:p>
+          <a:p>
+            <a:pPr marL="457200" lvl="0" indent="-317500" algn="l" rtl="0">
+              <a:spcBef>
+                <a:spcPts val="1000"/>
+              </a:spcBef>
+              <a:spcAft>
+                <a:spcPts val="0"/>
+              </a:spcAft>
+              <a:buSzPts val="1400"/>
+              <a:buChar char="●"/>
+            </a:pPr>
+            <a:r>
+              <a:rPr lang="en-US"/>
+              <a:t>First person to respond to a game request will be the 2nd player</a:t>
+            </a:r>
+            <a:endParaRPr/>
+          </a:p>
+          <a:p>
+            <a:pPr marL="457200" lvl="0" indent="-317500" algn="l" rtl="0">
+              <a:spcBef>
+                <a:spcPts val="1000"/>
+              </a:spcBef>
+              <a:spcAft>
+                <a:spcPts val="0"/>
+              </a:spcAft>
+              <a:buSzPts val="1400"/>
+              <a:buChar char="●"/>
+            </a:pPr>
+            <a:r>
+              <a:rPr lang="en-US"/>
+              <a:t>A game will terminate if a player does not make a move within a given amount of time</a:t>
+            </a:r>
+            <a:endParaRPr/>
+          </a:p>
+          <a:p>
+            <a:pPr marL="457200" lvl="0" indent="-317500" algn="l" rtl="0">
+              <a:spcBef>
+                <a:spcPts val="1000"/>
+              </a:spcBef>
+              <a:spcAft>
+                <a:spcPts val="1000"/>
+              </a:spcAft>
+              <a:buSzPts val="1400"/>
+              <a:buChar char="●"/>
+            </a:pPr>
+            <a:r>
+              <a:rPr lang="en-US"/>
+              <a:t>Any player who quits will be given a loss and their opponent will will get a win</a:t>
+            </a:r>
+            <a:endParaRPr/>
+          </a:p>
+        </p:txBody>
+      </p:sp>
+    </p:spTree>
+  </p:cSld>
+  <p:clrMapOvr>
+    <a:masterClrMapping/>
+  </p:clrMapOvr>
+</p:sld>
+</file>
+
+<file path=ppt/slides/slide9.xml><?xml version="1.0" encoding="utf-8"?>
+<p:sld xmlns:a="http://schemas.openxmlformats.org/drawingml/2006/main" xmlns:r="http://schemas.openxmlformats.org/officeDocument/2006/relationships" xmlns:p="http://schemas.openxmlformats.org/presentationml/2006/main">
+  <p:cSld>
+    <p:spTree>
+      <p:nvGrpSpPr>
         <p:cNvPr id="1" name=""/>
         <p:cNvGrpSpPr/>
         <p:nvPr/>
@@ -17809,460 +20789,6 @@
     <p:extLst>
       <p:ext uri="{BB962C8B-B14F-4D97-AF65-F5344CB8AC3E}">
         <p14:creationId xmlns:p14="http://schemas.microsoft.com/office/powerpoint/2010/main" val="35088520"/>
-      </p:ext>
-    </p:extLst>
-  </p:cSld>
-  <p:clrMapOvr>
-    <a:masterClrMapping/>
-  </p:clrMapOvr>
-  <p:transition>
-    <p:fade/>
-  </p:transition>
-</p:sld>
-</file>
-
-<file path=ppt/slides/slide5.xml><?xml version="1.0" encoding="utf-8"?>
-<p:sld xmlns:a="http://schemas.openxmlformats.org/drawingml/2006/main" xmlns:r="http://schemas.openxmlformats.org/officeDocument/2006/relationships" xmlns:p="http://schemas.openxmlformats.org/presentationml/2006/main">
-  <p:cSld>
-    <p:spTree>
-      <p:nvGrpSpPr>
-        <p:cNvPr id="1" name=""/>
-        <p:cNvGrpSpPr/>
-        <p:nvPr/>
-      </p:nvGrpSpPr>
-      <p:grpSpPr>
-        <a:xfrm>
-          <a:off x="0" y="0"/>
-          <a:ext cx="0" cy="0"/>
-          <a:chOff x="0" y="0"/>
-          <a:chExt cx="0" cy="0"/>
-        </a:xfrm>
-      </p:grpSpPr>
-      <p:sp>
-        <p:nvSpPr>
-          <p:cNvPr id="2" name="Title 1">
-            <a:extLst>
-              <a:ext uri="{FF2B5EF4-FFF2-40B4-BE49-F238E27FC236}">
-                <a16:creationId xmlns:a16="http://schemas.microsoft.com/office/drawing/2014/main" id="{B2CAC40C-5BE6-49C3-A586-B86D5CB61FCA}"/>
-              </a:ext>
-            </a:extLst>
-          </p:cNvPr>
-          <p:cNvSpPr>
-            <a:spLocks noGrp="1"/>
-          </p:cNvSpPr>
-          <p:nvPr>
-            <p:ph type="title"/>
-          </p:nvPr>
-        </p:nvSpPr>
-        <p:spPr/>
-        <p:txBody>
-          <a:bodyPr/>
-          <a:lstStyle/>
-          <a:p>
-            <a:r>
-              <a:rPr lang="en-US" dirty="0"/>
-              <a:t>Traceability Link Matrix</a:t>
-            </a:r>
-          </a:p>
-        </p:txBody>
-      </p:sp>
-      <p:sp>
-        <p:nvSpPr>
-          <p:cNvPr id="4" name="TextBox 3">
-            <a:extLst>
-              <a:ext uri="{FF2B5EF4-FFF2-40B4-BE49-F238E27FC236}">
-                <a16:creationId xmlns:a16="http://schemas.microsoft.com/office/drawing/2014/main" id="{CEE5405A-B61D-479D-A075-167138D3BCB3}"/>
-              </a:ext>
-            </a:extLst>
-          </p:cNvPr>
-          <p:cNvSpPr txBox="1"/>
-          <p:nvPr/>
-        </p:nvSpPr>
-        <p:spPr>
-          <a:xfrm>
-            <a:off x="542260" y="2307265"/>
-            <a:ext cx="11929731" cy="738664"/>
-          </a:xfrm>
-          <a:prstGeom prst="rect">
-            <a:avLst/>
-          </a:prstGeom>
-          <a:noFill/>
-        </p:spPr>
-        <p:txBody>
-          <a:bodyPr wrap="square" rtlCol="0">
-            <a:spAutoFit/>
-          </a:bodyPr>
-          <a:lstStyle/>
-          <a:p>
-            <a:r>
-              <a:rPr lang="en-US" dirty="0"/>
-              <a:t>File is located in </a:t>
-            </a:r>
-            <a:r>
-              <a:rPr lang="en-US" dirty="0">
-                <a:hlinkClick r:id="rId2"/>
-              </a:rPr>
-              <a:t>https://github.com/bstaab/cs414-f20-UnspecifiedBehavior/blob/master/Documents/TraceabilityLinkMatrix.xlsx</a:t>
-            </a:r>
-            <a:endParaRPr lang="en-US" dirty="0"/>
-          </a:p>
-          <a:p>
-            <a:r>
-              <a:rPr lang="en-US" dirty="0"/>
-              <a:t>The backend has been updated</a:t>
-            </a:r>
-          </a:p>
-          <a:p>
-            <a:r>
-              <a:rPr lang="en-US" dirty="0"/>
-              <a:t>Needs front end updated – someone on front end should due this</a:t>
-            </a:r>
-          </a:p>
-        </p:txBody>
-      </p:sp>
-    </p:spTree>
-    <p:extLst>
-      <p:ext uri="{BB962C8B-B14F-4D97-AF65-F5344CB8AC3E}">
-        <p14:creationId xmlns:p14="http://schemas.microsoft.com/office/powerpoint/2010/main" val="2130408549"/>
-      </p:ext>
-    </p:extLst>
-  </p:cSld>
-  <p:clrMapOvr>
-    <a:masterClrMapping/>
-  </p:clrMapOvr>
-  <p:transition>
-    <p:fade/>
-  </p:transition>
-</p:sld>
-</file>
-
-<file path=ppt/slides/slide6.xml><?xml version="1.0" encoding="utf-8"?>
-<p:sld xmlns:a="http://schemas.openxmlformats.org/drawingml/2006/main" xmlns:r="http://schemas.openxmlformats.org/officeDocument/2006/relationships" xmlns:p="http://schemas.openxmlformats.org/presentationml/2006/main">
-  <p:cSld>
-    <p:spTree>
-      <p:nvGrpSpPr>
-        <p:cNvPr id="1" name=""/>
-        <p:cNvGrpSpPr/>
-        <p:nvPr/>
-      </p:nvGrpSpPr>
-      <p:grpSpPr>
-        <a:xfrm>
-          <a:off x="0" y="0"/>
-          <a:ext cx="0" cy="0"/>
-          <a:chOff x="0" y="0"/>
-          <a:chExt cx="0" cy="0"/>
-        </a:xfrm>
-      </p:grpSpPr>
-      <p:pic>
-        <p:nvPicPr>
-          <p:cNvPr id="2" name="Picture 3" descr="Diagram&#10;&#10;Description automatically generated">
-            <a:extLst>
-              <a:ext uri="{FF2B5EF4-FFF2-40B4-BE49-F238E27FC236}">
-                <a16:creationId xmlns:a16="http://schemas.microsoft.com/office/drawing/2014/main" id="{D637DBFD-2C0B-47F9-8BC3-F09B86327871}"/>
-              </a:ext>
-            </a:extLst>
-          </p:cNvPr>
-          <p:cNvPicPr>
-            <a:picLocks noChangeAspect="1"/>
-          </p:cNvPicPr>
-          <p:nvPr/>
-        </p:nvPicPr>
-        <p:blipFill>
-          <a:blip r:embed="rId2"/>
-          <a:stretch>
-            <a:fillRect/>
-          </a:stretch>
-        </p:blipFill>
-        <p:spPr>
-          <a:xfrm>
-            <a:off x="1574954" y="1026026"/>
-            <a:ext cx="10655480" cy="6444926"/>
-          </a:xfrm>
-          <a:prstGeom prst="rect">
-            <a:avLst/>
-          </a:prstGeom>
-          <a:noFill/>
-          <a:ln>
-            <a:noFill/>
-          </a:ln>
-        </p:spPr>
-      </p:pic>
-      <p:sp>
-        <p:nvSpPr>
-          <p:cNvPr id="8" name="Title 1">
-            <a:extLst>
-              <a:ext uri="{FF2B5EF4-FFF2-40B4-BE49-F238E27FC236}">
-                <a16:creationId xmlns:a16="http://schemas.microsoft.com/office/drawing/2014/main" id="{CCBBBDB5-269B-4746-B097-AF1B5316773C}"/>
-              </a:ext>
-            </a:extLst>
-          </p:cNvPr>
-          <p:cNvSpPr>
-            <a:spLocks noGrp="1"/>
-          </p:cNvSpPr>
-          <p:nvPr>
-            <p:ph type="title"/>
-          </p:nvPr>
-        </p:nvSpPr>
-        <p:spPr>
-          <a:xfrm>
-            <a:off x="400424" y="246383"/>
-            <a:ext cx="13016750" cy="779320"/>
-          </a:xfrm>
-        </p:spPr>
-        <p:txBody>
-          <a:bodyPr wrap="square" anchor="t">
-            <a:normAutofit/>
-          </a:bodyPr>
-          <a:lstStyle/>
-          <a:p>
-            <a:r>
-              <a:rPr lang="en-US"/>
-              <a:t>Class Diagram</a:t>
-            </a:r>
-          </a:p>
-        </p:txBody>
-      </p:sp>
-    </p:spTree>
-    <p:extLst>
-      <p:ext uri="{BB962C8B-B14F-4D97-AF65-F5344CB8AC3E}">
-        <p14:creationId xmlns:p14="http://schemas.microsoft.com/office/powerpoint/2010/main" val="2622422789"/>
-      </p:ext>
-    </p:extLst>
-  </p:cSld>
-  <p:clrMapOvr>
-    <a:masterClrMapping/>
-  </p:clrMapOvr>
-  <p:transition>
-    <p:fade/>
-  </p:transition>
-</p:sld>
-</file>
-
-<file path=ppt/slides/slide7.xml><?xml version="1.0" encoding="utf-8"?>
-<p:sld xmlns:a="http://schemas.openxmlformats.org/drawingml/2006/main" xmlns:r="http://schemas.openxmlformats.org/officeDocument/2006/relationships" xmlns:p="http://schemas.openxmlformats.org/presentationml/2006/main">
-  <p:cSld>
-    <p:spTree>
-      <p:nvGrpSpPr>
-        <p:cNvPr id="1" name="Shape 228"/>
-        <p:cNvGrpSpPr/>
-        <p:nvPr/>
-      </p:nvGrpSpPr>
-      <p:grpSpPr>
-        <a:xfrm>
-          <a:off x="0" y="0"/>
-          <a:ext cx="0" cy="0"/>
-          <a:chOff x="0" y="0"/>
-          <a:chExt cx="0" cy="0"/>
-        </a:xfrm>
-      </p:grpSpPr>
-      <p:sp>
-        <p:nvSpPr>
-          <p:cNvPr id="2" name="Title 1">
-            <a:extLst>
-              <a:ext uri="{FF2B5EF4-FFF2-40B4-BE49-F238E27FC236}">
-                <a16:creationId xmlns:a16="http://schemas.microsoft.com/office/drawing/2014/main" id="{19E8C631-AC2F-4079-828C-5D694CC551E7}"/>
-              </a:ext>
-            </a:extLst>
-          </p:cNvPr>
-          <p:cNvSpPr>
-            <a:spLocks noGrp="1"/>
-          </p:cNvSpPr>
-          <p:nvPr>
-            <p:ph type="title"/>
-          </p:nvPr>
-        </p:nvSpPr>
-        <p:spPr>
-          <a:xfrm>
-            <a:off x="628075" y="406915"/>
-            <a:ext cx="12561453" cy="1015663"/>
-          </a:xfrm>
-        </p:spPr>
-        <p:txBody>
-          <a:bodyPr/>
-          <a:lstStyle/>
-          <a:p>
-            <a:r>
-              <a:rPr lang="en-US"/>
-              <a:t>CRC Cards</a:t>
-            </a:r>
-          </a:p>
-        </p:txBody>
-      </p:sp>
-      <p:pic>
-        <p:nvPicPr>
-          <p:cNvPr id="4" name="Picture 5" descr="Table&#10;&#10;Description automatically generated">
-            <a:extLst>
-              <a:ext uri="{FF2B5EF4-FFF2-40B4-BE49-F238E27FC236}">
-                <a16:creationId xmlns:a16="http://schemas.microsoft.com/office/drawing/2014/main" id="{7C112A7C-7285-4616-9479-CAA105C5D16E}"/>
-              </a:ext>
-            </a:extLst>
-          </p:cNvPr>
-          <p:cNvPicPr>
-            <a:picLocks noChangeAspect="1"/>
-          </p:cNvPicPr>
-          <p:nvPr/>
-        </p:nvPicPr>
-        <p:blipFill>
-          <a:blip r:embed="rId3"/>
-          <a:stretch>
-            <a:fillRect/>
-          </a:stretch>
-        </p:blipFill>
-        <p:spPr>
-          <a:xfrm>
-            <a:off x="7447078" y="2301866"/>
-            <a:ext cx="5159339" cy="3667984"/>
-          </a:xfrm>
-          <a:prstGeom prst="rect">
-            <a:avLst/>
-          </a:prstGeom>
-        </p:spPr>
-      </p:pic>
-      <p:pic>
-        <p:nvPicPr>
-          <p:cNvPr id="6" name="Picture 7" descr="A screenshot of a cell phone&#10;&#10;Description automatically generated">
-            <a:extLst>
-              <a:ext uri="{FF2B5EF4-FFF2-40B4-BE49-F238E27FC236}">
-                <a16:creationId xmlns:a16="http://schemas.microsoft.com/office/drawing/2014/main" id="{B998D122-02AE-423E-B1F3-33AC1FB60F85}"/>
-              </a:ext>
-            </a:extLst>
-          </p:cNvPr>
-          <p:cNvPicPr>
-            <a:picLocks noChangeAspect="1"/>
-          </p:cNvPicPr>
-          <p:nvPr/>
-        </p:nvPicPr>
-        <p:blipFill>
-          <a:blip r:embed="rId4"/>
-          <a:stretch>
-            <a:fillRect/>
-          </a:stretch>
-        </p:blipFill>
-        <p:spPr>
-          <a:xfrm>
-            <a:off x="2102838" y="1382743"/>
-            <a:ext cx="4897348" cy="5732409"/>
-          </a:xfrm>
-          <a:prstGeom prst="rect">
-            <a:avLst/>
-          </a:prstGeom>
-        </p:spPr>
-      </p:pic>
-    </p:spTree>
-  </p:cSld>
-  <p:clrMapOvr>
-    <a:masterClrMapping/>
-  </p:clrMapOvr>
-</p:sld>
-</file>
-
-<file path=ppt/slides/slide8.xml><?xml version="1.0" encoding="utf-8"?>
-<p:sld xmlns:a="http://schemas.openxmlformats.org/drawingml/2006/main" xmlns:r="http://schemas.openxmlformats.org/officeDocument/2006/relationships" xmlns:p="http://schemas.openxmlformats.org/presentationml/2006/main">
-  <p:cSld>
-    <p:spTree>
-      <p:nvGrpSpPr>
-        <p:cNvPr id="1" name="Shape 209"/>
-        <p:cNvGrpSpPr/>
-        <p:nvPr/>
-      </p:nvGrpSpPr>
-      <p:grpSpPr>
-        <a:xfrm>
-          <a:off x="0" y="0"/>
-          <a:ext cx="0" cy="0"/>
-          <a:chOff x="0" y="0"/>
-          <a:chExt cx="0" cy="0"/>
-        </a:xfrm>
-      </p:grpSpPr>
-      <p:sp>
-        <p:nvSpPr>
-          <p:cNvPr id="4" name="Title 3">
-            <a:extLst>
-              <a:ext uri="{FF2B5EF4-FFF2-40B4-BE49-F238E27FC236}">
-                <a16:creationId xmlns:a16="http://schemas.microsoft.com/office/drawing/2014/main" id="{D19F4384-A70A-4D14-AF46-4E1AEFEA7451}"/>
-              </a:ext>
-            </a:extLst>
-          </p:cNvPr>
-          <p:cNvSpPr>
-            <a:spLocks noGrp="1"/>
-          </p:cNvSpPr>
-          <p:nvPr>
-            <p:ph type="title"/>
-          </p:nvPr>
-        </p:nvSpPr>
-        <p:spPr>
-          <a:xfrm>
-            <a:off x="628075" y="460309"/>
-            <a:ext cx="12561453" cy="1015663"/>
-          </a:xfrm>
-        </p:spPr>
-        <p:txBody>
-          <a:bodyPr/>
-          <a:lstStyle/>
-          <a:p>
-            <a:r>
-              <a:rPr lang="en-US"/>
-              <a:t>User Stories and Tasks</a:t>
-            </a:r>
-          </a:p>
-        </p:txBody>
-      </p:sp>
-    </p:spTree>
-  </p:cSld>
-  <p:clrMapOvr>
-    <a:masterClrMapping/>
-  </p:clrMapOvr>
-</p:sld>
-</file>
-
-<file path=ppt/slides/slide9.xml><?xml version="1.0" encoding="utf-8"?>
-<p:sld xmlns:a="http://schemas.openxmlformats.org/drawingml/2006/main" xmlns:r="http://schemas.openxmlformats.org/officeDocument/2006/relationships" xmlns:p="http://schemas.openxmlformats.org/presentationml/2006/main">
-  <p:cSld>
-    <p:spTree>
-      <p:nvGrpSpPr>
-        <p:cNvPr id="1" name=""/>
-        <p:cNvGrpSpPr/>
-        <p:nvPr/>
-      </p:nvGrpSpPr>
-      <p:grpSpPr>
-        <a:xfrm>
-          <a:off x="0" y="0"/>
-          <a:ext cx="0" cy="0"/>
-          <a:chOff x="0" y="0"/>
-          <a:chExt cx="0" cy="0"/>
-        </a:xfrm>
-      </p:grpSpPr>
-      <p:sp>
-        <p:nvSpPr>
-          <p:cNvPr id="2" name="Title 1">
-            <a:extLst>
-              <a:ext uri="{FF2B5EF4-FFF2-40B4-BE49-F238E27FC236}">
-                <a16:creationId xmlns:a16="http://schemas.microsoft.com/office/drawing/2014/main" id="{E0FB43CD-AC1D-409D-81C1-54986F2D5E73}"/>
-              </a:ext>
-            </a:extLst>
-          </p:cNvPr>
-          <p:cNvSpPr>
-            <a:spLocks noGrp="1"/>
-          </p:cNvSpPr>
-          <p:nvPr>
-            <p:ph type="title"/>
-          </p:nvPr>
-        </p:nvSpPr>
-        <p:spPr/>
-        <p:txBody>
-          <a:bodyPr/>
-          <a:lstStyle/>
-          <a:p>
-            <a:r>
-              <a:rPr lang="en-US"/>
-              <a:t>Acceptance Criteria</a:t>
-            </a:r>
-          </a:p>
-        </p:txBody>
-      </p:sp>
-    </p:spTree>
-    <p:extLst>
-      <p:ext uri="{BB962C8B-B14F-4D97-AF65-F5344CB8AC3E}">
-        <p14:creationId xmlns:p14="http://schemas.microsoft.com/office/powerpoint/2010/main" val="487161662"/>
       </p:ext>
     </p:extLst>
   </p:cSld>
@@ -18838,6 +21364,15 @@
 </file>
 
 <file path=customXml/item1.xml><?xml version="1.0" encoding="utf-8"?>
+<?mso-contentType ?>
+<FormTemplates xmlns="http://schemas.microsoft.com/sharepoint/v3/contenttype/forms">
+  <Display>DocumentLibraryForm</Display>
+  <Edit>DocumentLibraryForm</Edit>
+  <New>DocumentLibraryForm</New>
+</FormTemplates>
+</file>
+
+<file path=customXml/item2.xml><?xml version="1.0" encoding="utf-8"?>
 <ct:contentTypeSchema xmlns:ct="http://schemas.microsoft.com/office/2006/metadata/contentType" xmlns:ma="http://schemas.microsoft.com/office/2006/metadata/properties/metaAttributes" ct:_="" ma:_="" ma:contentTypeName="Document" ma:contentTypeID="0x010100F9384691A9BD6543B5FC6837843D56E5" ma:contentTypeVersion="9" ma:contentTypeDescription="Create a new document." ma:contentTypeScope="" ma:versionID="26ccd6afb8f6d96232ed66cbf47b31c5">
   <xsd:schema xmlns:xsd="http://www.w3.org/2001/XMLSchema" xmlns:xs="http://www.w3.org/2001/XMLSchema" xmlns:p="http://schemas.microsoft.com/office/2006/metadata/properties" xmlns:ns2="d2746de8-b5d4-4760-b786-5c776911d456" targetNamespace="http://schemas.microsoft.com/office/2006/metadata/properties" ma:root="true" ma:fieldsID="fa529ef5dae4b9fcc302e099a88cded9" ns2:_="">
     <xsd:import namespace="d2746de8-b5d4-4760-b786-5c776911d456"/>
@@ -19015,15 +21550,6 @@
 </ct:contentTypeSchema>
 </file>
 
-<file path=customXml/item2.xml><?xml version="1.0" encoding="utf-8"?>
-<?mso-contentType ?>
-<FormTemplates xmlns="http://schemas.microsoft.com/sharepoint/v3/contenttype/forms">
-  <Display>DocumentLibraryForm</Display>
-  <Edit>DocumentLibraryForm</Edit>
-  <New>DocumentLibraryForm</New>
-</FormTemplates>
-</file>
-
 <file path=customXml/item3.xml><?xml version="1.0" encoding="utf-8"?>
 <p:properties xmlns:p="http://schemas.microsoft.com/office/2006/metadata/properties" xmlns:xsi="http://www.w3.org/2001/XMLSchema-instance" xmlns:pc="http://schemas.microsoft.com/office/infopath/2007/PartnerControls">
   <documentManagement/>
@@ -19031,6 +21557,14 @@
 </file>
 
 <file path=customXml/itemProps1.xml><?xml version="1.0" encoding="utf-8"?>
+<ds:datastoreItem xmlns:ds="http://schemas.openxmlformats.org/officeDocument/2006/customXml" ds:itemID="{4847CF9F-849A-45B1-A41C-37C3B0B8464A}">
+  <ds:schemaRefs>
+    <ds:schemaRef ds:uri="http://schemas.microsoft.com/sharepoint/v3/contenttype/forms"/>
+  </ds:schemaRefs>
+</ds:datastoreItem>
+</file>
+
+<file path=customXml/itemProps2.xml><?xml version="1.0" encoding="utf-8"?>
 <ds:datastoreItem xmlns:ds="http://schemas.openxmlformats.org/officeDocument/2006/customXml" ds:itemID="{75B7A37D-D331-4723-85FD-D9884A43C084}">
   <ds:schemaRefs>
     <ds:schemaRef ds:uri="d2746de8-b5d4-4760-b786-5c776911d456"/>
@@ -19048,14 +21582,6 @@
 </ds:datastoreItem>
 </file>
 
-<file path=customXml/itemProps2.xml><?xml version="1.0" encoding="utf-8"?>
-<ds:datastoreItem xmlns:ds="http://schemas.openxmlformats.org/officeDocument/2006/customXml" ds:itemID="{4847CF9F-849A-45B1-A41C-37C3B0B8464A}">
-  <ds:schemaRefs>
-    <ds:schemaRef ds:uri="http://schemas.microsoft.com/sharepoint/v3/contenttype/forms"/>
-  </ds:schemaRefs>
-</ds:datastoreItem>
-</file>
-
 <file path=customXml/itemProps3.xml><?xml version="1.0" encoding="utf-8"?>
 <ds:datastoreItem xmlns:ds="http://schemas.openxmlformats.org/officeDocument/2006/customXml" ds:itemID="{A7276977-2A41-4D9C-981B-B434C48F9194}">
   <ds:schemaRefs>
